--- a/Nam3_HK1/CNPM_SoftTech/N6_ECommerce_Fashion247.pptx
+++ b/Nam3_HK1/CNPM_SoftTech/N6_ECommerce_Fashion247.pptx
@@ -5,24 +5,26 @@
     <p:sldMasterId id="2147483648" r:id="rId4"/>
   </p:sldMasterIdLst>
   <p:notesMasterIdLst>
-    <p:notesMasterId r:id="rId20"/>
+    <p:notesMasterId r:id="rId22"/>
   </p:notesMasterIdLst>
   <p:sldIdLst>
     <p:sldId id="256" r:id="rId5"/>
     <p:sldId id="257" r:id="rId6"/>
     <p:sldId id="258" r:id="rId7"/>
-    <p:sldId id="259" r:id="rId8"/>
-    <p:sldId id="261" r:id="rId9"/>
-    <p:sldId id="260" r:id="rId10"/>
-    <p:sldId id="273" r:id="rId11"/>
-    <p:sldId id="271" r:id="rId12"/>
-    <p:sldId id="269" r:id="rId13"/>
-    <p:sldId id="264" r:id="rId14"/>
-    <p:sldId id="270" r:id="rId15"/>
-    <p:sldId id="265" r:id="rId16"/>
-    <p:sldId id="266" r:id="rId17"/>
-    <p:sldId id="267" r:id="rId18"/>
-    <p:sldId id="275" r:id="rId19"/>
+    <p:sldId id="276" r:id="rId8"/>
+    <p:sldId id="277" r:id="rId9"/>
+    <p:sldId id="259" r:id="rId10"/>
+    <p:sldId id="261" r:id="rId11"/>
+    <p:sldId id="260" r:id="rId12"/>
+    <p:sldId id="273" r:id="rId13"/>
+    <p:sldId id="271" r:id="rId14"/>
+    <p:sldId id="269" r:id="rId15"/>
+    <p:sldId id="264" r:id="rId16"/>
+    <p:sldId id="270" r:id="rId17"/>
+    <p:sldId id="265" r:id="rId18"/>
+    <p:sldId id="266" r:id="rId19"/>
+    <p:sldId id="267" r:id="rId20"/>
+    <p:sldId id="275" r:id="rId21"/>
   </p:sldIdLst>
   <p:sldSz cx="12192000" cy="6858000"/>
   <p:notesSz cx="6858000" cy="9144000"/>
@@ -11498,7 +11500,7 @@
           <a:p>
             <a:fld id="{7487ADD9-2083-264C-A652-8D52D02F7E72}" type="datetimeFigureOut">
               <a:rPr lang="en-US" smtClean="0"/>
-              <a:t>11/20/2022</a:t>
+              <a:t>11/21/2022</a:t>
             </a:fld>
             <a:endParaRPr lang="en-US"/>
           </a:p>
@@ -13155,7 +13157,7 @@
             <a:fld id="{5F02DCD1-2C6B-F948-9F72-3BB0CF3D512E}" type="datetime1">
               <a:rPr lang="en-US" smtClean="0"/>
               <a:pPr/>
-              <a:t>11/20/2022</a:t>
+              <a:t>11/21/2022</a:t>
             </a:fld>
             <a:endParaRPr lang="en-US"/>
           </a:p>
@@ -14040,7 +14042,7 @@
             <a:fld id="{C1583C39-01BF-7F43-854C-FBB4E9AB6B0C}" type="datetime1">
               <a:rPr lang="en-US" smtClean="0"/>
               <a:pPr/>
-              <a:t>11/20/2022</a:t>
+              <a:t>11/21/2022</a:t>
             </a:fld>
             <a:endParaRPr lang="en-US"/>
           </a:p>
@@ -15217,7 +15219,7 @@
             <a:fld id="{4B103E64-1627-9140-8127-1849FED275E1}" type="datetime1">
               <a:rPr lang="en-US" smtClean="0"/>
               <a:pPr/>
-              <a:t>11/20/2022</a:t>
+              <a:t>11/21/2022</a:t>
             </a:fld>
             <a:endParaRPr lang="en-US"/>
           </a:p>
@@ -17297,7 +17299,7 @@
             <a:fld id="{DD9C8446-696E-6942-B6C8-CC9CAD0B34E0}" type="datetime1">
               <a:rPr lang="en-US" smtClean="0"/>
               <a:pPr/>
-              <a:t>11/20/2022</a:t>
+              <a:t>11/21/2022</a:t>
             </a:fld>
             <a:endParaRPr lang="en-US"/>
           </a:p>
@@ -18015,7 +18017,7 @@
             <a:fld id="{F5592931-05C6-8543-8B6E-A8BD29BD5C2B}" type="datetime1">
               <a:rPr lang="en-US" smtClean="0"/>
               <a:pPr/>
-              <a:t>11/20/2022</a:t>
+              <a:t>11/21/2022</a:t>
             </a:fld>
             <a:endParaRPr lang="en-US"/>
           </a:p>
@@ -19243,7 +19245,7 @@
             <a:fld id="{7E7AB22C-8B7E-9B4A-8C65-396C3C874D86}" type="datetime1">
               <a:rPr lang="en-US" smtClean="0"/>
               <a:pPr/>
-              <a:t>11/20/2022</a:t>
+              <a:t>11/21/2022</a:t>
             </a:fld>
             <a:endParaRPr lang="en-US"/>
           </a:p>
@@ -19835,7 +19837,7 @@
             <a:fld id="{8CE9AC2A-20AD-8C48-B5EB-B5322BDBCDEE}" type="datetime1">
               <a:rPr lang="en-US" smtClean="0"/>
               <a:pPr/>
-              <a:t>11/20/2022</a:t>
+              <a:t>11/21/2022</a:t>
             </a:fld>
             <a:endParaRPr lang="en-US"/>
           </a:p>
@@ -20308,7 +20310,7 @@
             <a:fld id="{4CF75428-5BE0-934D-BB71-675F8E23A386}" type="datetime1">
               <a:rPr lang="en-US" smtClean="0"/>
               <a:pPr/>
-              <a:t>11/20/2022</a:t>
+              <a:t>11/21/2022</a:t>
             </a:fld>
             <a:endParaRPr lang="en-US"/>
           </a:p>
@@ -21154,7 +21156,7 @@
             <a:fld id="{9A85C5CA-AE29-AB4C-8F85-0373C72001D8}" type="datetime1">
               <a:rPr lang="en-US" smtClean="0"/>
               <a:pPr/>
-              <a:t>11/20/2022</a:t>
+              <a:t>11/21/2022</a:t>
             </a:fld>
             <a:endParaRPr lang="en-US"/>
           </a:p>
@@ -23371,7 +23373,7 @@
             <a:fld id="{75594855-01E8-5A4B-B2B8-E2ECEF879100}" type="datetime1">
               <a:rPr lang="en-US" smtClean="0"/>
               <a:pPr/>
-              <a:t>11/20/2022</a:t>
+              <a:t>11/21/2022</a:t>
             </a:fld>
             <a:endParaRPr lang="en-US"/>
           </a:p>
@@ -23640,7 +23642,7 @@
             <a:fld id="{B562DF68-3089-814D-8A14-C651FE91885E}" type="datetime1">
               <a:rPr lang="en-US" smtClean="0"/>
               <a:pPr/>
-              <a:t>11/20/2022</a:t>
+              <a:t>11/21/2022</a:t>
             </a:fld>
             <a:endParaRPr lang="en-US"/>
           </a:p>
@@ -25099,6 +25101,1538 @@
           <p:cNvPr id="2" name="Title 1">
             <a:extLst>
               <a:ext uri="{FF2B5EF4-FFF2-40B4-BE49-F238E27FC236}">
+                <a16:creationId xmlns:a16="http://schemas.microsoft.com/office/drawing/2014/main" id="{27A6F7BB-30A8-4980-AD4A-2FB0B53FA6C9}"/>
+              </a:ext>
+            </a:extLst>
+          </p:cNvPr>
+          <p:cNvSpPr>
+            <a:spLocks noGrp="1"/>
+          </p:cNvSpPr>
+          <p:nvPr>
+            <p:ph type="title"/>
+          </p:nvPr>
+        </p:nvSpPr>
+        <p:spPr>
+          <a:xfrm>
+            <a:off x="750430" y="381000"/>
+            <a:ext cx="8401624" cy="1325563"/>
+          </a:xfrm>
+        </p:spPr>
+        <p:txBody>
+          <a:bodyPr/>
+          <a:lstStyle/>
+          <a:p>
+            <a:r>
+              <a:rPr lang="en-US"/>
+              <a:t>Meet our team</a:t>
+            </a:r>
+          </a:p>
+        </p:txBody>
+      </p:sp>
+      <p:pic>
+        <p:nvPicPr>
+          <p:cNvPr id="42" name="Picture Placeholder 15" descr="Team member headshot">
+            <a:extLst>
+              <a:ext uri="{FF2B5EF4-FFF2-40B4-BE49-F238E27FC236}">
+                <a16:creationId xmlns:a16="http://schemas.microsoft.com/office/drawing/2014/main" id="{8BDB1906-FF07-4447-9C68-585F54C5EED2}"/>
+              </a:ext>
+            </a:extLst>
+          </p:cNvPr>
+          <p:cNvPicPr>
+            <a:picLocks noGrp="1" noChangeAspect="1"/>
+          </p:cNvPicPr>
+          <p:nvPr>
+            <p:ph type="pic" sz="quarter" idx="13"/>
+          </p:nvPr>
+        </p:nvPicPr>
+        <p:blipFill rotWithShape="1">
+          <a:blip r:embed="rId2">
+            <a:extLst>
+              <a:ext uri="{28A0092B-C50C-407E-A947-70E740481C1C}">
+                <a14:useLocalDpi xmlns:a14="http://schemas.microsoft.com/office/drawing/2010/main" val="0"/>
+              </a:ext>
+            </a:extLst>
+          </a:blip>
+          <a:srcRect/>
+          <a:stretch/>
+        </p:blipFill>
+        <p:spPr>
+          <a:xfrm>
+            <a:off x="750429" y="2227758"/>
+            <a:ext cx="1200374" cy="1201242"/>
+          </a:xfrm>
+        </p:spPr>
+      </p:pic>
+      <p:sp>
+        <p:nvSpPr>
+          <p:cNvPr id="34" name="Text Placeholder 33">
+            <a:extLst>
+              <a:ext uri="{FF2B5EF4-FFF2-40B4-BE49-F238E27FC236}">
+                <a16:creationId xmlns:a16="http://schemas.microsoft.com/office/drawing/2014/main" id="{C1C92E27-D550-F44E-8491-927F819E72B8}"/>
+              </a:ext>
+            </a:extLst>
+          </p:cNvPr>
+          <p:cNvSpPr>
+            <a:spLocks noGrp="1"/>
+          </p:cNvSpPr>
+          <p:nvPr>
+            <p:ph type="body" sz="quarter" idx="17"/>
+          </p:nvPr>
+        </p:nvSpPr>
+        <p:spPr>
+          <a:xfrm>
+            <a:off x="2123351" y="2426400"/>
+            <a:ext cx="2281237" cy="347662"/>
+          </a:xfrm>
+        </p:spPr>
+        <p:txBody>
+          <a:bodyPr/>
+          <a:lstStyle/>
+          <a:p>
+            <a:r>
+              <a:rPr lang="en-US"/>
+              <a:t>Takuma Hayashi</a:t>
+            </a:r>
+          </a:p>
+        </p:txBody>
+      </p:sp>
+      <p:sp>
+        <p:nvSpPr>
+          <p:cNvPr id="35" name="Text Placeholder 34">
+            <a:extLst>
+              <a:ext uri="{FF2B5EF4-FFF2-40B4-BE49-F238E27FC236}">
+                <a16:creationId xmlns:a16="http://schemas.microsoft.com/office/drawing/2014/main" id="{7D722C50-45F7-D84B-B216-568F72D66349}"/>
+              </a:ext>
+            </a:extLst>
+          </p:cNvPr>
+          <p:cNvSpPr>
+            <a:spLocks noGrp="1"/>
+          </p:cNvSpPr>
+          <p:nvPr>
+            <p:ph type="body" sz="quarter" idx="18"/>
+          </p:nvPr>
+        </p:nvSpPr>
+        <p:spPr>
+          <a:xfrm>
+            <a:off x="2123350" y="2811646"/>
+            <a:ext cx="2281237" cy="347662"/>
+          </a:xfrm>
+        </p:spPr>
+        <p:txBody>
+          <a:bodyPr/>
+          <a:lstStyle/>
+          <a:p>
+            <a:r>
+              <a:rPr lang="en-US"/>
+              <a:t>President</a:t>
+            </a:r>
+          </a:p>
+        </p:txBody>
+      </p:sp>
+      <p:pic>
+        <p:nvPicPr>
+          <p:cNvPr id="43" name="Picture Placeholder 17" descr="Team member headshot">
+            <a:extLst>
+              <a:ext uri="{FF2B5EF4-FFF2-40B4-BE49-F238E27FC236}">
+                <a16:creationId xmlns:a16="http://schemas.microsoft.com/office/drawing/2014/main" id="{A82F6AEE-FCBF-0245-BB71-E76973B3A97D}"/>
+              </a:ext>
+            </a:extLst>
+          </p:cNvPr>
+          <p:cNvPicPr>
+            <a:picLocks noGrp="1" noChangeAspect="1"/>
+          </p:cNvPicPr>
+          <p:nvPr>
+            <p:ph type="pic" sz="quarter" idx="14"/>
+          </p:nvPr>
+        </p:nvPicPr>
+        <p:blipFill rotWithShape="1">
+          <a:blip r:embed="rId3">
+            <a:extLst>
+              <a:ext uri="{28A0092B-C50C-407E-A947-70E740481C1C}">
+                <a14:useLocalDpi xmlns:a14="http://schemas.microsoft.com/office/drawing/2010/main" val="0"/>
+              </a:ext>
+            </a:extLst>
+          </a:blip>
+          <a:srcRect/>
+          <a:stretch/>
+        </p:blipFill>
+        <p:spPr>
+          <a:xfrm>
+            <a:off x="5495813" y="2227758"/>
+            <a:ext cx="1200374" cy="1201242"/>
+          </a:xfrm>
+        </p:spPr>
+      </p:pic>
+      <p:sp>
+        <p:nvSpPr>
+          <p:cNvPr id="36" name="Text Placeholder 35">
+            <a:extLst>
+              <a:ext uri="{FF2B5EF4-FFF2-40B4-BE49-F238E27FC236}">
+                <a16:creationId xmlns:a16="http://schemas.microsoft.com/office/drawing/2014/main" id="{176187A9-3EBE-F64D-AE99-021BB3767F90}"/>
+              </a:ext>
+            </a:extLst>
+          </p:cNvPr>
+          <p:cNvSpPr>
+            <a:spLocks noGrp="1"/>
+          </p:cNvSpPr>
+          <p:nvPr>
+            <p:ph type="body" sz="quarter" idx="19"/>
+          </p:nvPr>
+        </p:nvSpPr>
+        <p:spPr>
+          <a:xfrm>
+            <a:off x="6870817" y="2422565"/>
+            <a:ext cx="2281237" cy="347662"/>
+          </a:xfrm>
+        </p:spPr>
+        <p:txBody>
+          <a:bodyPr/>
+          <a:lstStyle/>
+          <a:p>
+            <a:r>
+              <a:rPr lang="en-US"/>
+              <a:t>Mirjam Nilsson</a:t>
+            </a:r>
+          </a:p>
+        </p:txBody>
+      </p:sp>
+      <p:sp>
+        <p:nvSpPr>
+          <p:cNvPr id="37" name="Text Placeholder 36">
+            <a:extLst>
+              <a:ext uri="{FF2B5EF4-FFF2-40B4-BE49-F238E27FC236}">
+                <a16:creationId xmlns:a16="http://schemas.microsoft.com/office/drawing/2014/main" id="{7990731F-95DE-4F44-8EA0-E275CEAFD8A2}"/>
+              </a:ext>
+            </a:extLst>
+          </p:cNvPr>
+          <p:cNvSpPr>
+            <a:spLocks noGrp="1"/>
+          </p:cNvSpPr>
+          <p:nvPr>
+            <p:ph type="body" sz="quarter" idx="20"/>
+          </p:nvPr>
+        </p:nvSpPr>
+        <p:spPr>
+          <a:xfrm>
+            <a:off x="6870816" y="2807811"/>
+            <a:ext cx="2281237" cy="347662"/>
+          </a:xfrm>
+        </p:spPr>
+        <p:txBody>
+          <a:bodyPr/>
+          <a:lstStyle/>
+          <a:p>
+            <a:r>
+              <a:rPr lang="en-US"/>
+              <a:t>Chief Executive Officer</a:t>
+            </a:r>
+          </a:p>
+        </p:txBody>
+      </p:sp>
+      <p:pic>
+        <p:nvPicPr>
+          <p:cNvPr id="44" name="Picture Placeholder 19" descr="Team member headshot">
+            <a:extLst>
+              <a:ext uri="{FF2B5EF4-FFF2-40B4-BE49-F238E27FC236}">
+                <a16:creationId xmlns:a16="http://schemas.microsoft.com/office/drawing/2014/main" id="{C99B7845-619A-9F40-A5C3-4C122626044D}"/>
+              </a:ext>
+            </a:extLst>
+          </p:cNvPr>
+          <p:cNvPicPr>
+            <a:picLocks noGrp="1" noChangeAspect="1"/>
+          </p:cNvPicPr>
+          <p:nvPr>
+            <p:ph type="pic" sz="quarter" idx="15"/>
+          </p:nvPr>
+        </p:nvPicPr>
+        <p:blipFill rotWithShape="1">
+          <a:blip r:embed="rId4">
+            <a:extLst>
+              <a:ext uri="{28A0092B-C50C-407E-A947-70E740481C1C}">
+                <a14:useLocalDpi xmlns:a14="http://schemas.microsoft.com/office/drawing/2010/main" val="0"/>
+              </a:ext>
+            </a:extLst>
+          </a:blip>
+          <a:srcRect/>
+          <a:stretch/>
+        </p:blipFill>
+        <p:spPr>
+          <a:xfrm>
+            <a:off x="750429" y="4254273"/>
+            <a:ext cx="1200374" cy="1201242"/>
+          </a:xfrm>
+        </p:spPr>
+      </p:pic>
+      <p:sp>
+        <p:nvSpPr>
+          <p:cNvPr id="38" name="Text Placeholder 37">
+            <a:extLst>
+              <a:ext uri="{FF2B5EF4-FFF2-40B4-BE49-F238E27FC236}">
+                <a16:creationId xmlns:a16="http://schemas.microsoft.com/office/drawing/2014/main" id="{5B19EE51-628F-CA4E-94B0-57E9ACA1446A}"/>
+              </a:ext>
+            </a:extLst>
+          </p:cNvPr>
+          <p:cNvSpPr>
+            <a:spLocks noGrp="1"/>
+          </p:cNvSpPr>
+          <p:nvPr>
+            <p:ph type="body" sz="quarter" idx="21"/>
+          </p:nvPr>
+        </p:nvSpPr>
+        <p:spPr>
+          <a:xfrm>
+            <a:off x="2123351" y="4498793"/>
+            <a:ext cx="2281237" cy="347662"/>
+          </a:xfrm>
+        </p:spPr>
+        <p:txBody>
+          <a:bodyPr/>
+          <a:lstStyle/>
+          <a:p>
+            <a:r>
+              <a:rPr lang="en-US"/>
+              <a:t>Flora Berggren</a:t>
+            </a:r>
+          </a:p>
+        </p:txBody>
+      </p:sp>
+      <p:sp>
+        <p:nvSpPr>
+          <p:cNvPr id="39" name="Text Placeholder 38">
+            <a:extLst>
+              <a:ext uri="{FF2B5EF4-FFF2-40B4-BE49-F238E27FC236}">
+                <a16:creationId xmlns:a16="http://schemas.microsoft.com/office/drawing/2014/main" id="{2A6ACC78-74DF-604E-BD14-4BBE7B4EEF5B}"/>
+              </a:ext>
+            </a:extLst>
+          </p:cNvPr>
+          <p:cNvSpPr>
+            <a:spLocks noGrp="1"/>
+          </p:cNvSpPr>
+          <p:nvPr>
+            <p:ph type="body" sz="quarter" idx="22"/>
+          </p:nvPr>
+        </p:nvSpPr>
+        <p:spPr>
+          <a:xfrm>
+            <a:off x="2123350" y="4884039"/>
+            <a:ext cx="2281237" cy="347662"/>
+          </a:xfrm>
+        </p:spPr>
+        <p:txBody>
+          <a:bodyPr/>
+          <a:lstStyle/>
+          <a:p>
+            <a:r>
+              <a:rPr lang="en-US"/>
+              <a:t>Chief Operation Officer</a:t>
+            </a:r>
+          </a:p>
+        </p:txBody>
+      </p:sp>
+      <p:pic>
+        <p:nvPicPr>
+          <p:cNvPr id="45" name="Picture Placeholder 21" descr="Team member headshot">
+            <a:extLst>
+              <a:ext uri="{FF2B5EF4-FFF2-40B4-BE49-F238E27FC236}">
+                <a16:creationId xmlns:a16="http://schemas.microsoft.com/office/drawing/2014/main" id="{647F7FB2-8714-6449-A700-2E1B81F9DFB7}"/>
+              </a:ext>
+            </a:extLst>
+          </p:cNvPr>
+          <p:cNvPicPr>
+            <a:picLocks noGrp="1" noChangeAspect="1"/>
+          </p:cNvPicPr>
+          <p:nvPr>
+            <p:ph type="pic" sz="quarter" idx="16"/>
+          </p:nvPr>
+        </p:nvPicPr>
+        <p:blipFill rotWithShape="1">
+          <a:blip r:embed="rId5">
+            <a:extLst>
+              <a:ext uri="{28A0092B-C50C-407E-A947-70E740481C1C}">
+                <a14:useLocalDpi xmlns:a14="http://schemas.microsoft.com/office/drawing/2010/main" val="0"/>
+              </a:ext>
+            </a:extLst>
+          </a:blip>
+          <a:srcRect/>
+          <a:stretch/>
+        </p:blipFill>
+        <p:spPr>
+          <a:xfrm>
+            <a:off x="5495813" y="4254273"/>
+            <a:ext cx="1200374" cy="1201242"/>
+          </a:xfrm>
+        </p:spPr>
+      </p:pic>
+      <p:sp>
+        <p:nvSpPr>
+          <p:cNvPr id="40" name="Text Placeholder 39">
+            <a:extLst>
+              <a:ext uri="{FF2B5EF4-FFF2-40B4-BE49-F238E27FC236}">
+                <a16:creationId xmlns:a16="http://schemas.microsoft.com/office/drawing/2014/main" id="{9DC429C0-1DEB-1F4F-AE66-C503B31B7B48}"/>
+              </a:ext>
+            </a:extLst>
+          </p:cNvPr>
+          <p:cNvSpPr>
+            <a:spLocks noGrp="1"/>
+          </p:cNvSpPr>
+          <p:nvPr>
+            <p:ph type="body" sz="quarter" idx="23"/>
+          </p:nvPr>
+        </p:nvSpPr>
+        <p:spPr>
+          <a:xfrm>
+            <a:off x="6870817" y="4498793"/>
+            <a:ext cx="2281237" cy="347662"/>
+          </a:xfrm>
+        </p:spPr>
+        <p:txBody>
+          <a:bodyPr/>
+          <a:lstStyle/>
+          <a:p>
+            <a:r>
+              <a:rPr lang="en-US"/>
+              <a:t>Rajesh Santoshi</a:t>
+            </a:r>
+          </a:p>
+        </p:txBody>
+      </p:sp>
+      <p:sp>
+        <p:nvSpPr>
+          <p:cNvPr id="41" name="Text Placeholder 40">
+            <a:extLst>
+              <a:ext uri="{FF2B5EF4-FFF2-40B4-BE49-F238E27FC236}">
+                <a16:creationId xmlns:a16="http://schemas.microsoft.com/office/drawing/2014/main" id="{31C0CCD4-2502-A14F-B520-7B57524EDF8E}"/>
+              </a:ext>
+            </a:extLst>
+          </p:cNvPr>
+          <p:cNvSpPr>
+            <a:spLocks noGrp="1"/>
+          </p:cNvSpPr>
+          <p:nvPr>
+            <p:ph type="body" sz="quarter" idx="24"/>
+          </p:nvPr>
+        </p:nvSpPr>
+        <p:spPr>
+          <a:xfrm>
+            <a:off x="6870816" y="4884039"/>
+            <a:ext cx="2281237" cy="347662"/>
+          </a:xfrm>
+        </p:spPr>
+        <p:txBody>
+          <a:bodyPr/>
+          <a:lstStyle/>
+          <a:p>
+            <a:r>
+              <a:rPr lang="en-US"/>
+              <a:t>VP Marketing</a:t>
+            </a:r>
+          </a:p>
+        </p:txBody>
+      </p:sp>
+      <p:sp>
+        <p:nvSpPr>
+          <p:cNvPr id="3" name="Date Placeholder 2">
+            <a:extLst>
+              <a:ext uri="{FF2B5EF4-FFF2-40B4-BE49-F238E27FC236}">
+                <a16:creationId xmlns:a16="http://schemas.microsoft.com/office/drawing/2014/main" id="{7517F12A-7304-B447-BEB8-A99EA8009F15}"/>
+              </a:ext>
+            </a:extLst>
+          </p:cNvPr>
+          <p:cNvSpPr>
+            <a:spLocks noGrp="1"/>
+          </p:cNvSpPr>
+          <p:nvPr>
+            <p:ph type="dt" sz="half" idx="10"/>
+          </p:nvPr>
+        </p:nvSpPr>
+        <p:spPr>
+          <a:xfrm>
+            <a:off x="381000" y="6356350"/>
+            <a:ext cx="1569803" cy="365125"/>
+          </a:xfrm>
+        </p:spPr>
+        <p:txBody>
+          <a:bodyPr/>
+          <a:lstStyle/>
+          <a:p>
+            <a:fld id="{F742F39E-1B75-804F-BDAE-BCC03958AB94}" type="datetime1">
+              <a:rPr lang="en-US" smtClean="0"/>
+              <a:pPr/>
+              <a:t>11/21/2022</a:t>
+            </a:fld>
+            <a:endParaRPr lang="en-US"/>
+          </a:p>
+        </p:txBody>
+      </p:sp>
+      <p:sp>
+        <p:nvSpPr>
+          <p:cNvPr id="4" name="Footer Placeholder 3">
+            <a:extLst>
+              <a:ext uri="{FF2B5EF4-FFF2-40B4-BE49-F238E27FC236}">
+                <a16:creationId xmlns:a16="http://schemas.microsoft.com/office/drawing/2014/main" id="{BCF90246-DFB2-A340-AADC-E85D28C31B3E}"/>
+              </a:ext>
+            </a:extLst>
+          </p:cNvPr>
+          <p:cNvSpPr>
+            <a:spLocks noGrp="1"/>
+          </p:cNvSpPr>
+          <p:nvPr>
+            <p:ph type="ftr" sz="quarter" idx="11"/>
+          </p:nvPr>
+        </p:nvSpPr>
+        <p:spPr>
+          <a:xfrm>
+            <a:off x="2871106" y="6356350"/>
+            <a:ext cx="4114800" cy="365125"/>
+          </a:xfrm>
+        </p:spPr>
+        <p:txBody>
+          <a:bodyPr/>
+          <a:lstStyle/>
+          <a:p>
+            <a:r>
+              <a:rPr lang="en-US"/>
+              <a:t>PRESENTATION TITLE</a:t>
+            </a:r>
+          </a:p>
+        </p:txBody>
+      </p:sp>
+      <p:sp>
+        <p:nvSpPr>
+          <p:cNvPr id="5" name="Slide Number Placeholder 4">
+            <a:extLst>
+              <a:ext uri="{FF2B5EF4-FFF2-40B4-BE49-F238E27FC236}">
+                <a16:creationId xmlns:a16="http://schemas.microsoft.com/office/drawing/2014/main" id="{987CCF58-9B83-4A4F-8CA9-3D9C9BB7A287}"/>
+              </a:ext>
+            </a:extLst>
+          </p:cNvPr>
+          <p:cNvSpPr>
+            <a:spLocks noGrp="1"/>
+          </p:cNvSpPr>
+          <p:nvPr>
+            <p:ph type="sldNum" sz="quarter" idx="12"/>
+          </p:nvPr>
+        </p:nvSpPr>
+        <p:spPr>
+          <a:xfrm>
+            <a:off x="8332334" y="6356350"/>
+            <a:ext cx="1167495" cy="365125"/>
+          </a:xfrm>
+        </p:spPr>
+        <p:txBody>
+          <a:bodyPr/>
+          <a:lstStyle/>
+          <a:p>
+            <a:fld id="{294A09A9-5501-47C1-A89A-A340965A2BE2}" type="slidenum">
+              <a:rPr lang="en-US" smtClean="0"/>
+              <a:pPr/>
+              <a:t>10</a:t>
+            </a:fld>
+            <a:endParaRPr lang="en-US"/>
+          </a:p>
+        </p:txBody>
+      </p:sp>
+    </p:spTree>
+    <p:extLst>
+      <p:ext uri="{BB962C8B-B14F-4D97-AF65-F5344CB8AC3E}">
+        <p14:creationId xmlns:p14="http://schemas.microsoft.com/office/powerpoint/2010/main" val="3335690284"/>
+      </p:ext>
+    </p:extLst>
+  </p:cSld>
+  <p:clrMapOvr>
+    <a:masterClrMapping/>
+  </p:clrMapOvr>
+</p:sld>
+</file>
+
+<file path=ppt/slides/slide11.xml><?xml version="1.0" encoding="utf-8"?>
+<p:sld xmlns:a="http://schemas.openxmlformats.org/drawingml/2006/main" xmlns:r="http://schemas.openxmlformats.org/officeDocument/2006/relationships" xmlns:p="http://schemas.openxmlformats.org/presentationml/2006/main">
+  <p:cSld>
+    <p:spTree>
+      <p:nvGrpSpPr>
+        <p:cNvPr id="1" name=""/>
+        <p:cNvGrpSpPr/>
+        <p:nvPr/>
+      </p:nvGrpSpPr>
+      <p:grpSpPr>
+        <a:xfrm>
+          <a:off x="0" y="0"/>
+          <a:ext cx="0" cy="0"/>
+          <a:chOff x="0" y="0"/>
+          <a:chExt cx="0" cy="0"/>
+        </a:xfrm>
+      </p:grpSpPr>
+      <p:sp>
+        <p:nvSpPr>
+          <p:cNvPr id="2" name="Title 1">
+            <a:extLst>
+              <a:ext uri="{FF2B5EF4-FFF2-40B4-BE49-F238E27FC236}">
+                <a16:creationId xmlns:a16="http://schemas.microsoft.com/office/drawing/2014/main" id="{27A6F7BB-30A8-4980-AD4A-2FB0B53FA6C9}"/>
+              </a:ext>
+            </a:extLst>
+          </p:cNvPr>
+          <p:cNvSpPr>
+            <a:spLocks noGrp="1"/>
+          </p:cNvSpPr>
+          <p:nvPr>
+            <p:ph type="title"/>
+          </p:nvPr>
+        </p:nvSpPr>
+        <p:spPr>
+          <a:xfrm>
+            <a:off x="750430" y="381000"/>
+            <a:ext cx="10678142" cy="1325563"/>
+          </a:xfrm>
+        </p:spPr>
+        <p:txBody>
+          <a:bodyPr/>
+          <a:lstStyle/>
+          <a:p>
+            <a:r>
+              <a:rPr lang="en-US"/>
+              <a:t>The full team</a:t>
+            </a:r>
+          </a:p>
+        </p:txBody>
+      </p:sp>
+      <p:pic>
+        <p:nvPicPr>
+          <p:cNvPr id="61" name="Picture Placeholder 21" descr="Team member headshot">
+            <a:extLst>
+              <a:ext uri="{FF2B5EF4-FFF2-40B4-BE49-F238E27FC236}">
+                <a16:creationId xmlns:a16="http://schemas.microsoft.com/office/drawing/2014/main" id="{E64AEA23-99EE-8546-A59A-590923ADA6CA}"/>
+              </a:ext>
+            </a:extLst>
+          </p:cNvPr>
+          <p:cNvPicPr>
+            <a:picLocks noGrp="1" noChangeAspect="1"/>
+          </p:cNvPicPr>
+          <p:nvPr>
+            <p:ph type="pic" sz="quarter" idx="13"/>
+          </p:nvPr>
+        </p:nvPicPr>
+        <p:blipFill rotWithShape="1">
+          <a:blip r:embed="rId2">
+            <a:extLst>
+              <a:ext uri="{28A0092B-C50C-407E-A947-70E740481C1C}">
+                <a14:useLocalDpi xmlns:a14="http://schemas.microsoft.com/office/drawing/2010/main" val="0"/>
+              </a:ext>
+            </a:extLst>
+          </a:blip>
+          <a:srcRect/>
+          <a:stretch/>
+        </p:blipFill>
+        <p:spPr>
+          <a:xfrm>
+            <a:off x="750429" y="2068734"/>
+            <a:ext cx="904987" cy="905641"/>
+          </a:xfrm>
+        </p:spPr>
+      </p:pic>
+      <p:sp>
+        <p:nvSpPr>
+          <p:cNvPr id="7" name="Text Placeholder 6">
+            <a:extLst>
+              <a:ext uri="{FF2B5EF4-FFF2-40B4-BE49-F238E27FC236}">
+                <a16:creationId xmlns:a16="http://schemas.microsoft.com/office/drawing/2014/main" id="{ACC180CB-0C9D-0441-A2D3-F4EDC5DB9741}"/>
+              </a:ext>
+            </a:extLst>
+          </p:cNvPr>
+          <p:cNvSpPr>
+            <a:spLocks noGrp="1"/>
+          </p:cNvSpPr>
+          <p:nvPr>
+            <p:ph type="body" sz="quarter" idx="17"/>
+          </p:nvPr>
+        </p:nvSpPr>
+        <p:spPr>
+          <a:xfrm>
+            <a:off x="750430" y="2994545"/>
+            <a:ext cx="2281237" cy="347662"/>
+          </a:xfrm>
+        </p:spPr>
+        <p:txBody>
+          <a:bodyPr/>
+          <a:lstStyle/>
+          <a:p>
+            <a:r>
+              <a:rPr lang="en-US"/>
+              <a:t>Takuma Hayashi</a:t>
+            </a:r>
+          </a:p>
+        </p:txBody>
+      </p:sp>
+      <p:sp>
+        <p:nvSpPr>
+          <p:cNvPr id="8" name="Text Placeholder 7">
+            <a:extLst>
+              <a:ext uri="{FF2B5EF4-FFF2-40B4-BE49-F238E27FC236}">
+                <a16:creationId xmlns:a16="http://schemas.microsoft.com/office/drawing/2014/main" id="{44627161-B78C-7646-8E85-99BD47FE64E0}"/>
+              </a:ext>
+            </a:extLst>
+          </p:cNvPr>
+          <p:cNvSpPr>
+            <a:spLocks noGrp="1"/>
+          </p:cNvSpPr>
+          <p:nvPr>
+            <p:ph type="body" sz="quarter" idx="18"/>
+          </p:nvPr>
+        </p:nvSpPr>
+        <p:spPr>
+          <a:xfrm>
+            <a:off x="750429" y="3379791"/>
+            <a:ext cx="2281237" cy="347662"/>
+          </a:xfrm>
+        </p:spPr>
+        <p:txBody>
+          <a:bodyPr/>
+          <a:lstStyle/>
+          <a:p>
+            <a:r>
+              <a:rPr lang="en-US"/>
+              <a:t>President</a:t>
+            </a:r>
+          </a:p>
+        </p:txBody>
+      </p:sp>
+      <p:pic>
+        <p:nvPicPr>
+          <p:cNvPr id="62" name="Picture Placeholder 50" descr="Team member headshot">
+            <a:extLst>
+              <a:ext uri="{FF2B5EF4-FFF2-40B4-BE49-F238E27FC236}">
+                <a16:creationId xmlns:a16="http://schemas.microsoft.com/office/drawing/2014/main" id="{C17F05A5-CE13-1545-943B-E3644258662F}"/>
+              </a:ext>
+            </a:extLst>
+          </p:cNvPr>
+          <p:cNvPicPr>
+            <a:picLocks noGrp="1" noChangeAspect="1"/>
+          </p:cNvPicPr>
+          <p:nvPr>
+            <p:ph type="pic" sz="quarter" idx="28"/>
+          </p:nvPr>
+        </p:nvPicPr>
+        <p:blipFill rotWithShape="1">
+          <a:blip r:embed="rId3">
+            <a:extLst>
+              <a:ext uri="{28A0092B-C50C-407E-A947-70E740481C1C}">
+                <a14:useLocalDpi xmlns:a14="http://schemas.microsoft.com/office/drawing/2010/main" val="0"/>
+              </a:ext>
+            </a:extLst>
+          </a:blip>
+          <a:srcRect/>
+          <a:stretch/>
+        </p:blipFill>
+        <p:spPr>
+          <a:xfrm>
+            <a:off x="3549397" y="2068734"/>
+            <a:ext cx="904987" cy="905641"/>
+          </a:xfrm>
+        </p:spPr>
+      </p:pic>
+      <p:sp>
+        <p:nvSpPr>
+          <p:cNvPr id="12" name="Text Placeholder 11">
+            <a:extLst>
+              <a:ext uri="{FF2B5EF4-FFF2-40B4-BE49-F238E27FC236}">
+                <a16:creationId xmlns:a16="http://schemas.microsoft.com/office/drawing/2014/main" id="{E88BDBE3-DBB3-9040-95AC-86789B700450}"/>
+              </a:ext>
+            </a:extLst>
+          </p:cNvPr>
+          <p:cNvSpPr>
+            <a:spLocks noGrp="1"/>
+          </p:cNvSpPr>
+          <p:nvPr>
+            <p:ph type="body" sz="quarter" idx="29"/>
+          </p:nvPr>
+        </p:nvSpPr>
+        <p:spPr>
+          <a:xfrm>
+            <a:off x="3549398" y="2994545"/>
+            <a:ext cx="2281237" cy="347662"/>
+          </a:xfrm>
+        </p:spPr>
+        <p:txBody>
+          <a:bodyPr/>
+          <a:lstStyle/>
+          <a:p>
+            <a:r>
+              <a:rPr lang="en-US"/>
+              <a:t>Mirjam Nilsson</a:t>
+            </a:r>
+          </a:p>
+        </p:txBody>
+      </p:sp>
+      <p:sp>
+        <p:nvSpPr>
+          <p:cNvPr id="13" name="Text Placeholder 12">
+            <a:extLst>
+              <a:ext uri="{FF2B5EF4-FFF2-40B4-BE49-F238E27FC236}">
+                <a16:creationId xmlns:a16="http://schemas.microsoft.com/office/drawing/2014/main" id="{D0969AD2-8004-9B40-90B0-0EBD95268B5A}"/>
+              </a:ext>
+            </a:extLst>
+          </p:cNvPr>
+          <p:cNvSpPr>
+            <a:spLocks noGrp="1"/>
+          </p:cNvSpPr>
+          <p:nvPr>
+            <p:ph type="body" sz="quarter" idx="30"/>
+          </p:nvPr>
+        </p:nvSpPr>
+        <p:spPr>
+          <a:xfrm>
+            <a:off x="3549397" y="3379791"/>
+            <a:ext cx="2281237" cy="347662"/>
+          </a:xfrm>
+        </p:spPr>
+        <p:txBody>
+          <a:bodyPr/>
+          <a:lstStyle/>
+          <a:p>
+            <a:r>
+              <a:rPr lang="en-US"/>
+              <a:t>Chief Executive Officer</a:t>
+            </a:r>
+          </a:p>
+        </p:txBody>
+      </p:sp>
+      <p:pic>
+        <p:nvPicPr>
+          <p:cNvPr id="63" name="Picture Placeholder 17" descr="Team member headshot">
+            <a:extLst>
+              <a:ext uri="{FF2B5EF4-FFF2-40B4-BE49-F238E27FC236}">
+                <a16:creationId xmlns:a16="http://schemas.microsoft.com/office/drawing/2014/main" id="{F3C0B2AF-2268-AE4E-BACC-9FF64E86564C}"/>
+              </a:ext>
+            </a:extLst>
+          </p:cNvPr>
+          <p:cNvPicPr>
+            <a:picLocks noGrp="1" noChangeAspect="1"/>
+          </p:cNvPicPr>
+          <p:nvPr>
+            <p:ph type="pic" sz="quarter" idx="31"/>
+          </p:nvPr>
+        </p:nvPicPr>
+        <p:blipFill rotWithShape="1">
+          <a:blip r:embed="rId4">
+            <a:extLst>
+              <a:ext uri="{28A0092B-C50C-407E-A947-70E740481C1C}">
+                <a14:useLocalDpi xmlns:a14="http://schemas.microsoft.com/office/drawing/2010/main" val="0"/>
+              </a:ext>
+            </a:extLst>
+          </a:blip>
+          <a:srcRect/>
+          <a:stretch/>
+        </p:blipFill>
+        <p:spPr>
+          <a:xfrm>
+            <a:off x="6348367" y="2068734"/>
+            <a:ext cx="904987" cy="905641"/>
+          </a:xfrm>
+        </p:spPr>
+      </p:pic>
+      <p:sp>
+        <p:nvSpPr>
+          <p:cNvPr id="15" name="Text Placeholder 14">
+            <a:extLst>
+              <a:ext uri="{FF2B5EF4-FFF2-40B4-BE49-F238E27FC236}">
+                <a16:creationId xmlns:a16="http://schemas.microsoft.com/office/drawing/2014/main" id="{02C30DA5-B4D3-C343-8FEC-D62948BDA920}"/>
+              </a:ext>
+            </a:extLst>
+          </p:cNvPr>
+          <p:cNvSpPr>
+            <a:spLocks noGrp="1"/>
+          </p:cNvSpPr>
+          <p:nvPr>
+            <p:ph type="body" sz="quarter" idx="32"/>
+          </p:nvPr>
+        </p:nvSpPr>
+        <p:spPr>
+          <a:xfrm>
+            <a:off x="6348368" y="2994545"/>
+            <a:ext cx="2281237" cy="347662"/>
+          </a:xfrm>
+        </p:spPr>
+        <p:txBody>
+          <a:bodyPr/>
+          <a:lstStyle/>
+          <a:p>
+            <a:r>
+              <a:rPr lang="en-US"/>
+              <a:t>Flora Berggren</a:t>
+            </a:r>
+          </a:p>
+        </p:txBody>
+      </p:sp>
+      <p:sp>
+        <p:nvSpPr>
+          <p:cNvPr id="16" name="Text Placeholder 15">
+            <a:extLst>
+              <a:ext uri="{FF2B5EF4-FFF2-40B4-BE49-F238E27FC236}">
+                <a16:creationId xmlns:a16="http://schemas.microsoft.com/office/drawing/2014/main" id="{CD202676-78EE-3240-950B-84A1520E27EE}"/>
+              </a:ext>
+            </a:extLst>
+          </p:cNvPr>
+          <p:cNvSpPr>
+            <a:spLocks noGrp="1"/>
+          </p:cNvSpPr>
+          <p:nvPr>
+            <p:ph type="body" sz="quarter" idx="33"/>
+          </p:nvPr>
+        </p:nvSpPr>
+        <p:spPr>
+          <a:xfrm>
+            <a:off x="6348367" y="3379791"/>
+            <a:ext cx="2281237" cy="347662"/>
+          </a:xfrm>
+        </p:spPr>
+        <p:txBody>
+          <a:bodyPr/>
+          <a:lstStyle/>
+          <a:p>
+            <a:r>
+              <a:rPr lang="en-US"/>
+              <a:t>Chief Operations Manager</a:t>
+            </a:r>
+          </a:p>
+        </p:txBody>
+      </p:sp>
+      <p:pic>
+        <p:nvPicPr>
+          <p:cNvPr id="64" name="Picture Placeholder 19" descr="Team member headshot">
+            <a:extLst>
+              <a:ext uri="{FF2B5EF4-FFF2-40B4-BE49-F238E27FC236}">
+                <a16:creationId xmlns:a16="http://schemas.microsoft.com/office/drawing/2014/main" id="{F2FCDCCE-6383-4047-9485-41AA1E24E8E2}"/>
+              </a:ext>
+            </a:extLst>
+          </p:cNvPr>
+          <p:cNvPicPr>
+            <a:picLocks noGrp="1" noChangeAspect="1"/>
+          </p:cNvPicPr>
+          <p:nvPr>
+            <p:ph type="pic" sz="quarter" idx="34"/>
+          </p:nvPr>
+        </p:nvPicPr>
+        <p:blipFill rotWithShape="1">
+          <a:blip r:embed="rId5">
+            <a:extLst>
+              <a:ext uri="{28A0092B-C50C-407E-A947-70E740481C1C}">
+                <a14:useLocalDpi xmlns:a14="http://schemas.microsoft.com/office/drawing/2010/main" val="0"/>
+              </a:ext>
+            </a:extLst>
+          </a:blip>
+          <a:srcRect/>
+          <a:stretch/>
+        </p:blipFill>
+        <p:spPr>
+          <a:xfrm>
+            <a:off x="9147335" y="2068734"/>
+            <a:ext cx="904987" cy="905641"/>
+          </a:xfrm>
+        </p:spPr>
+      </p:pic>
+      <p:sp>
+        <p:nvSpPr>
+          <p:cNvPr id="18" name="Text Placeholder 17">
+            <a:extLst>
+              <a:ext uri="{FF2B5EF4-FFF2-40B4-BE49-F238E27FC236}">
+                <a16:creationId xmlns:a16="http://schemas.microsoft.com/office/drawing/2014/main" id="{7C503641-A7D5-AD48-A486-CD57C1620326}"/>
+              </a:ext>
+            </a:extLst>
+          </p:cNvPr>
+          <p:cNvSpPr>
+            <a:spLocks noGrp="1"/>
+          </p:cNvSpPr>
+          <p:nvPr>
+            <p:ph type="body" sz="quarter" idx="35"/>
+          </p:nvPr>
+        </p:nvSpPr>
+        <p:spPr>
+          <a:xfrm>
+            <a:off x="9147336" y="2994545"/>
+            <a:ext cx="2281237" cy="347662"/>
+          </a:xfrm>
+        </p:spPr>
+        <p:txBody>
+          <a:bodyPr/>
+          <a:lstStyle/>
+          <a:p>
+            <a:r>
+              <a:rPr lang="en-US"/>
+              <a:t>Rajesh Santoshi</a:t>
+            </a:r>
+          </a:p>
+        </p:txBody>
+      </p:sp>
+      <p:sp>
+        <p:nvSpPr>
+          <p:cNvPr id="19" name="Text Placeholder 18">
+            <a:extLst>
+              <a:ext uri="{FF2B5EF4-FFF2-40B4-BE49-F238E27FC236}">
+                <a16:creationId xmlns:a16="http://schemas.microsoft.com/office/drawing/2014/main" id="{BBEE7C7B-4D43-1342-88B5-B6F833D51AE8}"/>
+              </a:ext>
+            </a:extLst>
+          </p:cNvPr>
+          <p:cNvSpPr>
+            <a:spLocks noGrp="1"/>
+          </p:cNvSpPr>
+          <p:nvPr>
+            <p:ph type="body" sz="quarter" idx="36"/>
+          </p:nvPr>
+        </p:nvSpPr>
+        <p:spPr>
+          <a:xfrm>
+            <a:off x="9147335" y="3379791"/>
+            <a:ext cx="2281237" cy="347662"/>
+          </a:xfrm>
+        </p:spPr>
+        <p:txBody>
+          <a:bodyPr/>
+          <a:lstStyle/>
+          <a:p>
+            <a:r>
+              <a:rPr lang="en-US"/>
+              <a:t>VP Marketing</a:t>
+            </a:r>
+          </a:p>
+        </p:txBody>
+      </p:sp>
+      <p:pic>
+        <p:nvPicPr>
+          <p:cNvPr id="65" name="Picture Placeholder 15" descr="Team member headshot">
+            <a:extLst>
+              <a:ext uri="{FF2B5EF4-FFF2-40B4-BE49-F238E27FC236}">
+                <a16:creationId xmlns:a16="http://schemas.microsoft.com/office/drawing/2014/main" id="{1A89579F-2EA4-E049-9B78-D2237993CDAB}"/>
+              </a:ext>
+            </a:extLst>
+          </p:cNvPr>
+          <p:cNvPicPr>
+            <a:picLocks noGrp="1" noChangeAspect="1"/>
+          </p:cNvPicPr>
+          <p:nvPr>
+            <p:ph type="pic" sz="quarter" idx="37"/>
+          </p:nvPr>
+        </p:nvPicPr>
+        <p:blipFill rotWithShape="1">
+          <a:blip r:embed="rId6">
+            <a:extLst>
+              <a:ext uri="{28A0092B-C50C-407E-A947-70E740481C1C}">
+                <a14:useLocalDpi xmlns:a14="http://schemas.microsoft.com/office/drawing/2010/main" val="0"/>
+              </a:ext>
+            </a:extLst>
+          </a:blip>
+          <a:srcRect/>
+          <a:stretch/>
+        </p:blipFill>
+        <p:spPr>
+          <a:xfrm>
+            <a:off x="750429" y="4118551"/>
+            <a:ext cx="904987" cy="905641"/>
+          </a:xfrm>
+        </p:spPr>
+      </p:pic>
+      <p:sp>
+        <p:nvSpPr>
+          <p:cNvPr id="21" name="Text Placeholder 20">
+            <a:extLst>
+              <a:ext uri="{FF2B5EF4-FFF2-40B4-BE49-F238E27FC236}">
+                <a16:creationId xmlns:a16="http://schemas.microsoft.com/office/drawing/2014/main" id="{F8C89E42-8364-1040-9DF6-7305561F98D7}"/>
+              </a:ext>
+            </a:extLst>
+          </p:cNvPr>
+          <p:cNvSpPr>
+            <a:spLocks noGrp="1"/>
+          </p:cNvSpPr>
+          <p:nvPr>
+            <p:ph type="body" sz="quarter" idx="38"/>
+          </p:nvPr>
+        </p:nvSpPr>
+        <p:spPr>
+          <a:xfrm>
+            <a:off x="750430" y="5044362"/>
+            <a:ext cx="2281237" cy="347662"/>
+          </a:xfrm>
+        </p:spPr>
+        <p:txBody>
+          <a:bodyPr/>
+          <a:lstStyle/>
+          <a:p>
+            <a:r>
+              <a:rPr lang="en-US"/>
+              <a:t>Graham Barnes</a:t>
+            </a:r>
+          </a:p>
+        </p:txBody>
+      </p:sp>
+      <p:sp>
+        <p:nvSpPr>
+          <p:cNvPr id="22" name="Text Placeholder 21">
+            <a:extLst>
+              <a:ext uri="{FF2B5EF4-FFF2-40B4-BE49-F238E27FC236}">
+                <a16:creationId xmlns:a16="http://schemas.microsoft.com/office/drawing/2014/main" id="{B05EDAD8-33DD-0B49-9FA0-360E67ED9B6A}"/>
+              </a:ext>
+            </a:extLst>
+          </p:cNvPr>
+          <p:cNvSpPr>
+            <a:spLocks noGrp="1"/>
+          </p:cNvSpPr>
+          <p:nvPr>
+            <p:ph type="body" sz="quarter" idx="39"/>
+          </p:nvPr>
+        </p:nvSpPr>
+        <p:spPr>
+          <a:xfrm>
+            <a:off x="750429" y="5429608"/>
+            <a:ext cx="2281237" cy="347662"/>
+          </a:xfrm>
+        </p:spPr>
+        <p:txBody>
+          <a:bodyPr/>
+          <a:lstStyle/>
+          <a:p>
+            <a:r>
+              <a:rPr lang="en-US"/>
+              <a:t>VP Product</a:t>
+            </a:r>
+          </a:p>
+        </p:txBody>
+      </p:sp>
+      <p:pic>
+        <p:nvPicPr>
+          <p:cNvPr id="66" name="Picture Placeholder 48" descr="Team member headshot">
+            <a:extLst>
+              <a:ext uri="{FF2B5EF4-FFF2-40B4-BE49-F238E27FC236}">
+                <a16:creationId xmlns:a16="http://schemas.microsoft.com/office/drawing/2014/main" id="{4E145096-B7BF-9C4C-97FA-308F61FE406A}"/>
+              </a:ext>
+            </a:extLst>
+          </p:cNvPr>
+          <p:cNvPicPr>
+            <a:picLocks noGrp="1" noChangeAspect="1"/>
+          </p:cNvPicPr>
+          <p:nvPr>
+            <p:ph type="pic" sz="quarter" idx="40"/>
+          </p:nvPr>
+        </p:nvPicPr>
+        <p:blipFill rotWithShape="1">
+          <a:blip r:embed="rId7">
+            <a:extLst>
+              <a:ext uri="{28A0092B-C50C-407E-A947-70E740481C1C}">
+                <a14:useLocalDpi xmlns:a14="http://schemas.microsoft.com/office/drawing/2010/main" val="0"/>
+              </a:ext>
+            </a:extLst>
+          </a:blip>
+          <a:srcRect/>
+          <a:stretch/>
+        </p:blipFill>
+        <p:spPr>
+          <a:xfrm>
+            <a:off x="3549397" y="4118551"/>
+            <a:ext cx="904987" cy="905641"/>
+          </a:xfrm>
+        </p:spPr>
+      </p:pic>
+      <p:sp>
+        <p:nvSpPr>
+          <p:cNvPr id="24" name="Text Placeholder 23">
+            <a:extLst>
+              <a:ext uri="{FF2B5EF4-FFF2-40B4-BE49-F238E27FC236}">
+                <a16:creationId xmlns:a16="http://schemas.microsoft.com/office/drawing/2014/main" id="{9B1711A4-C7D5-8D4D-82CD-4FBE8CC7FFE7}"/>
+              </a:ext>
+            </a:extLst>
+          </p:cNvPr>
+          <p:cNvSpPr>
+            <a:spLocks noGrp="1"/>
+          </p:cNvSpPr>
+          <p:nvPr>
+            <p:ph type="body" sz="quarter" idx="41"/>
+          </p:nvPr>
+        </p:nvSpPr>
+        <p:spPr>
+          <a:xfrm>
+            <a:off x="3549398" y="5044362"/>
+            <a:ext cx="2281237" cy="347662"/>
+          </a:xfrm>
+        </p:spPr>
+        <p:txBody>
+          <a:bodyPr/>
+          <a:lstStyle/>
+          <a:p>
+            <a:r>
+              <a:rPr lang="en-US"/>
+              <a:t>Rowan Murphy</a:t>
+            </a:r>
+          </a:p>
+        </p:txBody>
+      </p:sp>
+      <p:sp>
+        <p:nvSpPr>
+          <p:cNvPr id="25" name="Text Placeholder 24">
+            <a:extLst>
+              <a:ext uri="{FF2B5EF4-FFF2-40B4-BE49-F238E27FC236}">
+                <a16:creationId xmlns:a16="http://schemas.microsoft.com/office/drawing/2014/main" id="{1D585144-668F-6141-B4A4-98C6E14ACA71}"/>
+              </a:ext>
+            </a:extLst>
+          </p:cNvPr>
+          <p:cNvSpPr>
+            <a:spLocks noGrp="1"/>
+          </p:cNvSpPr>
+          <p:nvPr>
+            <p:ph type="body" sz="quarter" idx="42"/>
+          </p:nvPr>
+        </p:nvSpPr>
+        <p:spPr>
+          <a:xfrm>
+            <a:off x="3549397" y="5429608"/>
+            <a:ext cx="2281237" cy="347662"/>
+          </a:xfrm>
+        </p:spPr>
+        <p:txBody>
+          <a:bodyPr/>
+          <a:lstStyle/>
+          <a:p>
+            <a:r>
+              <a:rPr lang="en-US"/>
+              <a:t>SEO Strategist</a:t>
+            </a:r>
+          </a:p>
+        </p:txBody>
+      </p:sp>
+      <p:pic>
+        <p:nvPicPr>
+          <p:cNvPr id="67" name="Picture Placeholder 52" descr="Team member headshot">
+            <a:extLst>
+              <a:ext uri="{FF2B5EF4-FFF2-40B4-BE49-F238E27FC236}">
+                <a16:creationId xmlns:a16="http://schemas.microsoft.com/office/drawing/2014/main" id="{25B94F1A-D947-AF4E-BC9D-9B02C4E4EB30}"/>
+              </a:ext>
+            </a:extLst>
+          </p:cNvPr>
+          <p:cNvPicPr>
+            <a:picLocks noGrp="1" noChangeAspect="1"/>
+          </p:cNvPicPr>
+          <p:nvPr>
+            <p:ph type="pic" sz="quarter" idx="43"/>
+          </p:nvPr>
+        </p:nvPicPr>
+        <p:blipFill rotWithShape="1">
+          <a:blip r:embed="rId8">
+            <a:extLst>
+              <a:ext uri="{28A0092B-C50C-407E-A947-70E740481C1C}">
+                <a14:useLocalDpi xmlns:a14="http://schemas.microsoft.com/office/drawing/2010/main" val="0"/>
+              </a:ext>
+            </a:extLst>
+          </a:blip>
+          <a:srcRect/>
+          <a:stretch/>
+        </p:blipFill>
+        <p:spPr>
+          <a:xfrm>
+            <a:off x="6348367" y="4118551"/>
+            <a:ext cx="904987" cy="905641"/>
+          </a:xfrm>
+        </p:spPr>
+      </p:pic>
+      <p:sp>
+        <p:nvSpPr>
+          <p:cNvPr id="27" name="Text Placeholder 26">
+            <a:extLst>
+              <a:ext uri="{FF2B5EF4-FFF2-40B4-BE49-F238E27FC236}">
+                <a16:creationId xmlns:a16="http://schemas.microsoft.com/office/drawing/2014/main" id="{C63E461E-3AFB-0843-B481-D906526D48B2}"/>
+              </a:ext>
+            </a:extLst>
+          </p:cNvPr>
+          <p:cNvSpPr>
+            <a:spLocks noGrp="1"/>
+          </p:cNvSpPr>
+          <p:nvPr>
+            <p:ph type="body" sz="quarter" idx="44"/>
+          </p:nvPr>
+        </p:nvSpPr>
+        <p:spPr>
+          <a:xfrm>
+            <a:off x="6348368" y="5044362"/>
+            <a:ext cx="2281237" cy="347662"/>
+          </a:xfrm>
+        </p:spPr>
+        <p:txBody>
+          <a:bodyPr/>
+          <a:lstStyle/>
+          <a:p>
+            <a:r>
+              <a:rPr lang="en-US"/>
+              <a:t>Elizabeth Moore</a:t>
+            </a:r>
+          </a:p>
+        </p:txBody>
+      </p:sp>
+      <p:sp>
+        <p:nvSpPr>
+          <p:cNvPr id="28" name="Text Placeholder 27">
+            <a:extLst>
+              <a:ext uri="{FF2B5EF4-FFF2-40B4-BE49-F238E27FC236}">
+                <a16:creationId xmlns:a16="http://schemas.microsoft.com/office/drawing/2014/main" id="{83F586E4-67FA-B94C-AF67-F2E5E6E54157}"/>
+              </a:ext>
+            </a:extLst>
+          </p:cNvPr>
+          <p:cNvSpPr>
+            <a:spLocks noGrp="1"/>
+          </p:cNvSpPr>
+          <p:nvPr>
+            <p:ph type="body" sz="quarter" idx="45"/>
+          </p:nvPr>
+        </p:nvSpPr>
+        <p:spPr>
+          <a:xfrm>
+            <a:off x="6348367" y="5429608"/>
+            <a:ext cx="2281237" cy="347662"/>
+          </a:xfrm>
+        </p:spPr>
+        <p:txBody>
+          <a:bodyPr/>
+          <a:lstStyle/>
+          <a:p>
+            <a:r>
+              <a:rPr lang="en-US"/>
+              <a:t>Product Designer</a:t>
+            </a:r>
+          </a:p>
+        </p:txBody>
+      </p:sp>
+      <p:pic>
+        <p:nvPicPr>
+          <p:cNvPr id="68" name="Picture Placeholder 54" descr="Team member headshot">
+            <a:extLst>
+              <a:ext uri="{FF2B5EF4-FFF2-40B4-BE49-F238E27FC236}">
+                <a16:creationId xmlns:a16="http://schemas.microsoft.com/office/drawing/2014/main" id="{7E3F00C5-0B4F-FE4F-9561-1EB505B31873}"/>
+              </a:ext>
+            </a:extLst>
+          </p:cNvPr>
+          <p:cNvPicPr>
+            <a:picLocks noGrp="1" noChangeAspect="1"/>
+          </p:cNvPicPr>
+          <p:nvPr>
+            <p:ph type="pic" sz="quarter" idx="46"/>
+          </p:nvPr>
+        </p:nvPicPr>
+        <p:blipFill rotWithShape="1">
+          <a:blip r:embed="rId9">
+            <a:extLst>
+              <a:ext uri="{28A0092B-C50C-407E-A947-70E740481C1C}">
+                <a14:useLocalDpi xmlns:a14="http://schemas.microsoft.com/office/drawing/2010/main" val="0"/>
+              </a:ext>
+            </a:extLst>
+          </a:blip>
+          <a:srcRect/>
+          <a:stretch/>
+        </p:blipFill>
+        <p:spPr>
+          <a:xfrm>
+            <a:off x="9147335" y="4118551"/>
+            <a:ext cx="904987" cy="905641"/>
+          </a:xfrm>
+        </p:spPr>
+      </p:pic>
+      <p:sp>
+        <p:nvSpPr>
+          <p:cNvPr id="36" name="Text Placeholder 35">
+            <a:extLst>
+              <a:ext uri="{FF2B5EF4-FFF2-40B4-BE49-F238E27FC236}">
+                <a16:creationId xmlns:a16="http://schemas.microsoft.com/office/drawing/2014/main" id="{875B85E2-950C-CB45-A7F7-DE257EA20BB3}"/>
+              </a:ext>
+            </a:extLst>
+          </p:cNvPr>
+          <p:cNvSpPr>
+            <a:spLocks noGrp="1"/>
+          </p:cNvSpPr>
+          <p:nvPr>
+            <p:ph type="body" sz="quarter" idx="47"/>
+          </p:nvPr>
+        </p:nvSpPr>
+        <p:spPr>
+          <a:xfrm>
+            <a:off x="9147336" y="5044362"/>
+            <a:ext cx="2281237" cy="347662"/>
+          </a:xfrm>
+        </p:spPr>
+        <p:txBody>
+          <a:bodyPr/>
+          <a:lstStyle/>
+          <a:p>
+            <a:r>
+              <a:rPr lang="en-US"/>
+              <a:t>Robin Kline</a:t>
+            </a:r>
+          </a:p>
+        </p:txBody>
+      </p:sp>
+      <p:sp>
+        <p:nvSpPr>
+          <p:cNvPr id="37" name="Text Placeholder 36">
+            <a:extLst>
+              <a:ext uri="{FF2B5EF4-FFF2-40B4-BE49-F238E27FC236}">
+                <a16:creationId xmlns:a16="http://schemas.microsoft.com/office/drawing/2014/main" id="{FC8EFF8B-CC40-9646-AAFC-092814DA02AD}"/>
+              </a:ext>
+            </a:extLst>
+          </p:cNvPr>
+          <p:cNvSpPr>
+            <a:spLocks noGrp="1"/>
+          </p:cNvSpPr>
+          <p:nvPr>
+            <p:ph type="body" sz="quarter" idx="48"/>
+          </p:nvPr>
+        </p:nvSpPr>
+        <p:spPr>
+          <a:xfrm>
+            <a:off x="9147335" y="5429608"/>
+            <a:ext cx="2281237" cy="347662"/>
+          </a:xfrm>
+        </p:spPr>
+        <p:txBody>
+          <a:bodyPr/>
+          <a:lstStyle/>
+          <a:p>
+            <a:r>
+              <a:rPr lang="en-US"/>
+              <a:t>Content Developer</a:t>
+            </a:r>
+          </a:p>
+        </p:txBody>
+      </p:sp>
+      <p:sp>
+        <p:nvSpPr>
+          <p:cNvPr id="3" name="Date Placeholder 2">
+            <a:extLst>
+              <a:ext uri="{FF2B5EF4-FFF2-40B4-BE49-F238E27FC236}">
+                <a16:creationId xmlns:a16="http://schemas.microsoft.com/office/drawing/2014/main" id="{DF3B501F-5E7A-5D46-8856-A27912A21D96}"/>
+              </a:ext>
+            </a:extLst>
+          </p:cNvPr>
+          <p:cNvSpPr>
+            <a:spLocks noGrp="1"/>
+          </p:cNvSpPr>
+          <p:nvPr>
+            <p:ph type="dt" sz="half" idx="25"/>
+          </p:nvPr>
+        </p:nvSpPr>
+        <p:spPr>
+          <a:xfrm>
+            <a:off x="381000" y="6356350"/>
+            <a:ext cx="2743200" cy="365125"/>
+          </a:xfrm>
+        </p:spPr>
+        <p:txBody>
+          <a:bodyPr/>
+          <a:lstStyle/>
+          <a:p>
+            <a:fld id="{52D104B6-D63E-FE41-98E2-AF7FB6EA6483}" type="datetime1">
+              <a:rPr lang="en-US" smtClean="0"/>
+              <a:pPr/>
+              <a:t>11/21/2022</a:t>
+            </a:fld>
+            <a:endParaRPr lang="en-US"/>
+          </a:p>
+        </p:txBody>
+      </p:sp>
+      <p:sp>
+        <p:nvSpPr>
+          <p:cNvPr id="4" name="Footer Placeholder 3">
+            <a:extLst>
+              <a:ext uri="{FF2B5EF4-FFF2-40B4-BE49-F238E27FC236}">
+                <a16:creationId xmlns:a16="http://schemas.microsoft.com/office/drawing/2014/main" id="{E9CE3E8F-3700-FE42-BA65-89071D20A786}"/>
+              </a:ext>
+            </a:extLst>
+          </p:cNvPr>
+          <p:cNvSpPr>
+            <a:spLocks noGrp="1"/>
+          </p:cNvSpPr>
+          <p:nvPr>
+            <p:ph type="ftr" sz="quarter" idx="26"/>
+          </p:nvPr>
+        </p:nvSpPr>
+        <p:spPr>
+          <a:xfrm>
+            <a:off x="4038600" y="6356350"/>
+            <a:ext cx="4114800" cy="365125"/>
+          </a:xfrm>
+        </p:spPr>
+        <p:txBody>
+          <a:bodyPr/>
+          <a:lstStyle/>
+          <a:p>
+            <a:r>
+              <a:rPr lang="en-US"/>
+              <a:t>PRESENTATION TITLE</a:t>
+            </a:r>
+          </a:p>
+        </p:txBody>
+      </p:sp>
+      <p:sp>
+        <p:nvSpPr>
+          <p:cNvPr id="5" name="Slide Number Placeholder 4">
+            <a:extLst>
+              <a:ext uri="{FF2B5EF4-FFF2-40B4-BE49-F238E27FC236}">
+                <a16:creationId xmlns:a16="http://schemas.microsoft.com/office/drawing/2014/main" id="{352A2850-23AF-A249-8907-5DAF2E2D2269}"/>
+              </a:ext>
+            </a:extLst>
+          </p:cNvPr>
+          <p:cNvSpPr>
+            <a:spLocks noGrp="1"/>
+          </p:cNvSpPr>
+          <p:nvPr>
+            <p:ph type="sldNum" sz="quarter" idx="27"/>
+          </p:nvPr>
+        </p:nvSpPr>
+        <p:spPr>
+          <a:xfrm>
+            <a:off x="9067800" y="6356350"/>
+            <a:ext cx="2743200" cy="365125"/>
+          </a:xfrm>
+        </p:spPr>
+        <p:txBody>
+          <a:bodyPr/>
+          <a:lstStyle/>
+          <a:p>
+            <a:fld id="{294A09A9-5501-47C1-A89A-A340965A2BE2}" type="slidenum">
+              <a:rPr lang="en-US" smtClean="0"/>
+              <a:pPr/>
+              <a:t>11</a:t>
+            </a:fld>
+            <a:endParaRPr lang="en-US"/>
+          </a:p>
+        </p:txBody>
+      </p:sp>
+    </p:spTree>
+    <p:extLst>
+      <p:ext uri="{BB962C8B-B14F-4D97-AF65-F5344CB8AC3E}">
+        <p14:creationId xmlns:p14="http://schemas.microsoft.com/office/powerpoint/2010/main" val="3396266754"/>
+      </p:ext>
+    </p:extLst>
+  </p:cSld>
+  <p:clrMapOvr>
+    <a:masterClrMapping/>
+  </p:clrMapOvr>
+</p:sld>
+</file>
+
+<file path=ppt/slides/slide12.xml><?xml version="1.0" encoding="utf-8"?>
+<p:sld xmlns:a="http://schemas.openxmlformats.org/drawingml/2006/main" xmlns:r="http://schemas.openxmlformats.org/officeDocument/2006/relationships" xmlns:p="http://schemas.openxmlformats.org/presentationml/2006/main">
+  <p:cSld>
+    <p:spTree>
+      <p:nvGrpSpPr>
+        <p:cNvPr id="1" name=""/>
+        <p:cNvGrpSpPr/>
+        <p:nvPr/>
+      </p:nvGrpSpPr>
+      <p:grpSpPr>
+        <a:xfrm>
+          <a:off x="0" y="0"/>
+          <a:ext cx="0" cy="0"/>
+          <a:chOff x="0" y="0"/>
+          <a:chExt cx="0" cy="0"/>
+        </a:xfrm>
+      </p:grpSpPr>
+      <p:sp>
+        <p:nvSpPr>
+          <p:cNvPr id="2" name="Title 1">
+            <a:extLst>
+              <a:ext uri="{FF2B5EF4-FFF2-40B4-BE49-F238E27FC236}">
                 <a16:creationId xmlns:a16="http://schemas.microsoft.com/office/drawing/2014/main" id="{DD0B6389-2374-4677-B8BB-59410CCC32FD}"/>
               </a:ext>
             </a:extLst>
@@ -25393,7 +26927,7 @@
             <a:fld id="{D5E2F4D9-1A6B-894D-9E7D-8548C879BC04}" type="datetime1">
               <a:rPr lang="en-US" smtClean="0"/>
               <a:pPr/>
-              <a:t>11/20/2022</a:t>
+              <a:t>11/21/2022</a:t>
             </a:fld>
             <a:endParaRPr lang="en-US"/>
           </a:p>
@@ -25461,7 +26995,7 @@
             <a:fld id="{294A09A9-5501-47C1-A89A-A340965A2BE2}" type="slidenum">
               <a:rPr lang="en-US" smtClean="0"/>
               <a:pPr/>
-              <a:t>10</a:t>
+              <a:t>12</a:t>
             </a:fld>
             <a:endParaRPr lang="en-US"/>
           </a:p>
@@ -25480,7 +27014,7 @@
 </p:sld>
 </file>
 
-<file path=ppt/slides/slide11.xml><?xml version="1.0" encoding="utf-8"?>
+<file path=ppt/slides/slide13.xml><?xml version="1.0" encoding="utf-8"?>
 <p:sld xmlns:a="http://schemas.openxmlformats.org/drawingml/2006/main" xmlns:r="http://schemas.openxmlformats.org/officeDocument/2006/relationships" xmlns:p="http://schemas.openxmlformats.org/presentationml/2006/main">
   <p:cSld>
     <p:spTree>
@@ -25576,7 +27110,7 @@
           <a:p>
             <a:fld id="{79C497D8-AFA6-424B-9876-402B886244CF}" type="datetime1">
               <a:rPr lang="en-US" smtClean="0"/>
-              <a:t>11/20/2022</a:t>
+              <a:t>11/21/2022</a:t>
             </a:fld>
             <a:endParaRPr lang="en-US"/>
           </a:p>
@@ -25633,7 +27167,7 @@
           <a:p>
             <a:fld id="{294A09A9-5501-47C1-A89A-A340965A2BE2}" type="slidenum">
               <a:rPr lang="en-US" smtClean="0"/>
-              <a:t>11</a:t>
+              <a:t>13</a:t>
             </a:fld>
             <a:endParaRPr lang="en-US"/>
           </a:p>
@@ -25652,7 +27186,7 @@
 </p:sld>
 </file>
 
-<file path=ppt/slides/slide12.xml><?xml version="1.0" encoding="utf-8"?>
+<file path=ppt/slides/slide14.xml><?xml version="1.0" encoding="utf-8"?>
 <p:sld xmlns:a="http://schemas.openxmlformats.org/drawingml/2006/main" xmlns:r="http://schemas.openxmlformats.org/officeDocument/2006/relationships" xmlns:p="http://schemas.openxmlformats.org/presentationml/2006/main">
   <p:cSld>
     <p:spTree>
@@ -25885,7 +27419,7 @@
             <a:fld id="{0B931EDA-BCF8-BB4B-B4D1-2CFE062FA080}" type="datetime1">
               <a:rPr lang="en-US" smtClean="0"/>
               <a:pPr/>
-              <a:t>11/20/2022</a:t>
+              <a:t>11/21/2022</a:t>
             </a:fld>
             <a:endParaRPr lang="en-US"/>
           </a:p>
@@ -25953,7 +27487,7 @@
             <a:fld id="{294A09A9-5501-47C1-A89A-A340965A2BE2}" type="slidenum">
               <a:rPr lang="en-US" smtClean="0"/>
               <a:pPr/>
-              <a:t>12</a:t>
+              <a:t>14</a:t>
             </a:fld>
             <a:endParaRPr lang="en-US"/>
           </a:p>
@@ -25972,7 +27506,7 @@
 </p:sld>
 </file>
 
-<file path=ppt/slides/slide13.xml><?xml version="1.0" encoding="utf-8"?>
+<file path=ppt/slides/slide15.xml><?xml version="1.0" encoding="utf-8"?>
 <p:sld xmlns:a="http://schemas.openxmlformats.org/drawingml/2006/main" xmlns:r="http://schemas.openxmlformats.org/officeDocument/2006/relationships" xmlns:p="http://schemas.openxmlformats.org/presentationml/2006/main">
   <p:cSld>
     <p:spTree>
@@ -26289,7 +27823,7 @@
             <a:fld id="{A42FF1E2-60E5-C540-AA54-7072D5406B0B}" type="datetime1">
               <a:rPr lang="en-US" smtClean="0"/>
               <a:pPr/>
-              <a:t>11/20/2022</a:t>
+              <a:t>11/21/2022</a:t>
             </a:fld>
             <a:endParaRPr lang="en-US"/>
           </a:p>
@@ -26357,7 +27891,7 @@
             <a:fld id="{294A09A9-5501-47C1-A89A-A340965A2BE2}" type="slidenum">
               <a:rPr lang="en-US" smtClean="0"/>
               <a:pPr/>
-              <a:t>13</a:t>
+              <a:t>15</a:t>
             </a:fld>
             <a:endParaRPr lang="en-US"/>
           </a:p>
@@ -26376,7 +27910,7 @@
 </p:sld>
 </file>
 
-<file path=ppt/slides/slide14.xml><?xml version="1.0" encoding="utf-8"?>
+<file path=ppt/slides/slide16.xml><?xml version="1.0" encoding="utf-8"?>
 <p:sld xmlns:a="http://schemas.openxmlformats.org/drawingml/2006/main" xmlns:r="http://schemas.openxmlformats.org/officeDocument/2006/relationships" xmlns:p="http://schemas.openxmlformats.org/presentationml/2006/main">
   <p:cSld>
     <p:spTree>
@@ -26493,7 +28027,7 @@
             <a:fld id="{7FA0C2EE-8499-394A-A22C-DABDB4752AEE}" type="datetime1">
               <a:rPr lang="en-US" smtClean="0"/>
               <a:pPr/>
-              <a:t>11/20/2022</a:t>
+              <a:t>11/21/2022</a:t>
             </a:fld>
             <a:endParaRPr lang="en-US"/>
           </a:p>
@@ -26561,7 +28095,7 @@
             <a:fld id="{294A09A9-5501-47C1-A89A-A340965A2BE2}" type="slidenum">
               <a:rPr lang="en-US" smtClean="0"/>
               <a:pPr/>
-              <a:t>14</a:t>
+              <a:t>16</a:t>
             </a:fld>
             <a:endParaRPr lang="en-US"/>
           </a:p>
@@ -26580,7 +28114,7 @@
 </p:sld>
 </file>
 
-<file path=ppt/slides/slide15.xml><?xml version="1.0" encoding="utf-8"?>
+<file path=ppt/slides/slide17.xml><?xml version="1.0" encoding="utf-8"?>
 <p:sld xmlns:a="http://schemas.openxmlformats.org/drawingml/2006/main" xmlns:r="http://schemas.openxmlformats.org/officeDocument/2006/relationships" xmlns:p="http://schemas.openxmlformats.org/presentationml/2006/main">
   <p:cSld>
     <p:spTree>
@@ -26734,8 +28268,11 @@
           <a:lstStyle/>
           <a:p>
             <a:r>
-              <a:rPr lang="en-US"/>
-              <a:t>Agenda</a:t>
+              <a:rPr lang="en-US">
+                <a:latin typeface="Times New Roman" panose="02020603050405020304" pitchFamily="18" charset="0"/>
+                <a:cs typeface="Times New Roman" panose="02020603050405020304" pitchFamily="18" charset="0"/>
+              </a:rPr>
+              <a:t>Nội dung thuyết trình</a:t>
             </a:r>
           </a:p>
         </p:txBody>
@@ -26769,138 +28306,50 @@
           <a:lstStyle/>
           <a:p>
             <a:r>
-              <a:rPr lang="en-US"/>
-              <a:t>Introduction</a:t>
+              <a:rPr lang="en-US" sz="2400">
+                <a:latin typeface="Times New Roman" panose="02020603050405020304" pitchFamily="18" charset="0"/>
+                <a:cs typeface="Times New Roman" panose="02020603050405020304" pitchFamily="18" charset="0"/>
+              </a:rPr>
+              <a:t>1. Mô tả sơ lược sản phẩm.</a:t>
             </a:r>
           </a:p>
           <a:p>
             <a:r>
-              <a:rPr lang="en-US"/>
-              <a:t>Primary goals</a:t>
+              <a:rPr lang="en-US" sz="2400">
+                <a:latin typeface="Times New Roman" panose="02020603050405020304" pitchFamily="18" charset="0"/>
+                <a:cs typeface="Times New Roman" panose="02020603050405020304" pitchFamily="18" charset="0"/>
+              </a:rPr>
+              <a:t>2. Đối tượng sử dụng sản phẩm và nghiệp vụ chức năng.</a:t>
             </a:r>
           </a:p>
           <a:p>
             <a:r>
-              <a:rPr lang="en-US"/>
-              <a:t>Areas of growth</a:t>
+              <a:rPr lang="en-US" sz="2400">
+                <a:latin typeface="Times New Roman" panose="02020603050405020304" pitchFamily="18" charset="0"/>
+                <a:cs typeface="Times New Roman" panose="02020603050405020304" pitchFamily="18" charset="0"/>
+              </a:rPr>
+              <a:t>3. Các chức năng đặc thù, tiêu biểu của sản phẩm.</a:t>
             </a:r>
           </a:p>
           <a:p>
             <a:r>
-              <a:rPr lang="en-US"/>
-              <a:t>Timeline</a:t>
+              <a:rPr lang="en-US" sz="2400">
+                <a:latin typeface="Times New Roman" panose="02020603050405020304" pitchFamily="18" charset="0"/>
+                <a:cs typeface="Times New Roman" panose="02020603050405020304" pitchFamily="18" charset="0"/>
+              </a:rPr>
+              <a:t>4. Lược đồ lớp Class Diagram.</a:t>
             </a:r>
           </a:p>
           <a:p>
             <a:r>
-              <a:rPr lang="en-US"/>
-              <a:t>Summary</a:t>
+              <a:rPr lang="en-US" sz="2400">
+                <a:latin typeface="Times New Roman" panose="02020603050405020304" pitchFamily="18" charset="0"/>
+                <a:cs typeface="Times New Roman" panose="02020603050405020304" pitchFamily="18" charset="0"/>
+              </a:rPr>
+              <a:t>5. Lược đồ quan hệ ERD.</a:t>
             </a:r>
           </a:p>
           <a:p>
-            <a:endParaRPr lang="en-US"/>
-          </a:p>
-        </p:txBody>
-      </p:sp>
-      <p:sp>
-        <p:nvSpPr>
-          <p:cNvPr id="4" name="Date Placeholder 3">
-            <a:extLst>
-              <a:ext uri="{FF2B5EF4-FFF2-40B4-BE49-F238E27FC236}">
-                <a16:creationId xmlns:a16="http://schemas.microsoft.com/office/drawing/2014/main" id="{5739303D-13C0-6A41-947A-F998CC47B32E}"/>
-              </a:ext>
-            </a:extLst>
-          </p:cNvPr>
-          <p:cNvSpPr>
-            <a:spLocks noGrp="1"/>
-          </p:cNvSpPr>
-          <p:nvPr>
-            <p:ph type="dt" sz="half" idx="2"/>
-          </p:nvPr>
-        </p:nvSpPr>
-        <p:spPr>
-          <a:xfrm>
-            <a:off x="381000" y="6356350"/>
-            <a:ext cx="2743200" cy="365125"/>
-          </a:xfrm>
-        </p:spPr>
-        <p:txBody>
-          <a:bodyPr/>
-          <a:lstStyle/>
-          <a:p>
-            <a:fld id="{495D8227-9DE4-4D42-8C1B-E10C828BC634}" type="datetime1">
-              <a:rPr lang="en-US" smtClean="0"/>
-              <a:pPr/>
-              <a:t>11/20/2022</a:t>
-            </a:fld>
-            <a:endParaRPr lang="en-US"/>
-          </a:p>
-        </p:txBody>
-      </p:sp>
-      <p:sp>
-        <p:nvSpPr>
-          <p:cNvPr id="5" name="Footer Placeholder 4">
-            <a:extLst>
-              <a:ext uri="{FF2B5EF4-FFF2-40B4-BE49-F238E27FC236}">
-                <a16:creationId xmlns:a16="http://schemas.microsoft.com/office/drawing/2014/main" id="{6209FEB4-4C5C-EB43-9696-7B42453DB79B}"/>
-              </a:ext>
-            </a:extLst>
-          </p:cNvPr>
-          <p:cNvSpPr>
-            <a:spLocks noGrp="1"/>
-          </p:cNvSpPr>
-          <p:nvPr>
-            <p:ph type="ftr" sz="quarter" idx="3"/>
-          </p:nvPr>
-        </p:nvSpPr>
-        <p:spPr>
-          <a:xfrm>
-            <a:off x="4038600" y="6356350"/>
-            <a:ext cx="4114800" cy="365125"/>
-          </a:xfrm>
-        </p:spPr>
-        <p:txBody>
-          <a:bodyPr/>
-          <a:lstStyle/>
-          <a:p>
-            <a:r>
-              <a:rPr lang="en-US"/>
-              <a:t>PRESENTATION TITLE</a:t>
-            </a:r>
-          </a:p>
-        </p:txBody>
-      </p:sp>
-      <p:sp>
-        <p:nvSpPr>
-          <p:cNvPr id="6" name="Slide Number Placeholder 5">
-            <a:extLst>
-              <a:ext uri="{FF2B5EF4-FFF2-40B4-BE49-F238E27FC236}">
-                <a16:creationId xmlns:a16="http://schemas.microsoft.com/office/drawing/2014/main" id="{60D470D0-6D64-5E42-9515-048F8779CD5E}"/>
-              </a:ext>
-            </a:extLst>
-          </p:cNvPr>
-          <p:cNvSpPr>
-            <a:spLocks noGrp="1"/>
-          </p:cNvSpPr>
-          <p:nvPr>
-            <p:ph type="sldNum" sz="quarter" idx="4"/>
-          </p:nvPr>
-        </p:nvSpPr>
-        <p:spPr>
-          <a:xfrm>
-            <a:off x="10153276" y="6356350"/>
-            <a:ext cx="1657723" cy="365125"/>
-          </a:xfrm>
-        </p:spPr>
-        <p:txBody>
-          <a:bodyPr/>
-          <a:lstStyle/>
-          <a:p>
-            <a:fld id="{294A09A9-5501-47C1-A89A-A340965A2BE2}" type="slidenum">
-              <a:rPr lang="en-US" smtClean="0"/>
-              <a:pPr/>
-              <a:t>2</a:t>
-            </a:fld>
             <a:endParaRPr lang="en-US"/>
           </a:p>
         </p:txBody>
@@ -26953,7 +28402,7 @@
         </p:nvSpPr>
         <p:spPr>
           <a:xfrm>
-            <a:off x="1167492" y="381000"/>
+            <a:off x="1167492" y="405492"/>
             <a:ext cx="9779183" cy="1325563"/>
           </a:xfrm>
         </p:spPr>
@@ -26962,8 +28411,11 @@
           <a:lstStyle/>
           <a:p>
             <a:r>
-              <a:rPr lang="en-US"/>
-              <a:t>Introduction</a:t>
+              <a:rPr lang="en-US">
+                <a:latin typeface="Times New Roman" panose="02020603050405020304" pitchFamily="18" charset="0"/>
+                <a:cs typeface="Times New Roman" panose="02020603050405020304" pitchFamily="18" charset="0"/>
+              </a:rPr>
+              <a:t>1. Mô tả sơ lược sản phẩm</a:t>
             </a:r>
           </a:p>
         </p:txBody>
@@ -26986,7 +28438,7 @@
         </p:nvSpPr>
         <p:spPr>
           <a:xfrm>
-            <a:off x="1167492" y="2653167"/>
+            <a:off x="1167492" y="2702153"/>
             <a:ext cx="9779183" cy="3436483"/>
           </a:xfrm>
         </p:spPr>
@@ -26996,113 +28448,49 @@
           </a:bodyPr>
           <a:lstStyle/>
           <a:p>
+            <a:pPr indent="457200" algn="just">
+              <a:lnSpc>
+                <a:spcPct val="107000"/>
+              </a:lnSpc>
+              <a:spcAft>
+                <a:spcPts val="800"/>
+              </a:spcAft>
+            </a:pPr>
             <a:r>
-              <a:rPr lang="en-US"/>
-              <a:t>At Contoso, we empower organizations to foster collaborative thinking to further drive workplace innovation. By closing the loop and leveraging agile frameworks, we help business grow organically and foster a consumer first mindset.</a:t>
+              <a:rPr lang="en-US" sz="1800">
+                <a:effectLst/>
+                <a:latin typeface="Times New Roman" panose="02020603050405020304" pitchFamily="18" charset="0"/>
+                <a:ea typeface="Calibri" panose="020F0502020204030204" pitchFamily="34" charset="0"/>
+              </a:rPr>
+              <a:t>Đối với một cửa hàng, việc quảng bá và giới thiệu sản phẩm đến khách hàng đáp ứng nhu cầu mua sắm ngày càng cao của khách hàng là điều cần thiết. Vì vậy, nhóm chúng em đã thực hiện đề tài “Thiết kế và xây dựng hệ thống trang web bán quần áo Fashion247”. Cửa hàng có thể đưa các sản phẩm lên hệ thống website của mình và quản lý website đó, khách hàng có thể đặt mua, mua hàng của cửa hàng mà không cần đến trực tiếp cửa hàng, cửa hàng sẽ gửi sản phẩm đến tân tay khách hàng. </a:t>
             </a:r>
-          </a:p>
-        </p:txBody>
-      </p:sp>
-      <p:sp>
-        <p:nvSpPr>
-          <p:cNvPr id="4" name="Date Placeholder 3">
-            <a:extLst>
-              <a:ext uri="{FF2B5EF4-FFF2-40B4-BE49-F238E27FC236}">
-                <a16:creationId xmlns:a16="http://schemas.microsoft.com/office/drawing/2014/main" id="{DB056174-CBC5-7B48-9681-7DDAC423337E}"/>
-              </a:ext>
-            </a:extLst>
-          </p:cNvPr>
-          <p:cNvSpPr>
-            <a:spLocks noGrp="1"/>
-          </p:cNvSpPr>
-          <p:nvPr>
-            <p:ph type="dt" sz="half" idx="10"/>
-          </p:nvPr>
-        </p:nvSpPr>
-        <p:spPr>
-          <a:xfrm>
-            <a:off x="381000" y="6356350"/>
-            <a:ext cx="2743200" cy="365125"/>
-          </a:xfrm>
-        </p:spPr>
-        <p:txBody>
-          <a:bodyPr/>
-          <a:lstStyle/>
-          <a:p>
-            <a:fld id="{E1707CF3-9BC4-A745-ACDA-A73543D800FE}" type="datetime1">
-              <a:rPr lang="en-US" smtClean="0"/>
-              <a:pPr/>
-              <a:t>11/20/2022</a:t>
-            </a:fld>
-            <a:endParaRPr lang="en-US"/>
-          </a:p>
-        </p:txBody>
-      </p:sp>
-      <p:sp>
-        <p:nvSpPr>
-          <p:cNvPr id="5" name="Footer Placeholder 4">
-            <a:extLst>
-              <a:ext uri="{FF2B5EF4-FFF2-40B4-BE49-F238E27FC236}">
-                <a16:creationId xmlns:a16="http://schemas.microsoft.com/office/drawing/2014/main" id="{D593FA18-50D6-0344-B477-1D7C91CF4029}"/>
-              </a:ext>
-            </a:extLst>
-          </p:cNvPr>
-          <p:cNvSpPr>
-            <a:spLocks noGrp="1"/>
-          </p:cNvSpPr>
-          <p:nvPr>
-            <p:ph type="ftr" sz="quarter" idx="11"/>
-          </p:nvPr>
-        </p:nvSpPr>
-        <p:spPr>
-          <a:xfrm>
-            <a:off x="4038600" y="6356350"/>
-            <a:ext cx="4114800" cy="365125"/>
-          </a:xfrm>
-        </p:spPr>
-        <p:txBody>
-          <a:bodyPr/>
-          <a:lstStyle/>
-          <a:p>
             <a:r>
-              <a:rPr lang="en-US"/>
-              <a:t>PRESENTATION TITLE</a:t>
+              <a:rPr lang="en-US" sz="1800">
+                <a:latin typeface="Times New Roman" panose="02020603050405020304" pitchFamily="18" charset="0"/>
+                <a:ea typeface="Calibri" panose="020F0502020204030204" pitchFamily="34" charset="0"/>
+              </a:rPr>
+              <a:t>Có thể nói w</a:t>
             </a:r>
-          </a:p>
-        </p:txBody>
-      </p:sp>
-      <p:sp>
-        <p:nvSpPr>
-          <p:cNvPr id="6" name="Slide Number Placeholder 5">
-            <a:extLst>
-              <a:ext uri="{FF2B5EF4-FFF2-40B4-BE49-F238E27FC236}">
-                <a16:creationId xmlns:a16="http://schemas.microsoft.com/office/drawing/2014/main" id="{134C72D2-EFDF-844A-8472-CB49A59B127B}"/>
-              </a:ext>
-            </a:extLst>
-          </p:cNvPr>
-          <p:cNvSpPr>
-            <a:spLocks noGrp="1"/>
-          </p:cNvSpPr>
-          <p:nvPr>
-            <p:ph type="sldNum" sz="quarter" idx="12"/>
-          </p:nvPr>
-        </p:nvSpPr>
-        <p:spPr>
-          <a:xfrm>
-            <a:off x="10206318" y="6356350"/>
-            <a:ext cx="1604682" cy="365125"/>
-          </a:xfrm>
-        </p:spPr>
-        <p:txBody>
-          <a:bodyPr/>
-          <a:lstStyle/>
-          <a:p>
-            <a:fld id="{294A09A9-5501-47C1-A89A-A340965A2BE2}" type="slidenum">
-              <a:rPr lang="en-US" smtClean="0"/>
-              <a:pPr/>
-              <a:t>3</a:t>
-            </a:fld>
-            <a:endParaRPr lang="en-US"/>
+            <a:r>
+              <a:rPr lang="en-US" sz="1800">
+                <a:effectLst/>
+                <a:latin typeface="Times New Roman" panose="02020603050405020304" pitchFamily="18" charset="0"/>
+                <a:ea typeface="Calibri" panose="020F0502020204030204" pitchFamily="34" charset="0"/>
+              </a:rPr>
+              <a:t>ebsite là nơi cửa hàng quảng bá tốt nhất tất cả các sản phẩm mình bán ra</a:t>
+            </a:r>
+            <a:r>
+              <a:rPr lang="en-US" sz="1800">
+                <a:latin typeface="Times New Roman" panose="02020603050405020304" pitchFamily="18" charset="0"/>
+                <a:ea typeface="Calibri" panose="020F0502020204030204" pitchFamily="34" charset="0"/>
+              </a:rPr>
+              <a:t>.</a:t>
+            </a:r>
+            <a:endParaRPr lang="en-US" sz="1800">
+              <a:effectLst/>
+              <a:latin typeface="Calibri" panose="020F0502020204030204" pitchFamily="34" charset="0"/>
+              <a:ea typeface="Calibri" panose="020F0502020204030204" pitchFamily="34" charset="0"/>
+            </a:endParaRPr>
           </a:p>
         </p:txBody>
       </p:sp>
@@ -27120,6 +28508,1088 @@
 </file>
 
 <file path=ppt/slides/slide4.xml><?xml version="1.0" encoding="utf-8"?>
+<p:sld xmlns:a="http://schemas.openxmlformats.org/drawingml/2006/main" xmlns:r="http://schemas.openxmlformats.org/officeDocument/2006/relationships" xmlns:p="http://schemas.openxmlformats.org/presentationml/2006/main">
+  <p:cSld>
+    <p:spTree>
+      <p:nvGrpSpPr>
+        <p:cNvPr id="1" name=""/>
+        <p:cNvGrpSpPr/>
+        <p:nvPr/>
+      </p:nvGrpSpPr>
+      <p:grpSpPr>
+        <a:xfrm>
+          <a:off x="0" y="0"/>
+          <a:ext cx="0" cy="0"/>
+          <a:chOff x="0" y="0"/>
+          <a:chExt cx="0" cy="0"/>
+        </a:xfrm>
+      </p:grpSpPr>
+      <p:sp>
+        <p:nvSpPr>
+          <p:cNvPr id="2" name="Title 1">
+            <a:extLst>
+              <a:ext uri="{FF2B5EF4-FFF2-40B4-BE49-F238E27FC236}">
+                <a16:creationId xmlns:a16="http://schemas.microsoft.com/office/drawing/2014/main" id="{8C543F67-9C70-4748-8C0C-3A7863422F99}"/>
+              </a:ext>
+            </a:extLst>
+          </p:cNvPr>
+          <p:cNvSpPr>
+            <a:spLocks noGrp="1"/>
+          </p:cNvSpPr>
+          <p:nvPr>
+            <p:ph type="title"/>
+          </p:nvPr>
+        </p:nvSpPr>
+        <p:spPr>
+          <a:xfrm>
+            <a:off x="1167492" y="405492"/>
+            <a:ext cx="9779183" cy="1325563"/>
+          </a:xfrm>
+        </p:spPr>
+        <p:txBody>
+          <a:bodyPr/>
+          <a:lstStyle/>
+          <a:p>
+            <a:r>
+              <a:rPr lang="en-US" sz="4800">
+                <a:latin typeface="Times New Roman" panose="02020603050405020304" pitchFamily="18" charset="0"/>
+                <a:cs typeface="Times New Roman" panose="02020603050405020304" pitchFamily="18" charset="0"/>
+              </a:rPr>
+              <a:t>2. Đối tượng sử dụng sản phẩm </a:t>
+            </a:r>
+            <a:br>
+              <a:rPr lang="en-US" sz="4800">
+                <a:latin typeface="Times New Roman" panose="02020603050405020304" pitchFamily="18" charset="0"/>
+                <a:cs typeface="Times New Roman" panose="02020603050405020304" pitchFamily="18" charset="0"/>
+              </a:rPr>
+            </a:br>
+            <a:r>
+              <a:rPr lang="en-US" sz="4800">
+                <a:latin typeface="Times New Roman" panose="02020603050405020304" pitchFamily="18" charset="0"/>
+                <a:cs typeface="Times New Roman" panose="02020603050405020304" pitchFamily="18" charset="0"/>
+              </a:rPr>
+              <a:t>và nghiệp vụ chức năng</a:t>
+            </a:r>
+            <a:endParaRPr lang="en-US">
+              <a:latin typeface="Times New Roman" panose="02020603050405020304" pitchFamily="18" charset="0"/>
+              <a:cs typeface="Times New Roman" panose="02020603050405020304" pitchFamily="18" charset="0"/>
+            </a:endParaRPr>
+          </a:p>
+        </p:txBody>
+      </p:sp>
+      <p:sp>
+        <p:nvSpPr>
+          <p:cNvPr id="4" name="Text Placeholder 3">
+            <a:extLst>
+              <a:ext uri="{FF2B5EF4-FFF2-40B4-BE49-F238E27FC236}">
+                <a16:creationId xmlns:a16="http://schemas.microsoft.com/office/drawing/2014/main" id="{612D6277-CD65-4EF7-F648-A0ADC46460A5}"/>
+              </a:ext>
+            </a:extLst>
+          </p:cNvPr>
+          <p:cNvSpPr txBox="1">
+            <a:spLocks/>
+          </p:cNvSpPr>
+          <p:nvPr/>
+        </p:nvSpPr>
+        <p:spPr>
+          <a:xfrm>
+            <a:off x="1167492" y="3203502"/>
+            <a:ext cx="9356272" cy="2829905"/>
+          </a:xfrm>
+          <a:prstGeom prst="rect">
+            <a:avLst/>
+          </a:prstGeom>
+        </p:spPr>
+        <p:txBody>
+          <a:bodyPr vert="horz" lIns="91440" tIns="45720" rIns="91440" bIns="45720" rtlCol="0" anchor="t">
+            <a:noAutofit/>
+          </a:bodyPr>
+          <a:lstStyle>
+            <a:lvl1pPr marL="0" indent="0" algn="l" defTabSz="914400" rtl="0" eaLnBrk="1" latinLnBrk="0" hangingPunct="1">
+              <a:lnSpc>
+                <a:spcPct val="150000"/>
+              </a:lnSpc>
+              <a:spcBef>
+                <a:spcPts val="1000"/>
+              </a:spcBef>
+              <a:buFont typeface="Arial" panose="020B0604020202020204" pitchFamily="34" charset="0"/>
+              <a:buNone/>
+              <a:defRPr sz="2400" kern="1200">
+                <a:solidFill>
+                  <a:schemeClr val="bg1"/>
+                </a:solidFill>
+                <a:latin typeface="+mn-lt"/>
+                <a:ea typeface="+mn-ea"/>
+                <a:cs typeface="+mn-cs"/>
+              </a:defRPr>
+            </a:lvl1pPr>
+            <a:lvl2pPr marL="457200" indent="0" algn="l" defTabSz="914400" rtl="0" eaLnBrk="1" latinLnBrk="0" hangingPunct="1">
+              <a:lnSpc>
+                <a:spcPct val="90000"/>
+              </a:lnSpc>
+              <a:spcBef>
+                <a:spcPts val="500"/>
+              </a:spcBef>
+              <a:buFont typeface="Arial" panose="020B0604020202020204" pitchFamily="34" charset="0"/>
+              <a:buNone/>
+              <a:defRPr sz="2000" kern="1200">
+                <a:solidFill>
+                  <a:schemeClr val="tx1">
+                    <a:tint val="75000"/>
+                  </a:schemeClr>
+                </a:solidFill>
+                <a:latin typeface="+mn-lt"/>
+                <a:ea typeface="+mn-ea"/>
+                <a:cs typeface="+mn-cs"/>
+              </a:defRPr>
+            </a:lvl2pPr>
+            <a:lvl3pPr marL="914400" indent="0" algn="l" defTabSz="914400" rtl="0" eaLnBrk="1" latinLnBrk="0" hangingPunct="1">
+              <a:lnSpc>
+                <a:spcPct val="90000"/>
+              </a:lnSpc>
+              <a:spcBef>
+                <a:spcPts val="500"/>
+              </a:spcBef>
+              <a:buFont typeface="Arial" panose="020B0604020202020204" pitchFamily="34" charset="0"/>
+              <a:buNone/>
+              <a:defRPr sz="1800" kern="1200">
+                <a:solidFill>
+                  <a:schemeClr val="tx1">
+                    <a:tint val="75000"/>
+                  </a:schemeClr>
+                </a:solidFill>
+                <a:latin typeface="+mn-lt"/>
+                <a:ea typeface="+mn-ea"/>
+                <a:cs typeface="+mn-cs"/>
+              </a:defRPr>
+            </a:lvl3pPr>
+            <a:lvl4pPr marL="1371600" indent="0" algn="l" defTabSz="914400" rtl="0" eaLnBrk="1" latinLnBrk="0" hangingPunct="1">
+              <a:lnSpc>
+                <a:spcPct val="90000"/>
+              </a:lnSpc>
+              <a:spcBef>
+                <a:spcPts val="500"/>
+              </a:spcBef>
+              <a:buFont typeface="Arial" panose="020B0604020202020204" pitchFamily="34" charset="0"/>
+              <a:buNone/>
+              <a:defRPr sz="1600" kern="1200">
+                <a:solidFill>
+                  <a:schemeClr val="tx1">
+                    <a:tint val="75000"/>
+                  </a:schemeClr>
+                </a:solidFill>
+                <a:latin typeface="+mn-lt"/>
+                <a:ea typeface="+mn-ea"/>
+                <a:cs typeface="+mn-cs"/>
+              </a:defRPr>
+            </a:lvl4pPr>
+            <a:lvl5pPr marL="1828800" indent="0" algn="l" defTabSz="914400" rtl="0" eaLnBrk="1" latinLnBrk="0" hangingPunct="1">
+              <a:lnSpc>
+                <a:spcPct val="90000"/>
+              </a:lnSpc>
+              <a:spcBef>
+                <a:spcPts val="500"/>
+              </a:spcBef>
+              <a:buFont typeface="Arial" panose="020B0604020202020204" pitchFamily="34" charset="0"/>
+              <a:buNone/>
+              <a:defRPr sz="1600" kern="1200">
+                <a:solidFill>
+                  <a:schemeClr val="tx1">
+                    <a:tint val="75000"/>
+                  </a:schemeClr>
+                </a:solidFill>
+                <a:latin typeface="+mn-lt"/>
+                <a:ea typeface="+mn-ea"/>
+                <a:cs typeface="+mn-cs"/>
+              </a:defRPr>
+            </a:lvl5pPr>
+            <a:lvl6pPr marL="2286000" indent="0" algn="l" defTabSz="914400" rtl="0" eaLnBrk="1" latinLnBrk="0" hangingPunct="1">
+              <a:lnSpc>
+                <a:spcPct val="90000"/>
+              </a:lnSpc>
+              <a:spcBef>
+                <a:spcPts val="500"/>
+              </a:spcBef>
+              <a:buFont typeface="Arial" panose="020B0604020202020204" pitchFamily="34" charset="0"/>
+              <a:buNone/>
+              <a:defRPr sz="1600" kern="1200">
+                <a:solidFill>
+                  <a:schemeClr val="tx1">
+                    <a:tint val="75000"/>
+                  </a:schemeClr>
+                </a:solidFill>
+                <a:latin typeface="+mn-lt"/>
+                <a:ea typeface="+mn-ea"/>
+                <a:cs typeface="+mn-cs"/>
+              </a:defRPr>
+            </a:lvl6pPr>
+            <a:lvl7pPr marL="2743200" indent="0" algn="l" defTabSz="914400" rtl="0" eaLnBrk="1" latinLnBrk="0" hangingPunct="1">
+              <a:lnSpc>
+                <a:spcPct val="90000"/>
+              </a:lnSpc>
+              <a:spcBef>
+                <a:spcPts val="500"/>
+              </a:spcBef>
+              <a:buFont typeface="Arial" panose="020B0604020202020204" pitchFamily="34" charset="0"/>
+              <a:buNone/>
+              <a:defRPr sz="1600" kern="1200">
+                <a:solidFill>
+                  <a:schemeClr val="tx1">
+                    <a:tint val="75000"/>
+                  </a:schemeClr>
+                </a:solidFill>
+                <a:latin typeface="+mn-lt"/>
+                <a:ea typeface="+mn-ea"/>
+                <a:cs typeface="+mn-cs"/>
+              </a:defRPr>
+            </a:lvl7pPr>
+            <a:lvl8pPr marL="3200400" indent="0" algn="l" defTabSz="914400" rtl="0" eaLnBrk="1" latinLnBrk="0" hangingPunct="1">
+              <a:lnSpc>
+                <a:spcPct val="90000"/>
+              </a:lnSpc>
+              <a:spcBef>
+                <a:spcPts val="500"/>
+              </a:spcBef>
+              <a:buFont typeface="Arial" panose="020B0604020202020204" pitchFamily="34" charset="0"/>
+              <a:buNone/>
+              <a:defRPr sz="1600" kern="1200">
+                <a:solidFill>
+                  <a:schemeClr val="tx1">
+                    <a:tint val="75000"/>
+                  </a:schemeClr>
+                </a:solidFill>
+                <a:latin typeface="+mn-lt"/>
+                <a:ea typeface="+mn-ea"/>
+                <a:cs typeface="+mn-cs"/>
+              </a:defRPr>
+            </a:lvl8pPr>
+            <a:lvl9pPr marL="3657600" indent="0" algn="l" defTabSz="914400" rtl="0" eaLnBrk="1" latinLnBrk="0" hangingPunct="1">
+              <a:lnSpc>
+                <a:spcPct val="90000"/>
+              </a:lnSpc>
+              <a:spcBef>
+                <a:spcPts val="500"/>
+              </a:spcBef>
+              <a:buFont typeface="Arial" panose="020B0604020202020204" pitchFamily="34" charset="0"/>
+              <a:buNone/>
+              <a:defRPr sz="1600" kern="1200">
+                <a:solidFill>
+                  <a:schemeClr val="tx1">
+                    <a:tint val="75000"/>
+                  </a:schemeClr>
+                </a:solidFill>
+                <a:latin typeface="+mn-lt"/>
+                <a:ea typeface="+mn-ea"/>
+                <a:cs typeface="+mn-cs"/>
+              </a:defRPr>
+            </a:lvl9pPr>
+          </a:lstStyle>
+          <a:p>
+            <a:pPr algn="just"/>
+            <a:r>
+              <a:rPr lang="en-US" sz="1800">
+                <a:latin typeface="Times New Roman" panose="02020603050405020304" pitchFamily="18" charset="0"/>
+                <a:cs typeface="Times New Roman" panose="02020603050405020304" pitchFamily="18" charset="0"/>
+              </a:rPr>
+              <a:t>Đối tượng sử dụng sản phẩm gồm: Khách hàng và Quản trị viên</a:t>
+            </a:r>
+          </a:p>
+          <a:p>
+            <a:pPr algn="just"/>
+            <a:r>
+              <a:rPr lang="en-US" sz="1800">
+                <a:latin typeface="Times New Roman" panose="02020603050405020304" pitchFamily="18" charset="0"/>
+                <a:cs typeface="Times New Roman" panose="02020603050405020304" pitchFamily="18" charset="0"/>
+              </a:rPr>
+              <a:t>- Khách hàng đóng vai trò như là người dùng chính của hệ thống, trực tiếp sử dụng các chức năng mua sắm sản phẩm và quản lí thông tin của họ trên hệ thống.</a:t>
+            </a:r>
+          </a:p>
+          <a:p>
+            <a:pPr algn="just"/>
+            <a:r>
+              <a:rPr lang="en-US" sz="1800">
+                <a:latin typeface="Times New Roman" panose="02020603050405020304" pitchFamily="18" charset="0"/>
+                <a:cs typeface="Times New Roman" panose="02020603050405020304" pitchFamily="18" charset="0"/>
+              </a:rPr>
+              <a:t>- Quản trị viên đóng vai trò như là người vận hành của hệ thống, tiếp nhận và xử lí các thao tác nghiệp vụ của người bán hàng, bên cạnh đó họ còn có quyền truy cập và sử dụng những chức năng quản trị hệ thống.</a:t>
+            </a:r>
+          </a:p>
+        </p:txBody>
+      </p:sp>
+      <p:sp>
+        <p:nvSpPr>
+          <p:cNvPr id="5" name="Text Placeholder 3">
+            <a:extLst>
+              <a:ext uri="{FF2B5EF4-FFF2-40B4-BE49-F238E27FC236}">
+                <a16:creationId xmlns:a16="http://schemas.microsoft.com/office/drawing/2014/main" id="{BE5E87AB-3D73-705A-227A-0B3F3D5B3869}"/>
+              </a:ext>
+            </a:extLst>
+          </p:cNvPr>
+          <p:cNvSpPr txBox="1">
+            <a:spLocks/>
+          </p:cNvSpPr>
+          <p:nvPr/>
+        </p:nvSpPr>
+        <p:spPr>
+          <a:xfrm>
+            <a:off x="1167492" y="2583397"/>
+            <a:ext cx="9013372" cy="513970"/>
+          </a:xfrm>
+          <a:prstGeom prst="rect">
+            <a:avLst/>
+          </a:prstGeom>
+        </p:spPr>
+        <p:txBody>
+          <a:bodyPr vert="horz" lIns="91440" tIns="45720" rIns="91440" bIns="45720" rtlCol="0" anchor="t">
+            <a:noAutofit/>
+          </a:bodyPr>
+          <a:lstStyle>
+            <a:lvl1pPr marL="0" indent="0" algn="l" defTabSz="914400" rtl="0" eaLnBrk="1" latinLnBrk="0" hangingPunct="1">
+              <a:lnSpc>
+                <a:spcPct val="150000"/>
+              </a:lnSpc>
+              <a:spcBef>
+                <a:spcPts val="1000"/>
+              </a:spcBef>
+              <a:buFont typeface="Arial" panose="020B0604020202020204" pitchFamily="34" charset="0"/>
+              <a:buNone/>
+              <a:defRPr sz="2400" kern="1200">
+                <a:solidFill>
+                  <a:schemeClr val="bg1"/>
+                </a:solidFill>
+                <a:latin typeface="+mn-lt"/>
+                <a:ea typeface="+mn-ea"/>
+                <a:cs typeface="+mn-cs"/>
+              </a:defRPr>
+            </a:lvl1pPr>
+            <a:lvl2pPr marL="457200" indent="0" algn="l" defTabSz="914400" rtl="0" eaLnBrk="1" latinLnBrk="0" hangingPunct="1">
+              <a:lnSpc>
+                <a:spcPct val="90000"/>
+              </a:lnSpc>
+              <a:spcBef>
+                <a:spcPts val="500"/>
+              </a:spcBef>
+              <a:buFont typeface="Arial" panose="020B0604020202020204" pitchFamily="34" charset="0"/>
+              <a:buNone/>
+              <a:defRPr sz="2000" kern="1200">
+                <a:solidFill>
+                  <a:schemeClr val="tx1">
+                    <a:tint val="75000"/>
+                  </a:schemeClr>
+                </a:solidFill>
+                <a:latin typeface="+mn-lt"/>
+                <a:ea typeface="+mn-ea"/>
+                <a:cs typeface="+mn-cs"/>
+              </a:defRPr>
+            </a:lvl2pPr>
+            <a:lvl3pPr marL="914400" indent="0" algn="l" defTabSz="914400" rtl="0" eaLnBrk="1" latinLnBrk="0" hangingPunct="1">
+              <a:lnSpc>
+                <a:spcPct val="90000"/>
+              </a:lnSpc>
+              <a:spcBef>
+                <a:spcPts val="500"/>
+              </a:spcBef>
+              <a:buFont typeface="Arial" panose="020B0604020202020204" pitchFamily="34" charset="0"/>
+              <a:buNone/>
+              <a:defRPr sz="1800" kern="1200">
+                <a:solidFill>
+                  <a:schemeClr val="tx1">
+                    <a:tint val="75000"/>
+                  </a:schemeClr>
+                </a:solidFill>
+                <a:latin typeface="+mn-lt"/>
+                <a:ea typeface="+mn-ea"/>
+                <a:cs typeface="+mn-cs"/>
+              </a:defRPr>
+            </a:lvl3pPr>
+            <a:lvl4pPr marL="1371600" indent="0" algn="l" defTabSz="914400" rtl="0" eaLnBrk="1" latinLnBrk="0" hangingPunct="1">
+              <a:lnSpc>
+                <a:spcPct val="90000"/>
+              </a:lnSpc>
+              <a:spcBef>
+                <a:spcPts val="500"/>
+              </a:spcBef>
+              <a:buFont typeface="Arial" panose="020B0604020202020204" pitchFamily="34" charset="0"/>
+              <a:buNone/>
+              <a:defRPr sz="1600" kern="1200">
+                <a:solidFill>
+                  <a:schemeClr val="tx1">
+                    <a:tint val="75000"/>
+                  </a:schemeClr>
+                </a:solidFill>
+                <a:latin typeface="+mn-lt"/>
+                <a:ea typeface="+mn-ea"/>
+                <a:cs typeface="+mn-cs"/>
+              </a:defRPr>
+            </a:lvl4pPr>
+            <a:lvl5pPr marL="1828800" indent="0" algn="l" defTabSz="914400" rtl="0" eaLnBrk="1" latinLnBrk="0" hangingPunct="1">
+              <a:lnSpc>
+                <a:spcPct val="90000"/>
+              </a:lnSpc>
+              <a:spcBef>
+                <a:spcPts val="500"/>
+              </a:spcBef>
+              <a:buFont typeface="Arial" panose="020B0604020202020204" pitchFamily="34" charset="0"/>
+              <a:buNone/>
+              <a:defRPr sz="1600" kern="1200">
+                <a:solidFill>
+                  <a:schemeClr val="tx1">
+                    <a:tint val="75000"/>
+                  </a:schemeClr>
+                </a:solidFill>
+                <a:latin typeface="+mn-lt"/>
+                <a:ea typeface="+mn-ea"/>
+                <a:cs typeface="+mn-cs"/>
+              </a:defRPr>
+            </a:lvl5pPr>
+            <a:lvl6pPr marL="2286000" indent="0" algn="l" defTabSz="914400" rtl="0" eaLnBrk="1" latinLnBrk="0" hangingPunct="1">
+              <a:lnSpc>
+                <a:spcPct val="90000"/>
+              </a:lnSpc>
+              <a:spcBef>
+                <a:spcPts val="500"/>
+              </a:spcBef>
+              <a:buFont typeface="Arial" panose="020B0604020202020204" pitchFamily="34" charset="0"/>
+              <a:buNone/>
+              <a:defRPr sz="1600" kern="1200">
+                <a:solidFill>
+                  <a:schemeClr val="tx1">
+                    <a:tint val="75000"/>
+                  </a:schemeClr>
+                </a:solidFill>
+                <a:latin typeface="+mn-lt"/>
+                <a:ea typeface="+mn-ea"/>
+                <a:cs typeface="+mn-cs"/>
+              </a:defRPr>
+            </a:lvl6pPr>
+            <a:lvl7pPr marL="2743200" indent="0" algn="l" defTabSz="914400" rtl="0" eaLnBrk="1" latinLnBrk="0" hangingPunct="1">
+              <a:lnSpc>
+                <a:spcPct val="90000"/>
+              </a:lnSpc>
+              <a:spcBef>
+                <a:spcPts val="500"/>
+              </a:spcBef>
+              <a:buFont typeface="Arial" panose="020B0604020202020204" pitchFamily="34" charset="0"/>
+              <a:buNone/>
+              <a:defRPr sz="1600" kern="1200">
+                <a:solidFill>
+                  <a:schemeClr val="tx1">
+                    <a:tint val="75000"/>
+                  </a:schemeClr>
+                </a:solidFill>
+                <a:latin typeface="+mn-lt"/>
+                <a:ea typeface="+mn-ea"/>
+                <a:cs typeface="+mn-cs"/>
+              </a:defRPr>
+            </a:lvl7pPr>
+            <a:lvl8pPr marL="3200400" indent="0" algn="l" defTabSz="914400" rtl="0" eaLnBrk="1" latinLnBrk="0" hangingPunct="1">
+              <a:lnSpc>
+                <a:spcPct val="90000"/>
+              </a:lnSpc>
+              <a:spcBef>
+                <a:spcPts val="500"/>
+              </a:spcBef>
+              <a:buFont typeface="Arial" panose="020B0604020202020204" pitchFamily="34" charset="0"/>
+              <a:buNone/>
+              <a:defRPr sz="1600" kern="1200">
+                <a:solidFill>
+                  <a:schemeClr val="tx1">
+                    <a:tint val="75000"/>
+                  </a:schemeClr>
+                </a:solidFill>
+                <a:latin typeface="+mn-lt"/>
+                <a:ea typeface="+mn-ea"/>
+                <a:cs typeface="+mn-cs"/>
+              </a:defRPr>
+            </a:lvl8pPr>
+            <a:lvl9pPr marL="3657600" indent="0" algn="l" defTabSz="914400" rtl="0" eaLnBrk="1" latinLnBrk="0" hangingPunct="1">
+              <a:lnSpc>
+                <a:spcPct val="90000"/>
+              </a:lnSpc>
+              <a:spcBef>
+                <a:spcPts val="500"/>
+              </a:spcBef>
+              <a:buFont typeface="Arial" panose="020B0604020202020204" pitchFamily="34" charset="0"/>
+              <a:buNone/>
+              <a:defRPr sz="1600" kern="1200">
+                <a:solidFill>
+                  <a:schemeClr val="tx1">
+                    <a:tint val="75000"/>
+                  </a:schemeClr>
+                </a:solidFill>
+                <a:latin typeface="+mn-lt"/>
+                <a:ea typeface="+mn-ea"/>
+                <a:cs typeface="+mn-cs"/>
+              </a:defRPr>
+            </a:lvl9pPr>
+          </a:lstStyle>
+          <a:p>
+            <a:pPr algn="just"/>
+            <a:r>
+              <a:rPr lang="en-US" sz="2200" b="1">
+                <a:latin typeface="Times New Roman" panose="02020603050405020304" pitchFamily="18" charset="0"/>
+                <a:cs typeface="Times New Roman" panose="02020603050405020304" pitchFamily="18" charset="0"/>
+              </a:rPr>
+              <a:t>2.1 Đối tượng sử dụng sản phẩm</a:t>
+            </a:r>
+          </a:p>
+        </p:txBody>
+      </p:sp>
+    </p:spTree>
+    <p:extLst>
+      <p:ext uri="{BB962C8B-B14F-4D97-AF65-F5344CB8AC3E}">
+        <p14:creationId xmlns:p14="http://schemas.microsoft.com/office/powerpoint/2010/main" val="1642759685"/>
+      </p:ext>
+    </p:extLst>
+  </p:cSld>
+  <p:clrMapOvr>
+    <a:masterClrMapping/>
+  </p:clrMapOvr>
+</p:sld>
+</file>
+
+<file path=ppt/slides/slide5.xml><?xml version="1.0" encoding="utf-8"?>
+<p:sld xmlns:a="http://schemas.openxmlformats.org/drawingml/2006/main" xmlns:r="http://schemas.openxmlformats.org/officeDocument/2006/relationships" xmlns:p="http://schemas.openxmlformats.org/presentationml/2006/main">
+  <p:cSld>
+    <p:spTree>
+      <p:nvGrpSpPr>
+        <p:cNvPr id="1" name=""/>
+        <p:cNvGrpSpPr/>
+        <p:nvPr/>
+      </p:nvGrpSpPr>
+      <p:grpSpPr>
+        <a:xfrm>
+          <a:off x="0" y="0"/>
+          <a:ext cx="0" cy="0"/>
+          <a:chOff x="0" y="0"/>
+          <a:chExt cx="0" cy="0"/>
+        </a:xfrm>
+      </p:grpSpPr>
+      <p:sp>
+        <p:nvSpPr>
+          <p:cNvPr id="2" name="Title 1">
+            <a:extLst>
+              <a:ext uri="{FF2B5EF4-FFF2-40B4-BE49-F238E27FC236}">
+                <a16:creationId xmlns:a16="http://schemas.microsoft.com/office/drawing/2014/main" id="{8C543F67-9C70-4748-8C0C-3A7863422F99}"/>
+              </a:ext>
+            </a:extLst>
+          </p:cNvPr>
+          <p:cNvSpPr>
+            <a:spLocks noGrp="1"/>
+          </p:cNvSpPr>
+          <p:nvPr>
+            <p:ph type="title"/>
+          </p:nvPr>
+        </p:nvSpPr>
+        <p:spPr>
+          <a:xfrm>
+            <a:off x="1167492" y="405492"/>
+            <a:ext cx="9779183" cy="1325563"/>
+          </a:xfrm>
+        </p:spPr>
+        <p:txBody>
+          <a:bodyPr/>
+          <a:lstStyle/>
+          <a:p>
+            <a:r>
+              <a:rPr lang="en-US" sz="4800">
+                <a:latin typeface="Times New Roman" panose="02020603050405020304" pitchFamily="18" charset="0"/>
+                <a:cs typeface="Times New Roman" panose="02020603050405020304" pitchFamily="18" charset="0"/>
+              </a:rPr>
+              <a:t>2. Đối tượng sử dụng sản phẩm </a:t>
+            </a:r>
+            <a:br>
+              <a:rPr lang="en-US" sz="4800">
+                <a:latin typeface="Times New Roman" panose="02020603050405020304" pitchFamily="18" charset="0"/>
+                <a:cs typeface="Times New Roman" panose="02020603050405020304" pitchFamily="18" charset="0"/>
+              </a:rPr>
+            </a:br>
+            <a:r>
+              <a:rPr lang="en-US" sz="4800">
+                <a:latin typeface="Times New Roman" panose="02020603050405020304" pitchFamily="18" charset="0"/>
+                <a:cs typeface="Times New Roman" panose="02020603050405020304" pitchFamily="18" charset="0"/>
+              </a:rPr>
+              <a:t>và nghiệp vụ chức năng</a:t>
+            </a:r>
+            <a:endParaRPr lang="en-US">
+              <a:latin typeface="Times New Roman" panose="02020603050405020304" pitchFamily="18" charset="0"/>
+              <a:cs typeface="Times New Roman" panose="02020603050405020304" pitchFamily="18" charset="0"/>
+            </a:endParaRPr>
+          </a:p>
+        </p:txBody>
+      </p:sp>
+      <p:sp>
+        <p:nvSpPr>
+          <p:cNvPr id="4" name="Text Placeholder 3">
+            <a:extLst>
+              <a:ext uri="{FF2B5EF4-FFF2-40B4-BE49-F238E27FC236}">
+                <a16:creationId xmlns:a16="http://schemas.microsoft.com/office/drawing/2014/main" id="{612D6277-CD65-4EF7-F648-A0ADC46460A5}"/>
+              </a:ext>
+            </a:extLst>
+          </p:cNvPr>
+          <p:cNvSpPr txBox="1">
+            <a:spLocks/>
+          </p:cNvSpPr>
+          <p:nvPr/>
+        </p:nvSpPr>
+        <p:spPr>
+          <a:xfrm>
+            <a:off x="1167492" y="3203502"/>
+            <a:ext cx="9356272" cy="2829905"/>
+          </a:xfrm>
+          <a:prstGeom prst="rect">
+            <a:avLst/>
+          </a:prstGeom>
+        </p:spPr>
+        <p:txBody>
+          <a:bodyPr vert="horz" lIns="91440" tIns="45720" rIns="91440" bIns="45720" rtlCol="0" anchor="t">
+            <a:noAutofit/>
+          </a:bodyPr>
+          <a:lstStyle>
+            <a:lvl1pPr marL="0" indent="0" algn="l" defTabSz="914400" rtl="0" eaLnBrk="1" latinLnBrk="0" hangingPunct="1">
+              <a:lnSpc>
+                <a:spcPct val="150000"/>
+              </a:lnSpc>
+              <a:spcBef>
+                <a:spcPts val="1000"/>
+              </a:spcBef>
+              <a:buFont typeface="Arial" panose="020B0604020202020204" pitchFamily="34" charset="0"/>
+              <a:buNone/>
+              <a:defRPr sz="2400" kern="1200">
+                <a:solidFill>
+                  <a:schemeClr val="bg1"/>
+                </a:solidFill>
+                <a:latin typeface="+mn-lt"/>
+                <a:ea typeface="+mn-ea"/>
+                <a:cs typeface="+mn-cs"/>
+              </a:defRPr>
+            </a:lvl1pPr>
+            <a:lvl2pPr marL="457200" indent="0" algn="l" defTabSz="914400" rtl="0" eaLnBrk="1" latinLnBrk="0" hangingPunct="1">
+              <a:lnSpc>
+                <a:spcPct val="90000"/>
+              </a:lnSpc>
+              <a:spcBef>
+                <a:spcPts val="500"/>
+              </a:spcBef>
+              <a:buFont typeface="Arial" panose="020B0604020202020204" pitchFamily="34" charset="0"/>
+              <a:buNone/>
+              <a:defRPr sz="2000" kern="1200">
+                <a:solidFill>
+                  <a:schemeClr val="tx1">
+                    <a:tint val="75000"/>
+                  </a:schemeClr>
+                </a:solidFill>
+                <a:latin typeface="+mn-lt"/>
+                <a:ea typeface="+mn-ea"/>
+                <a:cs typeface="+mn-cs"/>
+              </a:defRPr>
+            </a:lvl2pPr>
+            <a:lvl3pPr marL="914400" indent="0" algn="l" defTabSz="914400" rtl="0" eaLnBrk="1" latinLnBrk="0" hangingPunct="1">
+              <a:lnSpc>
+                <a:spcPct val="90000"/>
+              </a:lnSpc>
+              <a:spcBef>
+                <a:spcPts val="500"/>
+              </a:spcBef>
+              <a:buFont typeface="Arial" panose="020B0604020202020204" pitchFamily="34" charset="0"/>
+              <a:buNone/>
+              <a:defRPr sz="1800" kern="1200">
+                <a:solidFill>
+                  <a:schemeClr val="tx1">
+                    <a:tint val="75000"/>
+                  </a:schemeClr>
+                </a:solidFill>
+                <a:latin typeface="+mn-lt"/>
+                <a:ea typeface="+mn-ea"/>
+                <a:cs typeface="+mn-cs"/>
+              </a:defRPr>
+            </a:lvl3pPr>
+            <a:lvl4pPr marL="1371600" indent="0" algn="l" defTabSz="914400" rtl="0" eaLnBrk="1" latinLnBrk="0" hangingPunct="1">
+              <a:lnSpc>
+                <a:spcPct val="90000"/>
+              </a:lnSpc>
+              <a:spcBef>
+                <a:spcPts val="500"/>
+              </a:spcBef>
+              <a:buFont typeface="Arial" panose="020B0604020202020204" pitchFamily="34" charset="0"/>
+              <a:buNone/>
+              <a:defRPr sz="1600" kern="1200">
+                <a:solidFill>
+                  <a:schemeClr val="tx1">
+                    <a:tint val="75000"/>
+                  </a:schemeClr>
+                </a:solidFill>
+                <a:latin typeface="+mn-lt"/>
+                <a:ea typeface="+mn-ea"/>
+                <a:cs typeface="+mn-cs"/>
+              </a:defRPr>
+            </a:lvl4pPr>
+            <a:lvl5pPr marL="1828800" indent="0" algn="l" defTabSz="914400" rtl="0" eaLnBrk="1" latinLnBrk="0" hangingPunct="1">
+              <a:lnSpc>
+                <a:spcPct val="90000"/>
+              </a:lnSpc>
+              <a:spcBef>
+                <a:spcPts val="500"/>
+              </a:spcBef>
+              <a:buFont typeface="Arial" panose="020B0604020202020204" pitchFamily="34" charset="0"/>
+              <a:buNone/>
+              <a:defRPr sz="1600" kern="1200">
+                <a:solidFill>
+                  <a:schemeClr val="tx1">
+                    <a:tint val="75000"/>
+                  </a:schemeClr>
+                </a:solidFill>
+                <a:latin typeface="+mn-lt"/>
+                <a:ea typeface="+mn-ea"/>
+                <a:cs typeface="+mn-cs"/>
+              </a:defRPr>
+            </a:lvl5pPr>
+            <a:lvl6pPr marL="2286000" indent="0" algn="l" defTabSz="914400" rtl="0" eaLnBrk="1" latinLnBrk="0" hangingPunct="1">
+              <a:lnSpc>
+                <a:spcPct val="90000"/>
+              </a:lnSpc>
+              <a:spcBef>
+                <a:spcPts val="500"/>
+              </a:spcBef>
+              <a:buFont typeface="Arial" panose="020B0604020202020204" pitchFamily="34" charset="0"/>
+              <a:buNone/>
+              <a:defRPr sz="1600" kern="1200">
+                <a:solidFill>
+                  <a:schemeClr val="tx1">
+                    <a:tint val="75000"/>
+                  </a:schemeClr>
+                </a:solidFill>
+                <a:latin typeface="+mn-lt"/>
+                <a:ea typeface="+mn-ea"/>
+                <a:cs typeface="+mn-cs"/>
+              </a:defRPr>
+            </a:lvl6pPr>
+            <a:lvl7pPr marL="2743200" indent="0" algn="l" defTabSz="914400" rtl="0" eaLnBrk="1" latinLnBrk="0" hangingPunct="1">
+              <a:lnSpc>
+                <a:spcPct val="90000"/>
+              </a:lnSpc>
+              <a:spcBef>
+                <a:spcPts val="500"/>
+              </a:spcBef>
+              <a:buFont typeface="Arial" panose="020B0604020202020204" pitchFamily="34" charset="0"/>
+              <a:buNone/>
+              <a:defRPr sz="1600" kern="1200">
+                <a:solidFill>
+                  <a:schemeClr val="tx1">
+                    <a:tint val="75000"/>
+                  </a:schemeClr>
+                </a:solidFill>
+                <a:latin typeface="+mn-lt"/>
+                <a:ea typeface="+mn-ea"/>
+                <a:cs typeface="+mn-cs"/>
+              </a:defRPr>
+            </a:lvl7pPr>
+            <a:lvl8pPr marL="3200400" indent="0" algn="l" defTabSz="914400" rtl="0" eaLnBrk="1" latinLnBrk="0" hangingPunct="1">
+              <a:lnSpc>
+                <a:spcPct val="90000"/>
+              </a:lnSpc>
+              <a:spcBef>
+                <a:spcPts val="500"/>
+              </a:spcBef>
+              <a:buFont typeface="Arial" panose="020B0604020202020204" pitchFamily="34" charset="0"/>
+              <a:buNone/>
+              <a:defRPr sz="1600" kern="1200">
+                <a:solidFill>
+                  <a:schemeClr val="tx1">
+                    <a:tint val="75000"/>
+                  </a:schemeClr>
+                </a:solidFill>
+                <a:latin typeface="+mn-lt"/>
+                <a:ea typeface="+mn-ea"/>
+                <a:cs typeface="+mn-cs"/>
+              </a:defRPr>
+            </a:lvl8pPr>
+            <a:lvl9pPr marL="3657600" indent="0" algn="l" defTabSz="914400" rtl="0" eaLnBrk="1" latinLnBrk="0" hangingPunct="1">
+              <a:lnSpc>
+                <a:spcPct val="90000"/>
+              </a:lnSpc>
+              <a:spcBef>
+                <a:spcPts val="500"/>
+              </a:spcBef>
+              <a:buFont typeface="Arial" panose="020B0604020202020204" pitchFamily="34" charset="0"/>
+              <a:buNone/>
+              <a:defRPr sz="1600" kern="1200">
+                <a:solidFill>
+                  <a:schemeClr val="tx1">
+                    <a:tint val="75000"/>
+                  </a:schemeClr>
+                </a:solidFill>
+                <a:latin typeface="+mn-lt"/>
+                <a:ea typeface="+mn-ea"/>
+                <a:cs typeface="+mn-cs"/>
+              </a:defRPr>
+            </a:lvl9pPr>
+          </a:lstStyle>
+          <a:p>
+            <a:pPr algn="just"/>
+            <a:r>
+              <a:rPr lang="en-US" sz="1800">
+                <a:latin typeface="Times New Roman" panose="02020603050405020304" pitchFamily="18" charset="0"/>
+                <a:cs typeface="Times New Roman" panose="02020603050405020304" pitchFamily="18" charset="0"/>
+              </a:rPr>
+              <a:t>Nghiệp vụ chức năng được phân ra 2 loại: </a:t>
+            </a:r>
+          </a:p>
+          <a:p>
+            <a:pPr algn="just"/>
+            <a:r>
+              <a:rPr lang="en-US" sz="1800">
+                <a:latin typeface="Times New Roman" panose="02020603050405020304" pitchFamily="18" charset="0"/>
+                <a:cs typeface="Times New Roman" panose="02020603050405020304" pitchFamily="18" charset="0"/>
+              </a:rPr>
+              <a:t>- Nhóm nghiệp vụ của khách hàng: Đặt hàng, Thanh toán, Quản lí giỏ hàng, Xem lịch sử mua hàng, Liên hệ quản trị, ..v..vv</a:t>
+            </a:r>
+          </a:p>
+          <a:p>
+            <a:pPr algn="just"/>
+            <a:r>
+              <a:rPr lang="en-US" sz="1800">
+                <a:latin typeface="Times New Roman" panose="02020603050405020304" pitchFamily="18" charset="0"/>
+                <a:cs typeface="Times New Roman" panose="02020603050405020304" pitchFamily="18" charset="0"/>
+              </a:rPr>
+              <a:t>- Nhóm nghiệp vụ của người quản trị: Quản lí sản phẩm, Quản lí khách hàng, Quản lí đơn hàng, Quản lí hoá đơn, Thống kê mua bán, ..v..vv</a:t>
+            </a:r>
+          </a:p>
+        </p:txBody>
+      </p:sp>
+      <p:sp>
+        <p:nvSpPr>
+          <p:cNvPr id="5" name="Text Placeholder 3">
+            <a:extLst>
+              <a:ext uri="{FF2B5EF4-FFF2-40B4-BE49-F238E27FC236}">
+                <a16:creationId xmlns:a16="http://schemas.microsoft.com/office/drawing/2014/main" id="{BE5E87AB-3D73-705A-227A-0B3F3D5B3869}"/>
+              </a:ext>
+            </a:extLst>
+          </p:cNvPr>
+          <p:cNvSpPr txBox="1">
+            <a:spLocks/>
+          </p:cNvSpPr>
+          <p:nvPr/>
+        </p:nvSpPr>
+        <p:spPr>
+          <a:xfrm>
+            <a:off x="1167492" y="2583397"/>
+            <a:ext cx="9013372" cy="513970"/>
+          </a:xfrm>
+          <a:prstGeom prst="rect">
+            <a:avLst/>
+          </a:prstGeom>
+        </p:spPr>
+        <p:txBody>
+          <a:bodyPr vert="horz" lIns="91440" tIns="45720" rIns="91440" bIns="45720" rtlCol="0" anchor="t">
+            <a:noAutofit/>
+          </a:bodyPr>
+          <a:lstStyle>
+            <a:lvl1pPr marL="0" indent="0" algn="l" defTabSz="914400" rtl="0" eaLnBrk="1" latinLnBrk="0" hangingPunct="1">
+              <a:lnSpc>
+                <a:spcPct val="150000"/>
+              </a:lnSpc>
+              <a:spcBef>
+                <a:spcPts val="1000"/>
+              </a:spcBef>
+              <a:buFont typeface="Arial" panose="020B0604020202020204" pitchFamily="34" charset="0"/>
+              <a:buNone/>
+              <a:defRPr sz="2400" kern="1200">
+                <a:solidFill>
+                  <a:schemeClr val="bg1"/>
+                </a:solidFill>
+                <a:latin typeface="+mn-lt"/>
+                <a:ea typeface="+mn-ea"/>
+                <a:cs typeface="+mn-cs"/>
+              </a:defRPr>
+            </a:lvl1pPr>
+            <a:lvl2pPr marL="457200" indent="0" algn="l" defTabSz="914400" rtl="0" eaLnBrk="1" latinLnBrk="0" hangingPunct="1">
+              <a:lnSpc>
+                <a:spcPct val="90000"/>
+              </a:lnSpc>
+              <a:spcBef>
+                <a:spcPts val="500"/>
+              </a:spcBef>
+              <a:buFont typeface="Arial" panose="020B0604020202020204" pitchFamily="34" charset="0"/>
+              <a:buNone/>
+              <a:defRPr sz="2000" kern="1200">
+                <a:solidFill>
+                  <a:schemeClr val="tx1">
+                    <a:tint val="75000"/>
+                  </a:schemeClr>
+                </a:solidFill>
+                <a:latin typeface="+mn-lt"/>
+                <a:ea typeface="+mn-ea"/>
+                <a:cs typeface="+mn-cs"/>
+              </a:defRPr>
+            </a:lvl2pPr>
+            <a:lvl3pPr marL="914400" indent="0" algn="l" defTabSz="914400" rtl="0" eaLnBrk="1" latinLnBrk="0" hangingPunct="1">
+              <a:lnSpc>
+                <a:spcPct val="90000"/>
+              </a:lnSpc>
+              <a:spcBef>
+                <a:spcPts val="500"/>
+              </a:spcBef>
+              <a:buFont typeface="Arial" panose="020B0604020202020204" pitchFamily="34" charset="0"/>
+              <a:buNone/>
+              <a:defRPr sz="1800" kern="1200">
+                <a:solidFill>
+                  <a:schemeClr val="tx1">
+                    <a:tint val="75000"/>
+                  </a:schemeClr>
+                </a:solidFill>
+                <a:latin typeface="+mn-lt"/>
+                <a:ea typeface="+mn-ea"/>
+                <a:cs typeface="+mn-cs"/>
+              </a:defRPr>
+            </a:lvl3pPr>
+            <a:lvl4pPr marL="1371600" indent="0" algn="l" defTabSz="914400" rtl="0" eaLnBrk="1" latinLnBrk="0" hangingPunct="1">
+              <a:lnSpc>
+                <a:spcPct val="90000"/>
+              </a:lnSpc>
+              <a:spcBef>
+                <a:spcPts val="500"/>
+              </a:spcBef>
+              <a:buFont typeface="Arial" panose="020B0604020202020204" pitchFamily="34" charset="0"/>
+              <a:buNone/>
+              <a:defRPr sz="1600" kern="1200">
+                <a:solidFill>
+                  <a:schemeClr val="tx1">
+                    <a:tint val="75000"/>
+                  </a:schemeClr>
+                </a:solidFill>
+                <a:latin typeface="+mn-lt"/>
+                <a:ea typeface="+mn-ea"/>
+                <a:cs typeface="+mn-cs"/>
+              </a:defRPr>
+            </a:lvl4pPr>
+            <a:lvl5pPr marL="1828800" indent="0" algn="l" defTabSz="914400" rtl="0" eaLnBrk="1" latinLnBrk="0" hangingPunct="1">
+              <a:lnSpc>
+                <a:spcPct val="90000"/>
+              </a:lnSpc>
+              <a:spcBef>
+                <a:spcPts val="500"/>
+              </a:spcBef>
+              <a:buFont typeface="Arial" panose="020B0604020202020204" pitchFamily="34" charset="0"/>
+              <a:buNone/>
+              <a:defRPr sz="1600" kern="1200">
+                <a:solidFill>
+                  <a:schemeClr val="tx1">
+                    <a:tint val="75000"/>
+                  </a:schemeClr>
+                </a:solidFill>
+                <a:latin typeface="+mn-lt"/>
+                <a:ea typeface="+mn-ea"/>
+                <a:cs typeface="+mn-cs"/>
+              </a:defRPr>
+            </a:lvl5pPr>
+            <a:lvl6pPr marL="2286000" indent="0" algn="l" defTabSz="914400" rtl="0" eaLnBrk="1" latinLnBrk="0" hangingPunct="1">
+              <a:lnSpc>
+                <a:spcPct val="90000"/>
+              </a:lnSpc>
+              <a:spcBef>
+                <a:spcPts val="500"/>
+              </a:spcBef>
+              <a:buFont typeface="Arial" panose="020B0604020202020204" pitchFamily="34" charset="0"/>
+              <a:buNone/>
+              <a:defRPr sz="1600" kern="1200">
+                <a:solidFill>
+                  <a:schemeClr val="tx1">
+                    <a:tint val="75000"/>
+                  </a:schemeClr>
+                </a:solidFill>
+                <a:latin typeface="+mn-lt"/>
+                <a:ea typeface="+mn-ea"/>
+                <a:cs typeface="+mn-cs"/>
+              </a:defRPr>
+            </a:lvl6pPr>
+            <a:lvl7pPr marL="2743200" indent="0" algn="l" defTabSz="914400" rtl="0" eaLnBrk="1" latinLnBrk="0" hangingPunct="1">
+              <a:lnSpc>
+                <a:spcPct val="90000"/>
+              </a:lnSpc>
+              <a:spcBef>
+                <a:spcPts val="500"/>
+              </a:spcBef>
+              <a:buFont typeface="Arial" panose="020B0604020202020204" pitchFamily="34" charset="0"/>
+              <a:buNone/>
+              <a:defRPr sz="1600" kern="1200">
+                <a:solidFill>
+                  <a:schemeClr val="tx1">
+                    <a:tint val="75000"/>
+                  </a:schemeClr>
+                </a:solidFill>
+                <a:latin typeface="+mn-lt"/>
+                <a:ea typeface="+mn-ea"/>
+                <a:cs typeface="+mn-cs"/>
+              </a:defRPr>
+            </a:lvl7pPr>
+            <a:lvl8pPr marL="3200400" indent="0" algn="l" defTabSz="914400" rtl="0" eaLnBrk="1" latinLnBrk="0" hangingPunct="1">
+              <a:lnSpc>
+                <a:spcPct val="90000"/>
+              </a:lnSpc>
+              <a:spcBef>
+                <a:spcPts val="500"/>
+              </a:spcBef>
+              <a:buFont typeface="Arial" panose="020B0604020202020204" pitchFamily="34" charset="0"/>
+              <a:buNone/>
+              <a:defRPr sz="1600" kern="1200">
+                <a:solidFill>
+                  <a:schemeClr val="tx1">
+                    <a:tint val="75000"/>
+                  </a:schemeClr>
+                </a:solidFill>
+                <a:latin typeface="+mn-lt"/>
+                <a:ea typeface="+mn-ea"/>
+                <a:cs typeface="+mn-cs"/>
+              </a:defRPr>
+            </a:lvl8pPr>
+            <a:lvl9pPr marL="3657600" indent="0" algn="l" defTabSz="914400" rtl="0" eaLnBrk="1" latinLnBrk="0" hangingPunct="1">
+              <a:lnSpc>
+                <a:spcPct val="90000"/>
+              </a:lnSpc>
+              <a:spcBef>
+                <a:spcPts val="500"/>
+              </a:spcBef>
+              <a:buFont typeface="Arial" panose="020B0604020202020204" pitchFamily="34" charset="0"/>
+              <a:buNone/>
+              <a:defRPr sz="1600" kern="1200">
+                <a:solidFill>
+                  <a:schemeClr val="tx1">
+                    <a:tint val="75000"/>
+                  </a:schemeClr>
+                </a:solidFill>
+                <a:latin typeface="+mn-lt"/>
+                <a:ea typeface="+mn-ea"/>
+                <a:cs typeface="+mn-cs"/>
+              </a:defRPr>
+            </a:lvl9pPr>
+          </a:lstStyle>
+          <a:p>
+            <a:pPr algn="just"/>
+            <a:r>
+              <a:rPr lang="en-US" sz="2200" b="1">
+                <a:latin typeface="Times New Roman" panose="02020603050405020304" pitchFamily="18" charset="0"/>
+                <a:cs typeface="Times New Roman" panose="02020603050405020304" pitchFamily="18" charset="0"/>
+              </a:rPr>
+              <a:t>2.2 Nghiệp vụ chức năng</a:t>
+            </a:r>
+          </a:p>
+        </p:txBody>
+      </p:sp>
+    </p:spTree>
+    <p:extLst>
+      <p:ext uri="{BB962C8B-B14F-4D97-AF65-F5344CB8AC3E}">
+        <p14:creationId xmlns:p14="http://schemas.microsoft.com/office/powerpoint/2010/main" val="692385249"/>
+      </p:ext>
+    </p:extLst>
+  </p:cSld>
+  <p:clrMapOvr>
+    <a:masterClrMapping/>
+  </p:clrMapOvr>
+</p:sld>
+</file>
+
+<file path=ppt/slides/slide6.xml><?xml version="1.0" encoding="utf-8"?>
 <p:sld xmlns:a="http://schemas.openxmlformats.org/drawingml/2006/main" xmlns:r="http://schemas.openxmlformats.org/officeDocument/2006/relationships" xmlns:p="http://schemas.openxmlformats.org/presentationml/2006/main">
   <p:cSld>
     <p:spTree>
@@ -27217,7 +29687,7 @@
 </p:sld>
 </file>
 
-<file path=ppt/slides/slide5.xml><?xml version="1.0" encoding="utf-8"?>
+<file path=ppt/slides/slide7.xml><?xml version="1.0" encoding="utf-8"?>
 <p:sld xmlns:a="http://schemas.openxmlformats.org/drawingml/2006/main" xmlns:r="http://schemas.openxmlformats.org/officeDocument/2006/relationships" xmlns:p="http://schemas.openxmlformats.org/presentationml/2006/main">
   <p:cSld>
     <p:spTree>
@@ -27346,7 +29816,7 @@
           <a:p>
             <a:fld id="{C098A06B-52D8-C143-AE54-C8C950480C5A}" type="datetime1">
               <a:rPr lang="en-US" smtClean="0"/>
-              <a:t>11/20/2022</a:t>
+              <a:t>11/21/2022</a:t>
             </a:fld>
             <a:endParaRPr lang="en-US"/>
           </a:p>
@@ -27404,7 +29874,7 @@
             <a:fld id="{294A09A9-5501-47C1-A89A-A340965A2BE2}" type="slidenum">
               <a:rPr lang="en-US" smtClean="0"/>
               <a:pPr/>
-              <a:t>5</a:t>
+              <a:t>7</a:t>
             </a:fld>
             <a:endParaRPr lang="en-US"/>
           </a:p>
@@ -27423,7 +29893,7 @@
 </p:sld>
 </file>
 
-<file path=ppt/slides/slide6.xml><?xml version="1.0" encoding="utf-8"?>
+<file path=ppt/slides/slide8.xml><?xml version="1.0" encoding="utf-8"?>
 <p:sld xmlns:a="http://schemas.openxmlformats.org/drawingml/2006/main" xmlns:r="http://schemas.openxmlformats.org/officeDocument/2006/relationships" xmlns:p="http://schemas.openxmlformats.org/presentationml/2006/main">
   <p:cSld>
     <p:spTree>
@@ -29190,7 +31660,7 @@
           <a:p>
             <a:fld id="{7699C8CE-7534-A244-ABE9-5BED2DFEFBDF}" type="datetime1">
               <a:rPr lang="en-US" smtClean="0"/>
-              <a:t>11/20/2022</a:t>
+              <a:t>11/21/2022</a:t>
             </a:fld>
             <a:endParaRPr lang="en-US"/>
           </a:p>
@@ -29248,7 +31718,7 @@
             <a:fld id="{294A09A9-5501-47C1-A89A-A340965A2BE2}" type="slidenum">
               <a:rPr lang="en-US" smtClean="0"/>
               <a:pPr/>
-              <a:t>6</a:t>
+              <a:t>8</a:t>
             </a:fld>
             <a:endParaRPr lang="en-US"/>
           </a:p>
@@ -29267,7 +31737,7 @@
 </p:sld>
 </file>
 
-<file path=ppt/slides/slide7.xml><?xml version="1.0" encoding="utf-8"?>
+<file path=ppt/slides/slide9.xml><?xml version="1.0" encoding="utf-8"?>
 <p:sld xmlns:a="http://schemas.openxmlformats.org/drawingml/2006/main" xmlns:r="http://schemas.openxmlformats.org/officeDocument/2006/relationships" xmlns:p="http://schemas.openxmlformats.org/presentationml/2006/main">
   <p:cSld>
     <p:spTree>
@@ -29444,7 +31914,7 @@
           <a:p>
             <a:fld id="{4CF75428-5BE0-934D-BB71-675F8E23A386}" type="datetime1">
               <a:rPr lang="en-US" smtClean="0"/>
-              <a:t>11/20/2022</a:t>
+              <a:t>11/21/2022</a:t>
             </a:fld>
             <a:endParaRPr lang="en-US"/>
           </a:p>
@@ -29502,7 +31972,7 @@
             <a:fld id="{294A09A9-5501-47C1-A89A-A340965A2BE2}" type="slidenum">
               <a:rPr lang="en-US" smtClean="0"/>
               <a:pPr/>
-              <a:t>7</a:t>
+              <a:t>9</a:t>
             </a:fld>
             <a:endParaRPr lang="en-US"/>
           </a:p>
@@ -29512,1538 +31982,6 @@
     <p:extLst>
       <p:ext uri="{BB962C8B-B14F-4D97-AF65-F5344CB8AC3E}">
         <p14:creationId xmlns:p14="http://schemas.microsoft.com/office/powerpoint/2010/main" val="2639983765"/>
-      </p:ext>
-    </p:extLst>
-  </p:cSld>
-  <p:clrMapOvr>
-    <a:masterClrMapping/>
-  </p:clrMapOvr>
-</p:sld>
-</file>
-
-<file path=ppt/slides/slide8.xml><?xml version="1.0" encoding="utf-8"?>
-<p:sld xmlns:a="http://schemas.openxmlformats.org/drawingml/2006/main" xmlns:r="http://schemas.openxmlformats.org/officeDocument/2006/relationships" xmlns:p="http://schemas.openxmlformats.org/presentationml/2006/main">
-  <p:cSld>
-    <p:spTree>
-      <p:nvGrpSpPr>
-        <p:cNvPr id="1" name=""/>
-        <p:cNvGrpSpPr/>
-        <p:nvPr/>
-      </p:nvGrpSpPr>
-      <p:grpSpPr>
-        <a:xfrm>
-          <a:off x="0" y="0"/>
-          <a:ext cx="0" cy="0"/>
-          <a:chOff x="0" y="0"/>
-          <a:chExt cx="0" cy="0"/>
-        </a:xfrm>
-      </p:grpSpPr>
-      <p:sp>
-        <p:nvSpPr>
-          <p:cNvPr id="2" name="Title 1">
-            <a:extLst>
-              <a:ext uri="{FF2B5EF4-FFF2-40B4-BE49-F238E27FC236}">
-                <a16:creationId xmlns:a16="http://schemas.microsoft.com/office/drawing/2014/main" id="{27A6F7BB-30A8-4980-AD4A-2FB0B53FA6C9}"/>
-              </a:ext>
-            </a:extLst>
-          </p:cNvPr>
-          <p:cNvSpPr>
-            <a:spLocks noGrp="1"/>
-          </p:cNvSpPr>
-          <p:nvPr>
-            <p:ph type="title"/>
-          </p:nvPr>
-        </p:nvSpPr>
-        <p:spPr>
-          <a:xfrm>
-            <a:off x="750430" y="381000"/>
-            <a:ext cx="8401624" cy="1325563"/>
-          </a:xfrm>
-        </p:spPr>
-        <p:txBody>
-          <a:bodyPr/>
-          <a:lstStyle/>
-          <a:p>
-            <a:r>
-              <a:rPr lang="en-US"/>
-              <a:t>Meet our team</a:t>
-            </a:r>
-          </a:p>
-        </p:txBody>
-      </p:sp>
-      <p:pic>
-        <p:nvPicPr>
-          <p:cNvPr id="42" name="Picture Placeholder 15" descr="Team member headshot">
-            <a:extLst>
-              <a:ext uri="{FF2B5EF4-FFF2-40B4-BE49-F238E27FC236}">
-                <a16:creationId xmlns:a16="http://schemas.microsoft.com/office/drawing/2014/main" id="{8BDB1906-FF07-4447-9C68-585F54C5EED2}"/>
-              </a:ext>
-            </a:extLst>
-          </p:cNvPr>
-          <p:cNvPicPr>
-            <a:picLocks noGrp="1" noChangeAspect="1"/>
-          </p:cNvPicPr>
-          <p:nvPr>
-            <p:ph type="pic" sz="quarter" idx="13"/>
-          </p:nvPr>
-        </p:nvPicPr>
-        <p:blipFill rotWithShape="1">
-          <a:blip r:embed="rId2">
-            <a:extLst>
-              <a:ext uri="{28A0092B-C50C-407E-A947-70E740481C1C}">
-                <a14:useLocalDpi xmlns:a14="http://schemas.microsoft.com/office/drawing/2010/main" val="0"/>
-              </a:ext>
-            </a:extLst>
-          </a:blip>
-          <a:srcRect/>
-          <a:stretch/>
-        </p:blipFill>
-        <p:spPr>
-          <a:xfrm>
-            <a:off x="750429" y="2227758"/>
-            <a:ext cx="1200374" cy="1201242"/>
-          </a:xfrm>
-        </p:spPr>
-      </p:pic>
-      <p:sp>
-        <p:nvSpPr>
-          <p:cNvPr id="34" name="Text Placeholder 33">
-            <a:extLst>
-              <a:ext uri="{FF2B5EF4-FFF2-40B4-BE49-F238E27FC236}">
-                <a16:creationId xmlns:a16="http://schemas.microsoft.com/office/drawing/2014/main" id="{C1C92E27-D550-F44E-8491-927F819E72B8}"/>
-              </a:ext>
-            </a:extLst>
-          </p:cNvPr>
-          <p:cNvSpPr>
-            <a:spLocks noGrp="1"/>
-          </p:cNvSpPr>
-          <p:nvPr>
-            <p:ph type="body" sz="quarter" idx="17"/>
-          </p:nvPr>
-        </p:nvSpPr>
-        <p:spPr>
-          <a:xfrm>
-            <a:off x="2123351" y="2426400"/>
-            <a:ext cx="2281237" cy="347662"/>
-          </a:xfrm>
-        </p:spPr>
-        <p:txBody>
-          <a:bodyPr/>
-          <a:lstStyle/>
-          <a:p>
-            <a:r>
-              <a:rPr lang="en-US"/>
-              <a:t>Takuma Hayashi</a:t>
-            </a:r>
-          </a:p>
-        </p:txBody>
-      </p:sp>
-      <p:sp>
-        <p:nvSpPr>
-          <p:cNvPr id="35" name="Text Placeholder 34">
-            <a:extLst>
-              <a:ext uri="{FF2B5EF4-FFF2-40B4-BE49-F238E27FC236}">
-                <a16:creationId xmlns:a16="http://schemas.microsoft.com/office/drawing/2014/main" id="{7D722C50-45F7-D84B-B216-568F72D66349}"/>
-              </a:ext>
-            </a:extLst>
-          </p:cNvPr>
-          <p:cNvSpPr>
-            <a:spLocks noGrp="1"/>
-          </p:cNvSpPr>
-          <p:nvPr>
-            <p:ph type="body" sz="quarter" idx="18"/>
-          </p:nvPr>
-        </p:nvSpPr>
-        <p:spPr>
-          <a:xfrm>
-            <a:off x="2123350" y="2811646"/>
-            <a:ext cx="2281237" cy="347662"/>
-          </a:xfrm>
-        </p:spPr>
-        <p:txBody>
-          <a:bodyPr/>
-          <a:lstStyle/>
-          <a:p>
-            <a:r>
-              <a:rPr lang="en-US"/>
-              <a:t>President</a:t>
-            </a:r>
-          </a:p>
-        </p:txBody>
-      </p:sp>
-      <p:pic>
-        <p:nvPicPr>
-          <p:cNvPr id="43" name="Picture Placeholder 17" descr="Team member headshot">
-            <a:extLst>
-              <a:ext uri="{FF2B5EF4-FFF2-40B4-BE49-F238E27FC236}">
-                <a16:creationId xmlns:a16="http://schemas.microsoft.com/office/drawing/2014/main" id="{A82F6AEE-FCBF-0245-BB71-E76973B3A97D}"/>
-              </a:ext>
-            </a:extLst>
-          </p:cNvPr>
-          <p:cNvPicPr>
-            <a:picLocks noGrp="1" noChangeAspect="1"/>
-          </p:cNvPicPr>
-          <p:nvPr>
-            <p:ph type="pic" sz="quarter" idx="14"/>
-          </p:nvPr>
-        </p:nvPicPr>
-        <p:blipFill rotWithShape="1">
-          <a:blip r:embed="rId3">
-            <a:extLst>
-              <a:ext uri="{28A0092B-C50C-407E-A947-70E740481C1C}">
-                <a14:useLocalDpi xmlns:a14="http://schemas.microsoft.com/office/drawing/2010/main" val="0"/>
-              </a:ext>
-            </a:extLst>
-          </a:blip>
-          <a:srcRect/>
-          <a:stretch/>
-        </p:blipFill>
-        <p:spPr>
-          <a:xfrm>
-            <a:off x="5495813" y="2227758"/>
-            <a:ext cx="1200374" cy="1201242"/>
-          </a:xfrm>
-        </p:spPr>
-      </p:pic>
-      <p:sp>
-        <p:nvSpPr>
-          <p:cNvPr id="36" name="Text Placeholder 35">
-            <a:extLst>
-              <a:ext uri="{FF2B5EF4-FFF2-40B4-BE49-F238E27FC236}">
-                <a16:creationId xmlns:a16="http://schemas.microsoft.com/office/drawing/2014/main" id="{176187A9-3EBE-F64D-AE99-021BB3767F90}"/>
-              </a:ext>
-            </a:extLst>
-          </p:cNvPr>
-          <p:cNvSpPr>
-            <a:spLocks noGrp="1"/>
-          </p:cNvSpPr>
-          <p:nvPr>
-            <p:ph type="body" sz="quarter" idx="19"/>
-          </p:nvPr>
-        </p:nvSpPr>
-        <p:spPr>
-          <a:xfrm>
-            <a:off x="6870817" y="2422565"/>
-            <a:ext cx="2281237" cy="347662"/>
-          </a:xfrm>
-        </p:spPr>
-        <p:txBody>
-          <a:bodyPr/>
-          <a:lstStyle/>
-          <a:p>
-            <a:r>
-              <a:rPr lang="en-US"/>
-              <a:t>Mirjam Nilsson</a:t>
-            </a:r>
-          </a:p>
-        </p:txBody>
-      </p:sp>
-      <p:sp>
-        <p:nvSpPr>
-          <p:cNvPr id="37" name="Text Placeholder 36">
-            <a:extLst>
-              <a:ext uri="{FF2B5EF4-FFF2-40B4-BE49-F238E27FC236}">
-                <a16:creationId xmlns:a16="http://schemas.microsoft.com/office/drawing/2014/main" id="{7990731F-95DE-4F44-8EA0-E275CEAFD8A2}"/>
-              </a:ext>
-            </a:extLst>
-          </p:cNvPr>
-          <p:cNvSpPr>
-            <a:spLocks noGrp="1"/>
-          </p:cNvSpPr>
-          <p:nvPr>
-            <p:ph type="body" sz="quarter" idx="20"/>
-          </p:nvPr>
-        </p:nvSpPr>
-        <p:spPr>
-          <a:xfrm>
-            <a:off x="6870816" y="2807811"/>
-            <a:ext cx="2281237" cy="347662"/>
-          </a:xfrm>
-        </p:spPr>
-        <p:txBody>
-          <a:bodyPr/>
-          <a:lstStyle/>
-          <a:p>
-            <a:r>
-              <a:rPr lang="en-US"/>
-              <a:t>Chief Executive Officer</a:t>
-            </a:r>
-          </a:p>
-        </p:txBody>
-      </p:sp>
-      <p:pic>
-        <p:nvPicPr>
-          <p:cNvPr id="44" name="Picture Placeholder 19" descr="Team member headshot">
-            <a:extLst>
-              <a:ext uri="{FF2B5EF4-FFF2-40B4-BE49-F238E27FC236}">
-                <a16:creationId xmlns:a16="http://schemas.microsoft.com/office/drawing/2014/main" id="{C99B7845-619A-9F40-A5C3-4C122626044D}"/>
-              </a:ext>
-            </a:extLst>
-          </p:cNvPr>
-          <p:cNvPicPr>
-            <a:picLocks noGrp="1" noChangeAspect="1"/>
-          </p:cNvPicPr>
-          <p:nvPr>
-            <p:ph type="pic" sz="quarter" idx="15"/>
-          </p:nvPr>
-        </p:nvPicPr>
-        <p:blipFill rotWithShape="1">
-          <a:blip r:embed="rId4">
-            <a:extLst>
-              <a:ext uri="{28A0092B-C50C-407E-A947-70E740481C1C}">
-                <a14:useLocalDpi xmlns:a14="http://schemas.microsoft.com/office/drawing/2010/main" val="0"/>
-              </a:ext>
-            </a:extLst>
-          </a:blip>
-          <a:srcRect/>
-          <a:stretch/>
-        </p:blipFill>
-        <p:spPr>
-          <a:xfrm>
-            <a:off x="750429" y="4254273"/>
-            <a:ext cx="1200374" cy="1201242"/>
-          </a:xfrm>
-        </p:spPr>
-      </p:pic>
-      <p:sp>
-        <p:nvSpPr>
-          <p:cNvPr id="38" name="Text Placeholder 37">
-            <a:extLst>
-              <a:ext uri="{FF2B5EF4-FFF2-40B4-BE49-F238E27FC236}">
-                <a16:creationId xmlns:a16="http://schemas.microsoft.com/office/drawing/2014/main" id="{5B19EE51-628F-CA4E-94B0-57E9ACA1446A}"/>
-              </a:ext>
-            </a:extLst>
-          </p:cNvPr>
-          <p:cNvSpPr>
-            <a:spLocks noGrp="1"/>
-          </p:cNvSpPr>
-          <p:nvPr>
-            <p:ph type="body" sz="quarter" idx="21"/>
-          </p:nvPr>
-        </p:nvSpPr>
-        <p:spPr>
-          <a:xfrm>
-            <a:off x="2123351" y="4498793"/>
-            <a:ext cx="2281237" cy="347662"/>
-          </a:xfrm>
-        </p:spPr>
-        <p:txBody>
-          <a:bodyPr/>
-          <a:lstStyle/>
-          <a:p>
-            <a:r>
-              <a:rPr lang="en-US"/>
-              <a:t>Flora Berggren</a:t>
-            </a:r>
-          </a:p>
-        </p:txBody>
-      </p:sp>
-      <p:sp>
-        <p:nvSpPr>
-          <p:cNvPr id="39" name="Text Placeholder 38">
-            <a:extLst>
-              <a:ext uri="{FF2B5EF4-FFF2-40B4-BE49-F238E27FC236}">
-                <a16:creationId xmlns:a16="http://schemas.microsoft.com/office/drawing/2014/main" id="{2A6ACC78-74DF-604E-BD14-4BBE7B4EEF5B}"/>
-              </a:ext>
-            </a:extLst>
-          </p:cNvPr>
-          <p:cNvSpPr>
-            <a:spLocks noGrp="1"/>
-          </p:cNvSpPr>
-          <p:nvPr>
-            <p:ph type="body" sz="quarter" idx="22"/>
-          </p:nvPr>
-        </p:nvSpPr>
-        <p:spPr>
-          <a:xfrm>
-            <a:off x="2123350" y="4884039"/>
-            <a:ext cx="2281237" cy="347662"/>
-          </a:xfrm>
-        </p:spPr>
-        <p:txBody>
-          <a:bodyPr/>
-          <a:lstStyle/>
-          <a:p>
-            <a:r>
-              <a:rPr lang="en-US"/>
-              <a:t>Chief Operation Officer</a:t>
-            </a:r>
-          </a:p>
-        </p:txBody>
-      </p:sp>
-      <p:pic>
-        <p:nvPicPr>
-          <p:cNvPr id="45" name="Picture Placeholder 21" descr="Team member headshot">
-            <a:extLst>
-              <a:ext uri="{FF2B5EF4-FFF2-40B4-BE49-F238E27FC236}">
-                <a16:creationId xmlns:a16="http://schemas.microsoft.com/office/drawing/2014/main" id="{647F7FB2-8714-6449-A700-2E1B81F9DFB7}"/>
-              </a:ext>
-            </a:extLst>
-          </p:cNvPr>
-          <p:cNvPicPr>
-            <a:picLocks noGrp="1" noChangeAspect="1"/>
-          </p:cNvPicPr>
-          <p:nvPr>
-            <p:ph type="pic" sz="quarter" idx="16"/>
-          </p:nvPr>
-        </p:nvPicPr>
-        <p:blipFill rotWithShape="1">
-          <a:blip r:embed="rId5">
-            <a:extLst>
-              <a:ext uri="{28A0092B-C50C-407E-A947-70E740481C1C}">
-                <a14:useLocalDpi xmlns:a14="http://schemas.microsoft.com/office/drawing/2010/main" val="0"/>
-              </a:ext>
-            </a:extLst>
-          </a:blip>
-          <a:srcRect/>
-          <a:stretch/>
-        </p:blipFill>
-        <p:spPr>
-          <a:xfrm>
-            <a:off x="5495813" y="4254273"/>
-            <a:ext cx="1200374" cy="1201242"/>
-          </a:xfrm>
-        </p:spPr>
-      </p:pic>
-      <p:sp>
-        <p:nvSpPr>
-          <p:cNvPr id="40" name="Text Placeholder 39">
-            <a:extLst>
-              <a:ext uri="{FF2B5EF4-FFF2-40B4-BE49-F238E27FC236}">
-                <a16:creationId xmlns:a16="http://schemas.microsoft.com/office/drawing/2014/main" id="{9DC429C0-1DEB-1F4F-AE66-C503B31B7B48}"/>
-              </a:ext>
-            </a:extLst>
-          </p:cNvPr>
-          <p:cNvSpPr>
-            <a:spLocks noGrp="1"/>
-          </p:cNvSpPr>
-          <p:nvPr>
-            <p:ph type="body" sz="quarter" idx="23"/>
-          </p:nvPr>
-        </p:nvSpPr>
-        <p:spPr>
-          <a:xfrm>
-            <a:off x="6870817" y="4498793"/>
-            <a:ext cx="2281237" cy="347662"/>
-          </a:xfrm>
-        </p:spPr>
-        <p:txBody>
-          <a:bodyPr/>
-          <a:lstStyle/>
-          <a:p>
-            <a:r>
-              <a:rPr lang="en-US"/>
-              <a:t>Rajesh Santoshi</a:t>
-            </a:r>
-          </a:p>
-        </p:txBody>
-      </p:sp>
-      <p:sp>
-        <p:nvSpPr>
-          <p:cNvPr id="41" name="Text Placeholder 40">
-            <a:extLst>
-              <a:ext uri="{FF2B5EF4-FFF2-40B4-BE49-F238E27FC236}">
-                <a16:creationId xmlns:a16="http://schemas.microsoft.com/office/drawing/2014/main" id="{31C0CCD4-2502-A14F-B520-7B57524EDF8E}"/>
-              </a:ext>
-            </a:extLst>
-          </p:cNvPr>
-          <p:cNvSpPr>
-            <a:spLocks noGrp="1"/>
-          </p:cNvSpPr>
-          <p:nvPr>
-            <p:ph type="body" sz="quarter" idx="24"/>
-          </p:nvPr>
-        </p:nvSpPr>
-        <p:spPr>
-          <a:xfrm>
-            <a:off x="6870816" y="4884039"/>
-            <a:ext cx="2281237" cy="347662"/>
-          </a:xfrm>
-        </p:spPr>
-        <p:txBody>
-          <a:bodyPr/>
-          <a:lstStyle/>
-          <a:p>
-            <a:r>
-              <a:rPr lang="en-US"/>
-              <a:t>VP Marketing</a:t>
-            </a:r>
-          </a:p>
-        </p:txBody>
-      </p:sp>
-      <p:sp>
-        <p:nvSpPr>
-          <p:cNvPr id="3" name="Date Placeholder 2">
-            <a:extLst>
-              <a:ext uri="{FF2B5EF4-FFF2-40B4-BE49-F238E27FC236}">
-                <a16:creationId xmlns:a16="http://schemas.microsoft.com/office/drawing/2014/main" id="{7517F12A-7304-B447-BEB8-A99EA8009F15}"/>
-              </a:ext>
-            </a:extLst>
-          </p:cNvPr>
-          <p:cNvSpPr>
-            <a:spLocks noGrp="1"/>
-          </p:cNvSpPr>
-          <p:nvPr>
-            <p:ph type="dt" sz="half" idx="10"/>
-          </p:nvPr>
-        </p:nvSpPr>
-        <p:spPr>
-          <a:xfrm>
-            <a:off x="381000" y="6356350"/>
-            <a:ext cx="1569803" cy="365125"/>
-          </a:xfrm>
-        </p:spPr>
-        <p:txBody>
-          <a:bodyPr/>
-          <a:lstStyle/>
-          <a:p>
-            <a:fld id="{F742F39E-1B75-804F-BDAE-BCC03958AB94}" type="datetime1">
-              <a:rPr lang="en-US" smtClean="0"/>
-              <a:pPr/>
-              <a:t>11/20/2022</a:t>
-            </a:fld>
-            <a:endParaRPr lang="en-US"/>
-          </a:p>
-        </p:txBody>
-      </p:sp>
-      <p:sp>
-        <p:nvSpPr>
-          <p:cNvPr id="4" name="Footer Placeholder 3">
-            <a:extLst>
-              <a:ext uri="{FF2B5EF4-FFF2-40B4-BE49-F238E27FC236}">
-                <a16:creationId xmlns:a16="http://schemas.microsoft.com/office/drawing/2014/main" id="{BCF90246-DFB2-A340-AADC-E85D28C31B3E}"/>
-              </a:ext>
-            </a:extLst>
-          </p:cNvPr>
-          <p:cNvSpPr>
-            <a:spLocks noGrp="1"/>
-          </p:cNvSpPr>
-          <p:nvPr>
-            <p:ph type="ftr" sz="quarter" idx="11"/>
-          </p:nvPr>
-        </p:nvSpPr>
-        <p:spPr>
-          <a:xfrm>
-            <a:off x="2871106" y="6356350"/>
-            <a:ext cx="4114800" cy="365125"/>
-          </a:xfrm>
-        </p:spPr>
-        <p:txBody>
-          <a:bodyPr/>
-          <a:lstStyle/>
-          <a:p>
-            <a:r>
-              <a:rPr lang="en-US"/>
-              <a:t>PRESENTATION TITLE</a:t>
-            </a:r>
-          </a:p>
-        </p:txBody>
-      </p:sp>
-      <p:sp>
-        <p:nvSpPr>
-          <p:cNvPr id="5" name="Slide Number Placeholder 4">
-            <a:extLst>
-              <a:ext uri="{FF2B5EF4-FFF2-40B4-BE49-F238E27FC236}">
-                <a16:creationId xmlns:a16="http://schemas.microsoft.com/office/drawing/2014/main" id="{987CCF58-9B83-4A4F-8CA9-3D9C9BB7A287}"/>
-              </a:ext>
-            </a:extLst>
-          </p:cNvPr>
-          <p:cNvSpPr>
-            <a:spLocks noGrp="1"/>
-          </p:cNvSpPr>
-          <p:nvPr>
-            <p:ph type="sldNum" sz="quarter" idx="12"/>
-          </p:nvPr>
-        </p:nvSpPr>
-        <p:spPr>
-          <a:xfrm>
-            <a:off x="8332334" y="6356350"/>
-            <a:ext cx="1167495" cy="365125"/>
-          </a:xfrm>
-        </p:spPr>
-        <p:txBody>
-          <a:bodyPr/>
-          <a:lstStyle/>
-          <a:p>
-            <a:fld id="{294A09A9-5501-47C1-A89A-A340965A2BE2}" type="slidenum">
-              <a:rPr lang="en-US" smtClean="0"/>
-              <a:pPr/>
-              <a:t>8</a:t>
-            </a:fld>
-            <a:endParaRPr lang="en-US"/>
-          </a:p>
-        </p:txBody>
-      </p:sp>
-    </p:spTree>
-    <p:extLst>
-      <p:ext uri="{BB962C8B-B14F-4D97-AF65-F5344CB8AC3E}">
-        <p14:creationId xmlns:p14="http://schemas.microsoft.com/office/powerpoint/2010/main" val="3335690284"/>
-      </p:ext>
-    </p:extLst>
-  </p:cSld>
-  <p:clrMapOvr>
-    <a:masterClrMapping/>
-  </p:clrMapOvr>
-</p:sld>
-</file>
-
-<file path=ppt/slides/slide9.xml><?xml version="1.0" encoding="utf-8"?>
-<p:sld xmlns:a="http://schemas.openxmlformats.org/drawingml/2006/main" xmlns:r="http://schemas.openxmlformats.org/officeDocument/2006/relationships" xmlns:p="http://schemas.openxmlformats.org/presentationml/2006/main">
-  <p:cSld>
-    <p:spTree>
-      <p:nvGrpSpPr>
-        <p:cNvPr id="1" name=""/>
-        <p:cNvGrpSpPr/>
-        <p:nvPr/>
-      </p:nvGrpSpPr>
-      <p:grpSpPr>
-        <a:xfrm>
-          <a:off x="0" y="0"/>
-          <a:ext cx="0" cy="0"/>
-          <a:chOff x="0" y="0"/>
-          <a:chExt cx="0" cy="0"/>
-        </a:xfrm>
-      </p:grpSpPr>
-      <p:sp>
-        <p:nvSpPr>
-          <p:cNvPr id="2" name="Title 1">
-            <a:extLst>
-              <a:ext uri="{FF2B5EF4-FFF2-40B4-BE49-F238E27FC236}">
-                <a16:creationId xmlns:a16="http://schemas.microsoft.com/office/drawing/2014/main" id="{27A6F7BB-30A8-4980-AD4A-2FB0B53FA6C9}"/>
-              </a:ext>
-            </a:extLst>
-          </p:cNvPr>
-          <p:cNvSpPr>
-            <a:spLocks noGrp="1"/>
-          </p:cNvSpPr>
-          <p:nvPr>
-            <p:ph type="title"/>
-          </p:nvPr>
-        </p:nvSpPr>
-        <p:spPr>
-          <a:xfrm>
-            <a:off x="750430" y="381000"/>
-            <a:ext cx="10678142" cy="1325563"/>
-          </a:xfrm>
-        </p:spPr>
-        <p:txBody>
-          <a:bodyPr/>
-          <a:lstStyle/>
-          <a:p>
-            <a:r>
-              <a:rPr lang="en-US"/>
-              <a:t>The full team</a:t>
-            </a:r>
-          </a:p>
-        </p:txBody>
-      </p:sp>
-      <p:pic>
-        <p:nvPicPr>
-          <p:cNvPr id="61" name="Picture Placeholder 21" descr="Team member headshot">
-            <a:extLst>
-              <a:ext uri="{FF2B5EF4-FFF2-40B4-BE49-F238E27FC236}">
-                <a16:creationId xmlns:a16="http://schemas.microsoft.com/office/drawing/2014/main" id="{E64AEA23-99EE-8546-A59A-590923ADA6CA}"/>
-              </a:ext>
-            </a:extLst>
-          </p:cNvPr>
-          <p:cNvPicPr>
-            <a:picLocks noGrp="1" noChangeAspect="1"/>
-          </p:cNvPicPr>
-          <p:nvPr>
-            <p:ph type="pic" sz="quarter" idx="13"/>
-          </p:nvPr>
-        </p:nvPicPr>
-        <p:blipFill rotWithShape="1">
-          <a:blip r:embed="rId2">
-            <a:extLst>
-              <a:ext uri="{28A0092B-C50C-407E-A947-70E740481C1C}">
-                <a14:useLocalDpi xmlns:a14="http://schemas.microsoft.com/office/drawing/2010/main" val="0"/>
-              </a:ext>
-            </a:extLst>
-          </a:blip>
-          <a:srcRect/>
-          <a:stretch/>
-        </p:blipFill>
-        <p:spPr>
-          <a:xfrm>
-            <a:off x="750429" y="2068734"/>
-            <a:ext cx="904987" cy="905641"/>
-          </a:xfrm>
-        </p:spPr>
-      </p:pic>
-      <p:sp>
-        <p:nvSpPr>
-          <p:cNvPr id="7" name="Text Placeholder 6">
-            <a:extLst>
-              <a:ext uri="{FF2B5EF4-FFF2-40B4-BE49-F238E27FC236}">
-                <a16:creationId xmlns:a16="http://schemas.microsoft.com/office/drawing/2014/main" id="{ACC180CB-0C9D-0441-A2D3-F4EDC5DB9741}"/>
-              </a:ext>
-            </a:extLst>
-          </p:cNvPr>
-          <p:cNvSpPr>
-            <a:spLocks noGrp="1"/>
-          </p:cNvSpPr>
-          <p:nvPr>
-            <p:ph type="body" sz="quarter" idx="17"/>
-          </p:nvPr>
-        </p:nvSpPr>
-        <p:spPr>
-          <a:xfrm>
-            <a:off x="750430" y="2994545"/>
-            <a:ext cx="2281237" cy="347662"/>
-          </a:xfrm>
-        </p:spPr>
-        <p:txBody>
-          <a:bodyPr/>
-          <a:lstStyle/>
-          <a:p>
-            <a:r>
-              <a:rPr lang="en-US"/>
-              <a:t>Takuma Hayashi</a:t>
-            </a:r>
-          </a:p>
-        </p:txBody>
-      </p:sp>
-      <p:sp>
-        <p:nvSpPr>
-          <p:cNvPr id="8" name="Text Placeholder 7">
-            <a:extLst>
-              <a:ext uri="{FF2B5EF4-FFF2-40B4-BE49-F238E27FC236}">
-                <a16:creationId xmlns:a16="http://schemas.microsoft.com/office/drawing/2014/main" id="{44627161-B78C-7646-8E85-99BD47FE64E0}"/>
-              </a:ext>
-            </a:extLst>
-          </p:cNvPr>
-          <p:cNvSpPr>
-            <a:spLocks noGrp="1"/>
-          </p:cNvSpPr>
-          <p:nvPr>
-            <p:ph type="body" sz="quarter" idx="18"/>
-          </p:nvPr>
-        </p:nvSpPr>
-        <p:spPr>
-          <a:xfrm>
-            <a:off x="750429" y="3379791"/>
-            <a:ext cx="2281237" cy="347662"/>
-          </a:xfrm>
-        </p:spPr>
-        <p:txBody>
-          <a:bodyPr/>
-          <a:lstStyle/>
-          <a:p>
-            <a:r>
-              <a:rPr lang="en-US"/>
-              <a:t>President</a:t>
-            </a:r>
-          </a:p>
-        </p:txBody>
-      </p:sp>
-      <p:pic>
-        <p:nvPicPr>
-          <p:cNvPr id="62" name="Picture Placeholder 50" descr="Team member headshot">
-            <a:extLst>
-              <a:ext uri="{FF2B5EF4-FFF2-40B4-BE49-F238E27FC236}">
-                <a16:creationId xmlns:a16="http://schemas.microsoft.com/office/drawing/2014/main" id="{C17F05A5-CE13-1545-943B-E3644258662F}"/>
-              </a:ext>
-            </a:extLst>
-          </p:cNvPr>
-          <p:cNvPicPr>
-            <a:picLocks noGrp="1" noChangeAspect="1"/>
-          </p:cNvPicPr>
-          <p:nvPr>
-            <p:ph type="pic" sz="quarter" idx="28"/>
-          </p:nvPr>
-        </p:nvPicPr>
-        <p:blipFill rotWithShape="1">
-          <a:blip r:embed="rId3">
-            <a:extLst>
-              <a:ext uri="{28A0092B-C50C-407E-A947-70E740481C1C}">
-                <a14:useLocalDpi xmlns:a14="http://schemas.microsoft.com/office/drawing/2010/main" val="0"/>
-              </a:ext>
-            </a:extLst>
-          </a:blip>
-          <a:srcRect/>
-          <a:stretch/>
-        </p:blipFill>
-        <p:spPr>
-          <a:xfrm>
-            <a:off x="3549397" y="2068734"/>
-            <a:ext cx="904987" cy="905641"/>
-          </a:xfrm>
-        </p:spPr>
-      </p:pic>
-      <p:sp>
-        <p:nvSpPr>
-          <p:cNvPr id="12" name="Text Placeholder 11">
-            <a:extLst>
-              <a:ext uri="{FF2B5EF4-FFF2-40B4-BE49-F238E27FC236}">
-                <a16:creationId xmlns:a16="http://schemas.microsoft.com/office/drawing/2014/main" id="{E88BDBE3-DBB3-9040-95AC-86789B700450}"/>
-              </a:ext>
-            </a:extLst>
-          </p:cNvPr>
-          <p:cNvSpPr>
-            <a:spLocks noGrp="1"/>
-          </p:cNvSpPr>
-          <p:nvPr>
-            <p:ph type="body" sz="quarter" idx="29"/>
-          </p:nvPr>
-        </p:nvSpPr>
-        <p:spPr>
-          <a:xfrm>
-            <a:off x="3549398" y="2994545"/>
-            <a:ext cx="2281237" cy="347662"/>
-          </a:xfrm>
-        </p:spPr>
-        <p:txBody>
-          <a:bodyPr/>
-          <a:lstStyle/>
-          <a:p>
-            <a:r>
-              <a:rPr lang="en-US"/>
-              <a:t>Mirjam Nilsson</a:t>
-            </a:r>
-          </a:p>
-        </p:txBody>
-      </p:sp>
-      <p:sp>
-        <p:nvSpPr>
-          <p:cNvPr id="13" name="Text Placeholder 12">
-            <a:extLst>
-              <a:ext uri="{FF2B5EF4-FFF2-40B4-BE49-F238E27FC236}">
-                <a16:creationId xmlns:a16="http://schemas.microsoft.com/office/drawing/2014/main" id="{D0969AD2-8004-9B40-90B0-0EBD95268B5A}"/>
-              </a:ext>
-            </a:extLst>
-          </p:cNvPr>
-          <p:cNvSpPr>
-            <a:spLocks noGrp="1"/>
-          </p:cNvSpPr>
-          <p:nvPr>
-            <p:ph type="body" sz="quarter" idx="30"/>
-          </p:nvPr>
-        </p:nvSpPr>
-        <p:spPr>
-          <a:xfrm>
-            <a:off x="3549397" y="3379791"/>
-            <a:ext cx="2281237" cy="347662"/>
-          </a:xfrm>
-        </p:spPr>
-        <p:txBody>
-          <a:bodyPr/>
-          <a:lstStyle/>
-          <a:p>
-            <a:r>
-              <a:rPr lang="en-US"/>
-              <a:t>Chief Executive Officer</a:t>
-            </a:r>
-          </a:p>
-        </p:txBody>
-      </p:sp>
-      <p:pic>
-        <p:nvPicPr>
-          <p:cNvPr id="63" name="Picture Placeholder 17" descr="Team member headshot">
-            <a:extLst>
-              <a:ext uri="{FF2B5EF4-FFF2-40B4-BE49-F238E27FC236}">
-                <a16:creationId xmlns:a16="http://schemas.microsoft.com/office/drawing/2014/main" id="{F3C0B2AF-2268-AE4E-BACC-9FF64E86564C}"/>
-              </a:ext>
-            </a:extLst>
-          </p:cNvPr>
-          <p:cNvPicPr>
-            <a:picLocks noGrp="1" noChangeAspect="1"/>
-          </p:cNvPicPr>
-          <p:nvPr>
-            <p:ph type="pic" sz="quarter" idx="31"/>
-          </p:nvPr>
-        </p:nvPicPr>
-        <p:blipFill rotWithShape="1">
-          <a:blip r:embed="rId4">
-            <a:extLst>
-              <a:ext uri="{28A0092B-C50C-407E-A947-70E740481C1C}">
-                <a14:useLocalDpi xmlns:a14="http://schemas.microsoft.com/office/drawing/2010/main" val="0"/>
-              </a:ext>
-            </a:extLst>
-          </a:blip>
-          <a:srcRect/>
-          <a:stretch/>
-        </p:blipFill>
-        <p:spPr>
-          <a:xfrm>
-            <a:off x="6348367" y="2068734"/>
-            <a:ext cx="904987" cy="905641"/>
-          </a:xfrm>
-        </p:spPr>
-      </p:pic>
-      <p:sp>
-        <p:nvSpPr>
-          <p:cNvPr id="15" name="Text Placeholder 14">
-            <a:extLst>
-              <a:ext uri="{FF2B5EF4-FFF2-40B4-BE49-F238E27FC236}">
-                <a16:creationId xmlns:a16="http://schemas.microsoft.com/office/drawing/2014/main" id="{02C30DA5-B4D3-C343-8FEC-D62948BDA920}"/>
-              </a:ext>
-            </a:extLst>
-          </p:cNvPr>
-          <p:cNvSpPr>
-            <a:spLocks noGrp="1"/>
-          </p:cNvSpPr>
-          <p:nvPr>
-            <p:ph type="body" sz="quarter" idx="32"/>
-          </p:nvPr>
-        </p:nvSpPr>
-        <p:spPr>
-          <a:xfrm>
-            <a:off x="6348368" y="2994545"/>
-            <a:ext cx="2281237" cy="347662"/>
-          </a:xfrm>
-        </p:spPr>
-        <p:txBody>
-          <a:bodyPr/>
-          <a:lstStyle/>
-          <a:p>
-            <a:r>
-              <a:rPr lang="en-US"/>
-              <a:t>Flora Berggren</a:t>
-            </a:r>
-          </a:p>
-        </p:txBody>
-      </p:sp>
-      <p:sp>
-        <p:nvSpPr>
-          <p:cNvPr id="16" name="Text Placeholder 15">
-            <a:extLst>
-              <a:ext uri="{FF2B5EF4-FFF2-40B4-BE49-F238E27FC236}">
-                <a16:creationId xmlns:a16="http://schemas.microsoft.com/office/drawing/2014/main" id="{CD202676-78EE-3240-950B-84A1520E27EE}"/>
-              </a:ext>
-            </a:extLst>
-          </p:cNvPr>
-          <p:cNvSpPr>
-            <a:spLocks noGrp="1"/>
-          </p:cNvSpPr>
-          <p:nvPr>
-            <p:ph type="body" sz="quarter" idx="33"/>
-          </p:nvPr>
-        </p:nvSpPr>
-        <p:spPr>
-          <a:xfrm>
-            <a:off x="6348367" y="3379791"/>
-            <a:ext cx="2281237" cy="347662"/>
-          </a:xfrm>
-        </p:spPr>
-        <p:txBody>
-          <a:bodyPr/>
-          <a:lstStyle/>
-          <a:p>
-            <a:r>
-              <a:rPr lang="en-US"/>
-              <a:t>Chief Operations Manager</a:t>
-            </a:r>
-          </a:p>
-        </p:txBody>
-      </p:sp>
-      <p:pic>
-        <p:nvPicPr>
-          <p:cNvPr id="64" name="Picture Placeholder 19" descr="Team member headshot">
-            <a:extLst>
-              <a:ext uri="{FF2B5EF4-FFF2-40B4-BE49-F238E27FC236}">
-                <a16:creationId xmlns:a16="http://schemas.microsoft.com/office/drawing/2014/main" id="{F2FCDCCE-6383-4047-9485-41AA1E24E8E2}"/>
-              </a:ext>
-            </a:extLst>
-          </p:cNvPr>
-          <p:cNvPicPr>
-            <a:picLocks noGrp="1" noChangeAspect="1"/>
-          </p:cNvPicPr>
-          <p:nvPr>
-            <p:ph type="pic" sz="quarter" idx="34"/>
-          </p:nvPr>
-        </p:nvPicPr>
-        <p:blipFill rotWithShape="1">
-          <a:blip r:embed="rId5">
-            <a:extLst>
-              <a:ext uri="{28A0092B-C50C-407E-A947-70E740481C1C}">
-                <a14:useLocalDpi xmlns:a14="http://schemas.microsoft.com/office/drawing/2010/main" val="0"/>
-              </a:ext>
-            </a:extLst>
-          </a:blip>
-          <a:srcRect/>
-          <a:stretch/>
-        </p:blipFill>
-        <p:spPr>
-          <a:xfrm>
-            <a:off x="9147335" y="2068734"/>
-            <a:ext cx="904987" cy="905641"/>
-          </a:xfrm>
-        </p:spPr>
-      </p:pic>
-      <p:sp>
-        <p:nvSpPr>
-          <p:cNvPr id="18" name="Text Placeholder 17">
-            <a:extLst>
-              <a:ext uri="{FF2B5EF4-FFF2-40B4-BE49-F238E27FC236}">
-                <a16:creationId xmlns:a16="http://schemas.microsoft.com/office/drawing/2014/main" id="{7C503641-A7D5-AD48-A486-CD57C1620326}"/>
-              </a:ext>
-            </a:extLst>
-          </p:cNvPr>
-          <p:cNvSpPr>
-            <a:spLocks noGrp="1"/>
-          </p:cNvSpPr>
-          <p:nvPr>
-            <p:ph type="body" sz="quarter" idx="35"/>
-          </p:nvPr>
-        </p:nvSpPr>
-        <p:spPr>
-          <a:xfrm>
-            <a:off x="9147336" y="2994545"/>
-            <a:ext cx="2281237" cy="347662"/>
-          </a:xfrm>
-        </p:spPr>
-        <p:txBody>
-          <a:bodyPr/>
-          <a:lstStyle/>
-          <a:p>
-            <a:r>
-              <a:rPr lang="en-US"/>
-              <a:t>Rajesh Santoshi</a:t>
-            </a:r>
-          </a:p>
-        </p:txBody>
-      </p:sp>
-      <p:sp>
-        <p:nvSpPr>
-          <p:cNvPr id="19" name="Text Placeholder 18">
-            <a:extLst>
-              <a:ext uri="{FF2B5EF4-FFF2-40B4-BE49-F238E27FC236}">
-                <a16:creationId xmlns:a16="http://schemas.microsoft.com/office/drawing/2014/main" id="{BBEE7C7B-4D43-1342-88B5-B6F833D51AE8}"/>
-              </a:ext>
-            </a:extLst>
-          </p:cNvPr>
-          <p:cNvSpPr>
-            <a:spLocks noGrp="1"/>
-          </p:cNvSpPr>
-          <p:nvPr>
-            <p:ph type="body" sz="quarter" idx="36"/>
-          </p:nvPr>
-        </p:nvSpPr>
-        <p:spPr>
-          <a:xfrm>
-            <a:off x="9147335" y="3379791"/>
-            <a:ext cx="2281237" cy="347662"/>
-          </a:xfrm>
-        </p:spPr>
-        <p:txBody>
-          <a:bodyPr/>
-          <a:lstStyle/>
-          <a:p>
-            <a:r>
-              <a:rPr lang="en-US"/>
-              <a:t>VP Marketing</a:t>
-            </a:r>
-          </a:p>
-        </p:txBody>
-      </p:sp>
-      <p:pic>
-        <p:nvPicPr>
-          <p:cNvPr id="65" name="Picture Placeholder 15" descr="Team member headshot">
-            <a:extLst>
-              <a:ext uri="{FF2B5EF4-FFF2-40B4-BE49-F238E27FC236}">
-                <a16:creationId xmlns:a16="http://schemas.microsoft.com/office/drawing/2014/main" id="{1A89579F-2EA4-E049-9B78-D2237993CDAB}"/>
-              </a:ext>
-            </a:extLst>
-          </p:cNvPr>
-          <p:cNvPicPr>
-            <a:picLocks noGrp="1" noChangeAspect="1"/>
-          </p:cNvPicPr>
-          <p:nvPr>
-            <p:ph type="pic" sz="quarter" idx="37"/>
-          </p:nvPr>
-        </p:nvPicPr>
-        <p:blipFill rotWithShape="1">
-          <a:blip r:embed="rId6">
-            <a:extLst>
-              <a:ext uri="{28A0092B-C50C-407E-A947-70E740481C1C}">
-                <a14:useLocalDpi xmlns:a14="http://schemas.microsoft.com/office/drawing/2010/main" val="0"/>
-              </a:ext>
-            </a:extLst>
-          </a:blip>
-          <a:srcRect/>
-          <a:stretch/>
-        </p:blipFill>
-        <p:spPr>
-          <a:xfrm>
-            <a:off x="750429" y="4118551"/>
-            <a:ext cx="904987" cy="905641"/>
-          </a:xfrm>
-        </p:spPr>
-      </p:pic>
-      <p:sp>
-        <p:nvSpPr>
-          <p:cNvPr id="21" name="Text Placeholder 20">
-            <a:extLst>
-              <a:ext uri="{FF2B5EF4-FFF2-40B4-BE49-F238E27FC236}">
-                <a16:creationId xmlns:a16="http://schemas.microsoft.com/office/drawing/2014/main" id="{F8C89E42-8364-1040-9DF6-7305561F98D7}"/>
-              </a:ext>
-            </a:extLst>
-          </p:cNvPr>
-          <p:cNvSpPr>
-            <a:spLocks noGrp="1"/>
-          </p:cNvSpPr>
-          <p:nvPr>
-            <p:ph type="body" sz="quarter" idx="38"/>
-          </p:nvPr>
-        </p:nvSpPr>
-        <p:spPr>
-          <a:xfrm>
-            <a:off x="750430" y="5044362"/>
-            <a:ext cx="2281237" cy="347662"/>
-          </a:xfrm>
-        </p:spPr>
-        <p:txBody>
-          <a:bodyPr/>
-          <a:lstStyle/>
-          <a:p>
-            <a:r>
-              <a:rPr lang="en-US"/>
-              <a:t>Graham Barnes</a:t>
-            </a:r>
-          </a:p>
-        </p:txBody>
-      </p:sp>
-      <p:sp>
-        <p:nvSpPr>
-          <p:cNvPr id="22" name="Text Placeholder 21">
-            <a:extLst>
-              <a:ext uri="{FF2B5EF4-FFF2-40B4-BE49-F238E27FC236}">
-                <a16:creationId xmlns:a16="http://schemas.microsoft.com/office/drawing/2014/main" id="{B05EDAD8-33DD-0B49-9FA0-360E67ED9B6A}"/>
-              </a:ext>
-            </a:extLst>
-          </p:cNvPr>
-          <p:cNvSpPr>
-            <a:spLocks noGrp="1"/>
-          </p:cNvSpPr>
-          <p:nvPr>
-            <p:ph type="body" sz="quarter" idx="39"/>
-          </p:nvPr>
-        </p:nvSpPr>
-        <p:spPr>
-          <a:xfrm>
-            <a:off x="750429" y="5429608"/>
-            <a:ext cx="2281237" cy="347662"/>
-          </a:xfrm>
-        </p:spPr>
-        <p:txBody>
-          <a:bodyPr/>
-          <a:lstStyle/>
-          <a:p>
-            <a:r>
-              <a:rPr lang="en-US"/>
-              <a:t>VP Product</a:t>
-            </a:r>
-          </a:p>
-        </p:txBody>
-      </p:sp>
-      <p:pic>
-        <p:nvPicPr>
-          <p:cNvPr id="66" name="Picture Placeholder 48" descr="Team member headshot">
-            <a:extLst>
-              <a:ext uri="{FF2B5EF4-FFF2-40B4-BE49-F238E27FC236}">
-                <a16:creationId xmlns:a16="http://schemas.microsoft.com/office/drawing/2014/main" id="{4E145096-B7BF-9C4C-97FA-308F61FE406A}"/>
-              </a:ext>
-            </a:extLst>
-          </p:cNvPr>
-          <p:cNvPicPr>
-            <a:picLocks noGrp="1" noChangeAspect="1"/>
-          </p:cNvPicPr>
-          <p:nvPr>
-            <p:ph type="pic" sz="quarter" idx="40"/>
-          </p:nvPr>
-        </p:nvPicPr>
-        <p:blipFill rotWithShape="1">
-          <a:blip r:embed="rId7">
-            <a:extLst>
-              <a:ext uri="{28A0092B-C50C-407E-A947-70E740481C1C}">
-                <a14:useLocalDpi xmlns:a14="http://schemas.microsoft.com/office/drawing/2010/main" val="0"/>
-              </a:ext>
-            </a:extLst>
-          </a:blip>
-          <a:srcRect/>
-          <a:stretch/>
-        </p:blipFill>
-        <p:spPr>
-          <a:xfrm>
-            <a:off x="3549397" y="4118551"/>
-            <a:ext cx="904987" cy="905641"/>
-          </a:xfrm>
-        </p:spPr>
-      </p:pic>
-      <p:sp>
-        <p:nvSpPr>
-          <p:cNvPr id="24" name="Text Placeholder 23">
-            <a:extLst>
-              <a:ext uri="{FF2B5EF4-FFF2-40B4-BE49-F238E27FC236}">
-                <a16:creationId xmlns:a16="http://schemas.microsoft.com/office/drawing/2014/main" id="{9B1711A4-C7D5-8D4D-82CD-4FBE8CC7FFE7}"/>
-              </a:ext>
-            </a:extLst>
-          </p:cNvPr>
-          <p:cNvSpPr>
-            <a:spLocks noGrp="1"/>
-          </p:cNvSpPr>
-          <p:nvPr>
-            <p:ph type="body" sz="quarter" idx="41"/>
-          </p:nvPr>
-        </p:nvSpPr>
-        <p:spPr>
-          <a:xfrm>
-            <a:off x="3549398" y="5044362"/>
-            <a:ext cx="2281237" cy="347662"/>
-          </a:xfrm>
-        </p:spPr>
-        <p:txBody>
-          <a:bodyPr/>
-          <a:lstStyle/>
-          <a:p>
-            <a:r>
-              <a:rPr lang="en-US"/>
-              <a:t>Rowan Murphy</a:t>
-            </a:r>
-          </a:p>
-        </p:txBody>
-      </p:sp>
-      <p:sp>
-        <p:nvSpPr>
-          <p:cNvPr id="25" name="Text Placeholder 24">
-            <a:extLst>
-              <a:ext uri="{FF2B5EF4-FFF2-40B4-BE49-F238E27FC236}">
-                <a16:creationId xmlns:a16="http://schemas.microsoft.com/office/drawing/2014/main" id="{1D585144-668F-6141-B4A4-98C6E14ACA71}"/>
-              </a:ext>
-            </a:extLst>
-          </p:cNvPr>
-          <p:cNvSpPr>
-            <a:spLocks noGrp="1"/>
-          </p:cNvSpPr>
-          <p:nvPr>
-            <p:ph type="body" sz="quarter" idx="42"/>
-          </p:nvPr>
-        </p:nvSpPr>
-        <p:spPr>
-          <a:xfrm>
-            <a:off x="3549397" y="5429608"/>
-            <a:ext cx="2281237" cy="347662"/>
-          </a:xfrm>
-        </p:spPr>
-        <p:txBody>
-          <a:bodyPr/>
-          <a:lstStyle/>
-          <a:p>
-            <a:r>
-              <a:rPr lang="en-US"/>
-              <a:t>SEO Strategist</a:t>
-            </a:r>
-          </a:p>
-        </p:txBody>
-      </p:sp>
-      <p:pic>
-        <p:nvPicPr>
-          <p:cNvPr id="67" name="Picture Placeholder 52" descr="Team member headshot">
-            <a:extLst>
-              <a:ext uri="{FF2B5EF4-FFF2-40B4-BE49-F238E27FC236}">
-                <a16:creationId xmlns:a16="http://schemas.microsoft.com/office/drawing/2014/main" id="{25B94F1A-D947-AF4E-BC9D-9B02C4E4EB30}"/>
-              </a:ext>
-            </a:extLst>
-          </p:cNvPr>
-          <p:cNvPicPr>
-            <a:picLocks noGrp="1" noChangeAspect="1"/>
-          </p:cNvPicPr>
-          <p:nvPr>
-            <p:ph type="pic" sz="quarter" idx="43"/>
-          </p:nvPr>
-        </p:nvPicPr>
-        <p:blipFill rotWithShape="1">
-          <a:blip r:embed="rId8">
-            <a:extLst>
-              <a:ext uri="{28A0092B-C50C-407E-A947-70E740481C1C}">
-                <a14:useLocalDpi xmlns:a14="http://schemas.microsoft.com/office/drawing/2010/main" val="0"/>
-              </a:ext>
-            </a:extLst>
-          </a:blip>
-          <a:srcRect/>
-          <a:stretch/>
-        </p:blipFill>
-        <p:spPr>
-          <a:xfrm>
-            <a:off x="6348367" y="4118551"/>
-            <a:ext cx="904987" cy="905641"/>
-          </a:xfrm>
-        </p:spPr>
-      </p:pic>
-      <p:sp>
-        <p:nvSpPr>
-          <p:cNvPr id="27" name="Text Placeholder 26">
-            <a:extLst>
-              <a:ext uri="{FF2B5EF4-FFF2-40B4-BE49-F238E27FC236}">
-                <a16:creationId xmlns:a16="http://schemas.microsoft.com/office/drawing/2014/main" id="{C63E461E-3AFB-0843-B481-D906526D48B2}"/>
-              </a:ext>
-            </a:extLst>
-          </p:cNvPr>
-          <p:cNvSpPr>
-            <a:spLocks noGrp="1"/>
-          </p:cNvSpPr>
-          <p:nvPr>
-            <p:ph type="body" sz="quarter" idx="44"/>
-          </p:nvPr>
-        </p:nvSpPr>
-        <p:spPr>
-          <a:xfrm>
-            <a:off x="6348368" y="5044362"/>
-            <a:ext cx="2281237" cy="347662"/>
-          </a:xfrm>
-        </p:spPr>
-        <p:txBody>
-          <a:bodyPr/>
-          <a:lstStyle/>
-          <a:p>
-            <a:r>
-              <a:rPr lang="en-US"/>
-              <a:t>Elizabeth Moore</a:t>
-            </a:r>
-          </a:p>
-        </p:txBody>
-      </p:sp>
-      <p:sp>
-        <p:nvSpPr>
-          <p:cNvPr id="28" name="Text Placeholder 27">
-            <a:extLst>
-              <a:ext uri="{FF2B5EF4-FFF2-40B4-BE49-F238E27FC236}">
-                <a16:creationId xmlns:a16="http://schemas.microsoft.com/office/drawing/2014/main" id="{83F586E4-67FA-B94C-AF67-F2E5E6E54157}"/>
-              </a:ext>
-            </a:extLst>
-          </p:cNvPr>
-          <p:cNvSpPr>
-            <a:spLocks noGrp="1"/>
-          </p:cNvSpPr>
-          <p:nvPr>
-            <p:ph type="body" sz="quarter" idx="45"/>
-          </p:nvPr>
-        </p:nvSpPr>
-        <p:spPr>
-          <a:xfrm>
-            <a:off x="6348367" y="5429608"/>
-            <a:ext cx="2281237" cy="347662"/>
-          </a:xfrm>
-        </p:spPr>
-        <p:txBody>
-          <a:bodyPr/>
-          <a:lstStyle/>
-          <a:p>
-            <a:r>
-              <a:rPr lang="en-US"/>
-              <a:t>Product Designer</a:t>
-            </a:r>
-          </a:p>
-        </p:txBody>
-      </p:sp>
-      <p:pic>
-        <p:nvPicPr>
-          <p:cNvPr id="68" name="Picture Placeholder 54" descr="Team member headshot">
-            <a:extLst>
-              <a:ext uri="{FF2B5EF4-FFF2-40B4-BE49-F238E27FC236}">
-                <a16:creationId xmlns:a16="http://schemas.microsoft.com/office/drawing/2014/main" id="{7E3F00C5-0B4F-FE4F-9561-1EB505B31873}"/>
-              </a:ext>
-            </a:extLst>
-          </p:cNvPr>
-          <p:cNvPicPr>
-            <a:picLocks noGrp="1" noChangeAspect="1"/>
-          </p:cNvPicPr>
-          <p:nvPr>
-            <p:ph type="pic" sz="quarter" idx="46"/>
-          </p:nvPr>
-        </p:nvPicPr>
-        <p:blipFill rotWithShape="1">
-          <a:blip r:embed="rId9">
-            <a:extLst>
-              <a:ext uri="{28A0092B-C50C-407E-A947-70E740481C1C}">
-                <a14:useLocalDpi xmlns:a14="http://schemas.microsoft.com/office/drawing/2010/main" val="0"/>
-              </a:ext>
-            </a:extLst>
-          </a:blip>
-          <a:srcRect/>
-          <a:stretch/>
-        </p:blipFill>
-        <p:spPr>
-          <a:xfrm>
-            <a:off x="9147335" y="4118551"/>
-            <a:ext cx="904987" cy="905641"/>
-          </a:xfrm>
-        </p:spPr>
-      </p:pic>
-      <p:sp>
-        <p:nvSpPr>
-          <p:cNvPr id="36" name="Text Placeholder 35">
-            <a:extLst>
-              <a:ext uri="{FF2B5EF4-FFF2-40B4-BE49-F238E27FC236}">
-                <a16:creationId xmlns:a16="http://schemas.microsoft.com/office/drawing/2014/main" id="{875B85E2-950C-CB45-A7F7-DE257EA20BB3}"/>
-              </a:ext>
-            </a:extLst>
-          </p:cNvPr>
-          <p:cNvSpPr>
-            <a:spLocks noGrp="1"/>
-          </p:cNvSpPr>
-          <p:nvPr>
-            <p:ph type="body" sz="quarter" idx="47"/>
-          </p:nvPr>
-        </p:nvSpPr>
-        <p:spPr>
-          <a:xfrm>
-            <a:off x="9147336" y="5044362"/>
-            <a:ext cx="2281237" cy="347662"/>
-          </a:xfrm>
-        </p:spPr>
-        <p:txBody>
-          <a:bodyPr/>
-          <a:lstStyle/>
-          <a:p>
-            <a:r>
-              <a:rPr lang="en-US"/>
-              <a:t>Robin Kline</a:t>
-            </a:r>
-          </a:p>
-        </p:txBody>
-      </p:sp>
-      <p:sp>
-        <p:nvSpPr>
-          <p:cNvPr id="37" name="Text Placeholder 36">
-            <a:extLst>
-              <a:ext uri="{FF2B5EF4-FFF2-40B4-BE49-F238E27FC236}">
-                <a16:creationId xmlns:a16="http://schemas.microsoft.com/office/drawing/2014/main" id="{FC8EFF8B-CC40-9646-AAFC-092814DA02AD}"/>
-              </a:ext>
-            </a:extLst>
-          </p:cNvPr>
-          <p:cNvSpPr>
-            <a:spLocks noGrp="1"/>
-          </p:cNvSpPr>
-          <p:nvPr>
-            <p:ph type="body" sz="quarter" idx="48"/>
-          </p:nvPr>
-        </p:nvSpPr>
-        <p:spPr>
-          <a:xfrm>
-            <a:off x="9147335" y="5429608"/>
-            <a:ext cx="2281237" cy="347662"/>
-          </a:xfrm>
-        </p:spPr>
-        <p:txBody>
-          <a:bodyPr/>
-          <a:lstStyle/>
-          <a:p>
-            <a:r>
-              <a:rPr lang="en-US"/>
-              <a:t>Content Developer</a:t>
-            </a:r>
-          </a:p>
-        </p:txBody>
-      </p:sp>
-      <p:sp>
-        <p:nvSpPr>
-          <p:cNvPr id="3" name="Date Placeholder 2">
-            <a:extLst>
-              <a:ext uri="{FF2B5EF4-FFF2-40B4-BE49-F238E27FC236}">
-                <a16:creationId xmlns:a16="http://schemas.microsoft.com/office/drawing/2014/main" id="{DF3B501F-5E7A-5D46-8856-A27912A21D96}"/>
-              </a:ext>
-            </a:extLst>
-          </p:cNvPr>
-          <p:cNvSpPr>
-            <a:spLocks noGrp="1"/>
-          </p:cNvSpPr>
-          <p:nvPr>
-            <p:ph type="dt" sz="half" idx="25"/>
-          </p:nvPr>
-        </p:nvSpPr>
-        <p:spPr>
-          <a:xfrm>
-            <a:off x="381000" y="6356350"/>
-            <a:ext cx="2743200" cy="365125"/>
-          </a:xfrm>
-        </p:spPr>
-        <p:txBody>
-          <a:bodyPr/>
-          <a:lstStyle/>
-          <a:p>
-            <a:fld id="{52D104B6-D63E-FE41-98E2-AF7FB6EA6483}" type="datetime1">
-              <a:rPr lang="en-US" smtClean="0"/>
-              <a:pPr/>
-              <a:t>11/20/2022</a:t>
-            </a:fld>
-            <a:endParaRPr lang="en-US"/>
-          </a:p>
-        </p:txBody>
-      </p:sp>
-      <p:sp>
-        <p:nvSpPr>
-          <p:cNvPr id="4" name="Footer Placeholder 3">
-            <a:extLst>
-              <a:ext uri="{FF2B5EF4-FFF2-40B4-BE49-F238E27FC236}">
-                <a16:creationId xmlns:a16="http://schemas.microsoft.com/office/drawing/2014/main" id="{E9CE3E8F-3700-FE42-BA65-89071D20A786}"/>
-              </a:ext>
-            </a:extLst>
-          </p:cNvPr>
-          <p:cNvSpPr>
-            <a:spLocks noGrp="1"/>
-          </p:cNvSpPr>
-          <p:nvPr>
-            <p:ph type="ftr" sz="quarter" idx="26"/>
-          </p:nvPr>
-        </p:nvSpPr>
-        <p:spPr>
-          <a:xfrm>
-            <a:off x="4038600" y="6356350"/>
-            <a:ext cx="4114800" cy="365125"/>
-          </a:xfrm>
-        </p:spPr>
-        <p:txBody>
-          <a:bodyPr/>
-          <a:lstStyle/>
-          <a:p>
-            <a:r>
-              <a:rPr lang="en-US"/>
-              <a:t>PRESENTATION TITLE</a:t>
-            </a:r>
-          </a:p>
-        </p:txBody>
-      </p:sp>
-      <p:sp>
-        <p:nvSpPr>
-          <p:cNvPr id="5" name="Slide Number Placeholder 4">
-            <a:extLst>
-              <a:ext uri="{FF2B5EF4-FFF2-40B4-BE49-F238E27FC236}">
-                <a16:creationId xmlns:a16="http://schemas.microsoft.com/office/drawing/2014/main" id="{352A2850-23AF-A249-8907-5DAF2E2D2269}"/>
-              </a:ext>
-            </a:extLst>
-          </p:cNvPr>
-          <p:cNvSpPr>
-            <a:spLocks noGrp="1"/>
-          </p:cNvSpPr>
-          <p:nvPr>
-            <p:ph type="sldNum" sz="quarter" idx="27"/>
-          </p:nvPr>
-        </p:nvSpPr>
-        <p:spPr>
-          <a:xfrm>
-            <a:off x="9067800" y="6356350"/>
-            <a:ext cx="2743200" cy="365125"/>
-          </a:xfrm>
-        </p:spPr>
-        <p:txBody>
-          <a:bodyPr/>
-          <a:lstStyle/>
-          <a:p>
-            <a:fld id="{294A09A9-5501-47C1-A89A-A340965A2BE2}" type="slidenum">
-              <a:rPr lang="en-US" smtClean="0"/>
-              <a:pPr/>
-              <a:t>9</a:t>
-            </a:fld>
-            <a:endParaRPr lang="en-US"/>
-          </a:p>
-        </p:txBody>
-      </p:sp>
-    </p:spTree>
-    <p:extLst>
-      <p:ext uri="{BB962C8B-B14F-4D97-AF65-F5344CB8AC3E}">
-        <p14:creationId xmlns:p14="http://schemas.microsoft.com/office/powerpoint/2010/main" val="3396266754"/>
       </p:ext>
     </p:extLst>
   </p:cSld>
@@ -31550,34 +32488,6 @@
 </file>
 
 <file path=customXml/item1.xml><?xml version="1.0" encoding="utf-8"?>
-<?mso-contentType ?>
-<FormTemplates xmlns="http://schemas.microsoft.com/sharepoint/v3/contenttype/forms">
-  <Display>DocumentLibraryForm</Display>
-  <Edit>DocumentLibraryForm</Edit>
-  <New>DocumentLibraryForm</New>
-</FormTemplates>
-</file>
-
-<file path=customXml/item2.xml><?xml version="1.0" encoding="utf-8"?>
-<p:properties xmlns:p="http://schemas.microsoft.com/office/2006/metadata/properties" xmlns:xsi="http://www.w3.org/2001/XMLSchema-instance" xmlns:pc="http://schemas.microsoft.com/office/infopath/2007/PartnerControls">
-  <documentManagement>
-    <_ip_UnifiedCompliancePolicyUIAction xmlns="http://schemas.microsoft.com/sharepoint/v3" xsi:nil="true"/>
-    <Image xmlns="71af3243-3dd4-4a8d-8c0d-dd76da1f02a5">
-      <Url xsi:nil="true"/>
-      <Description xsi:nil="true"/>
-    </Image>
-    <Status xmlns="71af3243-3dd4-4a8d-8c0d-dd76da1f02a5">Not started</Status>
-    <_ip_UnifiedCompliancePolicyProperties xmlns="http://schemas.microsoft.com/sharepoint/v3" xsi:nil="true"/>
-    <ImageTagsTaxHTField xmlns="71af3243-3dd4-4a8d-8c0d-dd76da1f02a5">
-      <Terms xmlns="http://schemas.microsoft.com/office/infopath/2007/PartnerControls"/>
-    </ImageTagsTaxHTField>
-    <TaxCatchAll xmlns="230e9df3-be65-4c73-a93b-d1236ebd677e"/>
-    <MediaServiceKeyPoints xmlns="71af3243-3dd4-4a8d-8c0d-dd76da1f02a5" xsi:nil="true"/>
-  </documentManagement>
-</p:properties>
-</file>
-
-<file path=customXml/item3.xml><?xml version="1.0" encoding="utf-8"?>
 <ct:contentTypeSchema xmlns:ct="http://schemas.microsoft.com/office/2006/metadata/contentType" xmlns:ma="http://schemas.microsoft.com/office/2006/metadata/properties/metaAttributes" ct:_="" ma:_="" ma:contentTypeName="Document" ma:contentTypeID="0x01010079F111ED35F8CC479449609E8A0923A6" ma:contentTypeVersion="21" ma:contentTypeDescription="Create a new document." ma:contentTypeScope="" ma:versionID="64dfb1555687e0874b4304b796b5b0c7">
   <xsd:schema xmlns:xsd="http://www.w3.org/2001/XMLSchema" xmlns:xs="http://www.w3.org/2001/XMLSchema" xmlns:p="http://schemas.microsoft.com/office/2006/metadata/properties" xmlns:ns1="http://schemas.microsoft.com/sharepoint/v3" xmlns:ns2="71af3243-3dd4-4a8d-8c0d-dd76da1f02a5" xmlns:ns3="16c05727-aa75-4e4a-9b5f-8a80a1165891" xmlns:ns4="230e9df3-be65-4c73-a93b-d1236ebd677e" targetNamespace="http://schemas.microsoft.com/office/2006/metadata/properties" ma:root="true" ma:fieldsID="e6e4c555b5e194d05b7203de9c4567b3" ns1:_="" ns2:_="" ns3:_="" ns4:_="">
     <xsd:import namespace="http://schemas.microsoft.com/sharepoint/v3"/>
@@ -31859,27 +32769,35 @@
 </ct:contentTypeSchema>
 </file>
 
-<file path=customXml/itemProps1.xml><?xml version="1.0" encoding="utf-8"?>
-<ds:datastoreItem xmlns:ds="http://schemas.openxmlformats.org/officeDocument/2006/customXml" ds:itemID="{85334180-0405-413B-834A-44FA9E05ADB7}">
-  <ds:schemaRefs>
-    <ds:schemaRef ds:uri="http://schemas.microsoft.com/sharepoint/v3/contenttype/forms"/>
-  </ds:schemaRefs>
-</ds:datastoreItem>
+<file path=customXml/item2.xml><?xml version="1.0" encoding="utf-8"?>
+<p:properties xmlns:p="http://schemas.microsoft.com/office/2006/metadata/properties" xmlns:xsi="http://www.w3.org/2001/XMLSchema-instance" xmlns:pc="http://schemas.microsoft.com/office/infopath/2007/PartnerControls">
+  <documentManagement>
+    <_ip_UnifiedCompliancePolicyUIAction xmlns="http://schemas.microsoft.com/sharepoint/v3" xsi:nil="true"/>
+    <Image xmlns="71af3243-3dd4-4a8d-8c0d-dd76da1f02a5">
+      <Url xsi:nil="true"/>
+      <Description xsi:nil="true"/>
+    </Image>
+    <Status xmlns="71af3243-3dd4-4a8d-8c0d-dd76da1f02a5">Not started</Status>
+    <_ip_UnifiedCompliancePolicyProperties xmlns="http://schemas.microsoft.com/sharepoint/v3" xsi:nil="true"/>
+    <ImageTagsTaxHTField xmlns="71af3243-3dd4-4a8d-8c0d-dd76da1f02a5">
+      <Terms xmlns="http://schemas.microsoft.com/office/infopath/2007/PartnerControls"/>
+    </ImageTagsTaxHTField>
+    <TaxCatchAll xmlns="230e9df3-be65-4c73-a93b-d1236ebd677e"/>
+    <MediaServiceKeyPoints xmlns="71af3243-3dd4-4a8d-8c0d-dd76da1f02a5" xsi:nil="true"/>
+  </documentManagement>
+</p:properties>
 </file>
 
-<file path=customXml/itemProps2.xml><?xml version="1.0" encoding="utf-8"?>
-<ds:datastoreItem xmlns:ds="http://schemas.openxmlformats.org/officeDocument/2006/customXml" ds:itemID="{4D5BAB77-79E1-4739-AA51-10C9079186D6}">
-  <ds:schemaRefs>
-    <ds:schemaRef ds:uri="http://schemas.microsoft.com/office/2006/metadata/properties"/>
-    <ds:schemaRef ds:uri="http://schemas.microsoft.com/office/infopath/2007/PartnerControls"/>
-    <ds:schemaRef ds:uri="http://schemas.microsoft.com/sharepoint/v3"/>
-    <ds:schemaRef ds:uri="71af3243-3dd4-4a8d-8c0d-dd76da1f02a5"/>
-    <ds:schemaRef ds:uri="230e9df3-be65-4c73-a93b-d1236ebd677e"/>
-  </ds:schemaRefs>
-</ds:datastoreItem>
+<file path=customXml/item3.xml><?xml version="1.0" encoding="utf-8"?>
+<?mso-contentType ?>
+<FormTemplates xmlns="http://schemas.microsoft.com/sharepoint/v3/contenttype/forms">
+  <Display>DocumentLibraryForm</Display>
+  <Edit>DocumentLibraryForm</Edit>
+  <New>DocumentLibraryForm</New>
+</FormTemplates>
 </file>
 
-<file path=customXml/itemProps3.xml><?xml version="1.0" encoding="utf-8"?>
+<file path=customXml/itemProps1.xml><?xml version="1.0" encoding="utf-8"?>
 <ds:datastoreItem xmlns:ds="http://schemas.openxmlformats.org/officeDocument/2006/customXml" ds:itemID="{4A615295-94F6-4CE2-A1B1-6B7E1DAA5AD6}">
   <ds:schemaRefs>
     <ds:schemaRef ds:uri="http://schemas.microsoft.com/office/2006/metadata/contentType"/>
@@ -31900,6 +32818,26 @@
 </ds:datastoreItem>
 </file>
 
+<file path=customXml/itemProps2.xml><?xml version="1.0" encoding="utf-8"?>
+<ds:datastoreItem xmlns:ds="http://schemas.openxmlformats.org/officeDocument/2006/customXml" ds:itemID="{4D5BAB77-79E1-4739-AA51-10C9079186D6}">
+  <ds:schemaRefs>
+    <ds:schemaRef ds:uri="http://schemas.microsoft.com/office/2006/metadata/properties"/>
+    <ds:schemaRef ds:uri="http://schemas.microsoft.com/office/infopath/2007/PartnerControls"/>
+    <ds:schemaRef ds:uri="http://schemas.microsoft.com/sharepoint/v3"/>
+    <ds:schemaRef ds:uri="71af3243-3dd4-4a8d-8c0d-dd76da1f02a5"/>
+    <ds:schemaRef ds:uri="230e9df3-be65-4c73-a93b-d1236ebd677e"/>
+  </ds:schemaRefs>
+</ds:datastoreItem>
+</file>
+
+<file path=customXml/itemProps3.xml><?xml version="1.0" encoding="utf-8"?>
+<ds:datastoreItem xmlns:ds="http://schemas.openxmlformats.org/officeDocument/2006/customXml" ds:itemID="{85334180-0405-413B-834A-44FA9E05ADB7}">
+  <ds:schemaRefs>
+    <ds:schemaRef ds:uri="http://schemas.microsoft.com/sharepoint/v3/contenttype/forms"/>
+  </ds:schemaRefs>
+</ds:datastoreItem>
+</file>
+
 <file path=docMetadata/LabelInfo.xml><?xml version="1.0" encoding="utf-8"?>
 <clbl:labelList xmlns:clbl="http://schemas.microsoft.com/office/2020/mipLabelMetadata">
   <clbl:label id="{f42aa342-8706-4288-bd11-ebb85995028c}" enabled="1" method="Standard" siteId="{72f988bf-86f1-41af-91ab-2d7cd011db47}" removed="0"/>
